--- a/Notes/3_Quantum_TheoryII.pptx
+++ b/Notes/3_Quantum_TheoryII.pptx
@@ -129,6 +129,22 @@
       </a:defRPr>
     </a:lvl9pPr>
   </p:defaultTextStyle>
+  <p:extLst>
+    <p:ext uri="{EFAFB233-063F-42B5-8137-9DF3F51BA10A}">
+      <p15:sldGuideLst xmlns:p15="http://schemas.microsoft.com/office/powerpoint/2012/main">
+        <p15:guide id="1" orient="horz" pos="2160">
+          <p15:clr>
+            <a:srgbClr val="A4A3A4"/>
+          </p15:clr>
+        </p15:guide>
+        <p15:guide id="2" pos="2880">
+          <p15:clr>
+            <a:srgbClr val="A4A3A4"/>
+          </p15:clr>
+        </p15:guide>
+      </p15:sldGuideLst>
+    </p:ext>
+  </p:extLst>
 </p:presentation>
 </file>
 
@@ -214,7 +230,7 @@
           <a:p>
             <a:fld id="{47B5508F-B9DA-3A4B-92BF-6A4138802024}" type="datetimeFigureOut">
               <a:rPr lang="en-US" smtClean="0"/>
-              <a:t>9/12/17</a:t>
+              <a:t>9/10/2019</a:t>
             </a:fld>
             <a:endParaRPr lang="en-US"/>
           </a:p>
@@ -278,38 +294,37 @@
           <a:p>
             <a:pPr lvl="0"/>
             <a:r>
-              <a:rPr lang="en-US" smtClean="0"/>
+              <a:rPr lang="en-US"/>
               <a:t>Click to edit Master text styles</a:t>
             </a:r>
           </a:p>
           <a:p>
             <a:pPr lvl="1"/>
             <a:r>
-              <a:rPr lang="en-US" smtClean="0"/>
+              <a:rPr lang="en-US"/>
               <a:t>Second level</a:t>
             </a:r>
           </a:p>
           <a:p>
             <a:pPr lvl="2"/>
             <a:r>
-              <a:rPr lang="en-US" smtClean="0"/>
+              <a:rPr lang="en-US"/>
               <a:t>Third level</a:t>
             </a:r>
           </a:p>
           <a:p>
             <a:pPr lvl="3"/>
             <a:r>
-              <a:rPr lang="en-US" smtClean="0"/>
+              <a:rPr lang="en-US"/>
               <a:t>Fourth level</a:t>
             </a:r>
           </a:p>
           <a:p>
             <a:pPr lvl="4"/>
             <a:r>
-              <a:rPr lang="en-US" smtClean="0"/>
+              <a:rPr lang="en-US"/>
               <a:t>Fifth level</a:t>
             </a:r>
-            <a:endParaRPr lang="en-US"/>
           </a:p>
         </p:txBody>
       </p:sp>
@@ -607,10 +622,9 @@
           <a:lstStyle/>
           <a:p>
             <a:r>
-              <a:rPr lang="en-US" smtClean="0"/>
+              <a:rPr lang="en-US"/>
               <a:t>Click to edit Master title style</a:t>
             </a:r>
-            <a:endParaRPr lang="en-US"/>
           </a:p>
         </p:txBody>
       </p:sp>
@@ -726,10 +740,9 @@
           </a:lstStyle>
           <a:p>
             <a:r>
-              <a:rPr lang="en-US" smtClean="0"/>
+              <a:rPr lang="en-US"/>
               <a:t>Click to edit Master subtitle style</a:t>
             </a:r>
-            <a:endParaRPr lang="en-US"/>
           </a:p>
         </p:txBody>
       </p:sp>
@@ -751,7 +764,7 @@
             <a:fld id="{B2F2B4BC-311C-574E-AB1F-5BCC7E00BDAB}" type="datetimeFigureOut">
               <a:rPr lang="en-US" smtClean="0"/>
               <a:pPr/>
-              <a:t>9/12/17</a:t>
+              <a:t>9/10/2019</a:t>
             </a:fld>
             <a:endParaRPr lang="en-US"/>
           </a:p>
@@ -841,10 +854,9 @@
           <a:lstStyle/>
           <a:p>
             <a:r>
-              <a:rPr lang="en-US" smtClean="0"/>
+              <a:rPr lang="en-US"/>
               <a:t>Click to edit Master title style</a:t>
             </a:r>
-            <a:endParaRPr lang="en-US"/>
           </a:p>
         </p:txBody>
       </p:sp>
@@ -865,38 +877,37 @@
           <a:p>
             <a:pPr lvl="0"/>
             <a:r>
-              <a:rPr lang="en-US" smtClean="0"/>
+              <a:rPr lang="en-US"/>
               <a:t>Click to edit Master text styles</a:t>
             </a:r>
           </a:p>
           <a:p>
             <a:pPr lvl="1"/>
             <a:r>
-              <a:rPr lang="en-US" smtClean="0"/>
+              <a:rPr lang="en-US"/>
               <a:t>Second level</a:t>
             </a:r>
           </a:p>
           <a:p>
             <a:pPr lvl="2"/>
             <a:r>
-              <a:rPr lang="en-US" smtClean="0"/>
+              <a:rPr lang="en-US"/>
               <a:t>Third level</a:t>
             </a:r>
           </a:p>
           <a:p>
             <a:pPr lvl="3"/>
             <a:r>
-              <a:rPr lang="en-US" smtClean="0"/>
+              <a:rPr lang="en-US"/>
               <a:t>Fourth level</a:t>
             </a:r>
           </a:p>
           <a:p>
             <a:pPr lvl="4"/>
             <a:r>
-              <a:rPr lang="en-US" smtClean="0"/>
+              <a:rPr lang="en-US"/>
               <a:t>Fifth level</a:t>
             </a:r>
-            <a:endParaRPr lang="en-US"/>
           </a:p>
         </p:txBody>
       </p:sp>
@@ -918,7 +929,7 @@
             <a:fld id="{B2F2B4BC-311C-574E-AB1F-5BCC7E00BDAB}" type="datetimeFigureOut">
               <a:rPr lang="en-US" smtClean="0"/>
               <a:pPr/>
-              <a:t>9/12/17</a:t>
+              <a:t>9/10/2019</a:t>
             </a:fld>
             <a:endParaRPr lang="en-US"/>
           </a:p>
@@ -1013,10 +1024,9 @@
           <a:lstStyle/>
           <a:p>
             <a:r>
-              <a:rPr lang="en-US" smtClean="0"/>
+              <a:rPr lang="en-US"/>
               <a:t>Click to edit Master title style</a:t>
             </a:r>
-            <a:endParaRPr lang="en-US"/>
           </a:p>
         </p:txBody>
       </p:sp>
@@ -1042,38 +1052,37 @@
           <a:p>
             <a:pPr lvl="0"/>
             <a:r>
-              <a:rPr lang="en-US" smtClean="0"/>
+              <a:rPr lang="en-US"/>
               <a:t>Click to edit Master text styles</a:t>
             </a:r>
           </a:p>
           <a:p>
             <a:pPr lvl="1"/>
             <a:r>
-              <a:rPr lang="en-US" smtClean="0"/>
+              <a:rPr lang="en-US"/>
               <a:t>Second level</a:t>
             </a:r>
           </a:p>
           <a:p>
             <a:pPr lvl="2"/>
             <a:r>
-              <a:rPr lang="en-US" smtClean="0"/>
+              <a:rPr lang="en-US"/>
               <a:t>Third level</a:t>
             </a:r>
           </a:p>
           <a:p>
             <a:pPr lvl="3"/>
             <a:r>
-              <a:rPr lang="en-US" smtClean="0"/>
+              <a:rPr lang="en-US"/>
               <a:t>Fourth level</a:t>
             </a:r>
           </a:p>
           <a:p>
             <a:pPr lvl="4"/>
             <a:r>
-              <a:rPr lang="en-US" smtClean="0"/>
+              <a:rPr lang="en-US"/>
               <a:t>Fifth level</a:t>
             </a:r>
-            <a:endParaRPr lang="en-US"/>
           </a:p>
         </p:txBody>
       </p:sp>
@@ -1095,7 +1104,7 @@
             <a:fld id="{B2F2B4BC-311C-574E-AB1F-5BCC7E00BDAB}" type="datetimeFigureOut">
               <a:rPr lang="en-US" smtClean="0"/>
               <a:pPr/>
-              <a:t>9/12/17</a:t>
+              <a:t>9/10/2019</a:t>
             </a:fld>
             <a:endParaRPr lang="en-US"/>
           </a:p>
@@ -1185,10 +1194,9 @@
           <a:lstStyle/>
           <a:p>
             <a:r>
-              <a:rPr lang="en-US" smtClean="0"/>
+              <a:rPr lang="en-US"/>
               <a:t>Click to edit Master title style</a:t>
             </a:r>
-            <a:endParaRPr lang="en-US"/>
           </a:p>
         </p:txBody>
       </p:sp>
@@ -1209,38 +1217,37 @@
           <a:p>
             <a:pPr lvl="0"/>
             <a:r>
-              <a:rPr lang="en-US" smtClean="0"/>
+              <a:rPr lang="en-US"/>
               <a:t>Click to edit Master text styles</a:t>
             </a:r>
           </a:p>
           <a:p>
             <a:pPr lvl="1"/>
             <a:r>
-              <a:rPr lang="en-US" smtClean="0"/>
+              <a:rPr lang="en-US"/>
               <a:t>Second level</a:t>
             </a:r>
           </a:p>
           <a:p>
             <a:pPr lvl="2"/>
             <a:r>
-              <a:rPr lang="en-US" smtClean="0"/>
+              <a:rPr lang="en-US"/>
               <a:t>Third level</a:t>
             </a:r>
           </a:p>
           <a:p>
             <a:pPr lvl="3"/>
             <a:r>
-              <a:rPr lang="en-US" smtClean="0"/>
+              <a:rPr lang="en-US"/>
               <a:t>Fourth level</a:t>
             </a:r>
           </a:p>
           <a:p>
             <a:pPr lvl="4"/>
             <a:r>
-              <a:rPr lang="en-US" smtClean="0"/>
+              <a:rPr lang="en-US"/>
               <a:t>Fifth level</a:t>
             </a:r>
-            <a:endParaRPr lang="en-US"/>
           </a:p>
         </p:txBody>
       </p:sp>
@@ -1262,7 +1269,7 @@
             <a:fld id="{B2F2B4BC-311C-574E-AB1F-5BCC7E00BDAB}" type="datetimeFigureOut">
               <a:rPr lang="en-US" smtClean="0"/>
               <a:pPr/>
-              <a:t>9/12/17</a:t>
+              <a:t>9/10/2019</a:t>
             </a:fld>
             <a:endParaRPr lang="en-US"/>
           </a:p>
@@ -1361,10 +1368,9 @@
           </a:lstStyle>
           <a:p>
             <a:r>
-              <a:rPr lang="en-US" smtClean="0"/>
+              <a:rPr lang="en-US"/>
               <a:t>Click to edit Master title style</a:t>
             </a:r>
-            <a:endParaRPr lang="en-US"/>
           </a:p>
         </p:txBody>
       </p:sp>
@@ -1481,7 +1487,7 @@
           <a:p>
             <a:pPr lvl="0"/>
             <a:r>
-              <a:rPr lang="en-US" smtClean="0"/>
+              <a:rPr lang="en-US"/>
               <a:t>Click to edit Master text styles</a:t>
             </a:r>
           </a:p>
@@ -1505,7 +1511,7 @@
             <a:fld id="{B2F2B4BC-311C-574E-AB1F-5BCC7E00BDAB}" type="datetimeFigureOut">
               <a:rPr lang="en-US" smtClean="0"/>
               <a:pPr/>
-              <a:t>9/12/17</a:t>
+              <a:t>9/10/2019</a:t>
             </a:fld>
             <a:endParaRPr lang="en-US"/>
           </a:p>
@@ -1595,10 +1601,9 @@
           <a:lstStyle/>
           <a:p>
             <a:r>
-              <a:rPr lang="en-US" smtClean="0"/>
+              <a:rPr lang="en-US"/>
               <a:t>Click to edit Master title style</a:t>
             </a:r>
-            <a:endParaRPr lang="en-US"/>
           </a:p>
         </p:txBody>
       </p:sp>
@@ -1652,38 +1657,37 @@
           <a:p>
             <a:pPr lvl="0"/>
             <a:r>
-              <a:rPr lang="en-US" smtClean="0"/>
+              <a:rPr lang="en-US"/>
               <a:t>Click to edit Master text styles</a:t>
             </a:r>
           </a:p>
           <a:p>
             <a:pPr lvl="1"/>
             <a:r>
-              <a:rPr lang="en-US" smtClean="0"/>
+              <a:rPr lang="en-US"/>
               <a:t>Second level</a:t>
             </a:r>
           </a:p>
           <a:p>
             <a:pPr lvl="2"/>
             <a:r>
-              <a:rPr lang="en-US" smtClean="0"/>
+              <a:rPr lang="en-US"/>
               <a:t>Third level</a:t>
             </a:r>
           </a:p>
           <a:p>
             <a:pPr lvl="3"/>
             <a:r>
-              <a:rPr lang="en-US" smtClean="0"/>
+              <a:rPr lang="en-US"/>
               <a:t>Fourth level</a:t>
             </a:r>
           </a:p>
           <a:p>
             <a:pPr lvl="4"/>
             <a:r>
-              <a:rPr lang="en-US" smtClean="0"/>
+              <a:rPr lang="en-US"/>
               <a:t>Fifth level</a:t>
             </a:r>
-            <a:endParaRPr lang="en-US"/>
           </a:p>
         </p:txBody>
       </p:sp>
@@ -1737,38 +1741,37 @@
           <a:p>
             <a:pPr lvl="0"/>
             <a:r>
-              <a:rPr lang="en-US" smtClean="0"/>
+              <a:rPr lang="en-US"/>
               <a:t>Click to edit Master text styles</a:t>
             </a:r>
           </a:p>
           <a:p>
             <a:pPr lvl="1"/>
             <a:r>
-              <a:rPr lang="en-US" smtClean="0"/>
+              <a:rPr lang="en-US"/>
               <a:t>Second level</a:t>
             </a:r>
           </a:p>
           <a:p>
             <a:pPr lvl="2"/>
             <a:r>
-              <a:rPr lang="en-US" smtClean="0"/>
+              <a:rPr lang="en-US"/>
               <a:t>Third level</a:t>
             </a:r>
           </a:p>
           <a:p>
             <a:pPr lvl="3"/>
             <a:r>
-              <a:rPr lang="en-US" smtClean="0"/>
+              <a:rPr lang="en-US"/>
               <a:t>Fourth level</a:t>
             </a:r>
           </a:p>
           <a:p>
             <a:pPr lvl="4"/>
             <a:r>
-              <a:rPr lang="en-US" smtClean="0"/>
+              <a:rPr lang="en-US"/>
               <a:t>Fifth level</a:t>
             </a:r>
-            <a:endParaRPr lang="en-US"/>
           </a:p>
         </p:txBody>
       </p:sp>
@@ -1790,7 +1793,7 @@
             <a:fld id="{B2F2B4BC-311C-574E-AB1F-5BCC7E00BDAB}" type="datetimeFigureOut">
               <a:rPr lang="en-US" smtClean="0"/>
               <a:pPr/>
-              <a:t>9/12/17</a:t>
+              <a:t>9/10/2019</a:t>
             </a:fld>
             <a:endParaRPr lang="en-US"/>
           </a:p>
@@ -1884,10 +1887,9 @@
           </a:lstStyle>
           <a:p>
             <a:r>
-              <a:rPr lang="en-US" smtClean="0"/>
+              <a:rPr lang="en-US"/>
               <a:t>Click to edit Master title style</a:t>
             </a:r>
-            <a:endParaRPr lang="en-US"/>
           </a:p>
         </p:txBody>
       </p:sp>
@@ -1950,7 +1952,7 @@
           <a:p>
             <a:pPr lvl="0"/>
             <a:r>
-              <a:rPr lang="en-US" smtClean="0"/>
+              <a:rPr lang="en-US"/>
               <a:t>Click to edit Master text styles</a:t>
             </a:r>
           </a:p>
@@ -2006,38 +2008,37 @@
           <a:p>
             <a:pPr lvl="0"/>
             <a:r>
-              <a:rPr lang="en-US" smtClean="0"/>
+              <a:rPr lang="en-US"/>
               <a:t>Click to edit Master text styles</a:t>
             </a:r>
           </a:p>
           <a:p>
             <a:pPr lvl="1"/>
             <a:r>
-              <a:rPr lang="en-US" smtClean="0"/>
+              <a:rPr lang="en-US"/>
               <a:t>Second level</a:t>
             </a:r>
           </a:p>
           <a:p>
             <a:pPr lvl="2"/>
             <a:r>
-              <a:rPr lang="en-US" smtClean="0"/>
+              <a:rPr lang="en-US"/>
               <a:t>Third level</a:t>
             </a:r>
           </a:p>
           <a:p>
             <a:pPr lvl="3"/>
             <a:r>
-              <a:rPr lang="en-US" smtClean="0"/>
+              <a:rPr lang="en-US"/>
               <a:t>Fourth level</a:t>
             </a:r>
           </a:p>
           <a:p>
             <a:pPr lvl="4"/>
             <a:r>
-              <a:rPr lang="en-US" smtClean="0"/>
+              <a:rPr lang="en-US"/>
               <a:t>Fifth level</a:t>
             </a:r>
-            <a:endParaRPr lang="en-US"/>
           </a:p>
         </p:txBody>
       </p:sp>
@@ -2100,7 +2101,7 @@
           <a:p>
             <a:pPr lvl="0"/>
             <a:r>
-              <a:rPr lang="en-US" smtClean="0"/>
+              <a:rPr lang="en-US"/>
               <a:t>Click to edit Master text styles</a:t>
             </a:r>
           </a:p>
@@ -2156,38 +2157,37 @@
           <a:p>
             <a:pPr lvl="0"/>
             <a:r>
-              <a:rPr lang="en-US" smtClean="0"/>
+              <a:rPr lang="en-US"/>
               <a:t>Click to edit Master text styles</a:t>
             </a:r>
           </a:p>
           <a:p>
             <a:pPr lvl="1"/>
             <a:r>
-              <a:rPr lang="en-US" smtClean="0"/>
+              <a:rPr lang="en-US"/>
               <a:t>Second level</a:t>
             </a:r>
           </a:p>
           <a:p>
             <a:pPr lvl="2"/>
             <a:r>
-              <a:rPr lang="en-US" smtClean="0"/>
+              <a:rPr lang="en-US"/>
               <a:t>Third level</a:t>
             </a:r>
           </a:p>
           <a:p>
             <a:pPr lvl="3"/>
             <a:r>
-              <a:rPr lang="en-US" smtClean="0"/>
+              <a:rPr lang="en-US"/>
               <a:t>Fourth level</a:t>
             </a:r>
           </a:p>
           <a:p>
             <a:pPr lvl="4"/>
             <a:r>
-              <a:rPr lang="en-US" smtClean="0"/>
+              <a:rPr lang="en-US"/>
               <a:t>Fifth level</a:t>
             </a:r>
-            <a:endParaRPr lang="en-US"/>
           </a:p>
         </p:txBody>
       </p:sp>
@@ -2209,7 +2209,7 @@
             <a:fld id="{B2F2B4BC-311C-574E-AB1F-5BCC7E00BDAB}" type="datetimeFigureOut">
               <a:rPr lang="en-US" smtClean="0"/>
               <a:pPr/>
-              <a:t>9/12/17</a:t>
+              <a:t>9/10/2019</a:t>
             </a:fld>
             <a:endParaRPr lang="en-US"/>
           </a:p>
@@ -2299,10 +2299,9 @@
           <a:lstStyle/>
           <a:p>
             <a:r>
-              <a:rPr lang="en-US" smtClean="0"/>
+              <a:rPr lang="en-US"/>
               <a:t>Click to edit Master title style</a:t>
             </a:r>
-            <a:endParaRPr lang="en-US"/>
           </a:p>
         </p:txBody>
       </p:sp>
@@ -2324,7 +2323,7 @@
             <a:fld id="{B2F2B4BC-311C-574E-AB1F-5BCC7E00BDAB}" type="datetimeFigureOut">
               <a:rPr lang="en-US" smtClean="0"/>
               <a:pPr/>
-              <a:t>9/12/17</a:t>
+              <a:t>9/10/2019</a:t>
             </a:fld>
             <a:endParaRPr lang="en-US"/>
           </a:p>
@@ -2416,7 +2415,7 @@
             <a:fld id="{B2F2B4BC-311C-574E-AB1F-5BCC7E00BDAB}" type="datetimeFigureOut">
               <a:rPr lang="en-US" smtClean="0"/>
               <a:pPr/>
-              <a:t>9/12/17</a:t>
+              <a:t>9/10/2019</a:t>
             </a:fld>
             <a:endParaRPr lang="en-US"/>
           </a:p>
@@ -2515,10 +2514,9 @@
           </a:lstStyle>
           <a:p>
             <a:r>
-              <a:rPr lang="en-US" smtClean="0"/>
+              <a:rPr lang="en-US"/>
               <a:t>Click to edit Master title style</a:t>
             </a:r>
-            <a:endParaRPr lang="en-US"/>
           </a:p>
         </p:txBody>
       </p:sp>
@@ -2572,38 +2570,37 @@
           <a:p>
             <a:pPr lvl="0"/>
             <a:r>
-              <a:rPr lang="en-US" smtClean="0"/>
+              <a:rPr lang="en-US"/>
               <a:t>Click to edit Master text styles</a:t>
             </a:r>
           </a:p>
           <a:p>
             <a:pPr lvl="1"/>
             <a:r>
-              <a:rPr lang="en-US" smtClean="0"/>
+              <a:rPr lang="en-US"/>
               <a:t>Second level</a:t>
             </a:r>
           </a:p>
           <a:p>
             <a:pPr lvl="2"/>
             <a:r>
-              <a:rPr lang="en-US" smtClean="0"/>
+              <a:rPr lang="en-US"/>
               <a:t>Third level</a:t>
             </a:r>
           </a:p>
           <a:p>
             <a:pPr lvl="3"/>
             <a:r>
-              <a:rPr lang="en-US" smtClean="0"/>
+              <a:rPr lang="en-US"/>
               <a:t>Fourth level</a:t>
             </a:r>
           </a:p>
           <a:p>
             <a:pPr lvl="4"/>
             <a:r>
-              <a:rPr lang="en-US" smtClean="0"/>
+              <a:rPr lang="en-US"/>
               <a:t>Fifth level</a:t>
             </a:r>
-            <a:endParaRPr lang="en-US"/>
           </a:p>
         </p:txBody>
       </p:sp>
@@ -2666,7 +2663,7 @@
           <a:p>
             <a:pPr lvl="0"/>
             <a:r>
-              <a:rPr lang="en-US" smtClean="0"/>
+              <a:rPr lang="en-US"/>
               <a:t>Click to edit Master text styles</a:t>
             </a:r>
           </a:p>
@@ -2690,7 +2687,7 @@
             <a:fld id="{B2F2B4BC-311C-574E-AB1F-5BCC7E00BDAB}" type="datetimeFigureOut">
               <a:rPr lang="en-US" smtClean="0"/>
               <a:pPr/>
-              <a:t>9/12/17</a:t>
+              <a:t>9/10/2019</a:t>
             </a:fld>
             <a:endParaRPr lang="en-US"/>
           </a:p>
@@ -2789,10 +2786,9 @@
           </a:lstStyle>
           <a:p>
             <a:r>
-              <a:rPr lang="en-US" smtClean="0"/>
+              <a:rPr lang="en-US"/>
               <a:t>Click to edit Master title style</a:t>
             </a:r>
-            <a:endParaRPr lang="en-US"/>
           </a:p>
         </p:txBody>
       </p:sp>
@@ -2916,7 +2912,7 @@
           <a:p>
             <a:pPr lvl="0"/>
             <a:r>
-              <a:rPr lang="en-US" smtClean="0"/>
+              <a:rPr lang="en-US"/>
               <a:t>Click to edit Master text styles</a:t>
             </a:r>
           </a:p>
@@ -2940,7 +2936,7 @@
             <a:fld id="{B2F2B4BC-311C-574E-AB1F-5BCC7E00BDAB}" type="datetimeFigureOut">
               <a:rPr lang="en-US" smtClean="0"/>
               <a:pPr/>
-              <a:t>9/12/17</a:t>
+              <a:t>9/10/2019</a:t>
             </a:fld>
             <a:endParaRPr lang="en-US"/>
           </a:p>
@@ -3045,10 +3041,9 @@
           <a:lstStyle/>
           <a:p>
             <a:r>
-              <a:rPr lang="en-US" smtClean="0"/>
+              <a:rPr lang="en-US"/>
               <a:t>Click to edit Master title style</a:t>
             </a:r>
-            <a:endParaRPr lang="en-US"/>
           </a:p>
         </p:txBody>
       </p:sp>
@@ -3079,38 +3074,37 @@
           <a:p>
             <a:pPr lvl="0"/>
             <a:r>
-              <a:rPr lang="en-US" smtClean="0"/>
+              <a:rPr lang="en-US"/>
               <a:t>Click to edit Master text styles</a:t>
             </a:r>
           </a:p>
           <a:p>
             <a:pPr lvl="1"/>
             <a:r>
-              <a:rPr lang="en-US" smtClean="0"/>
+              <a:rPr lang="en-US"/>
               <a:t>Second level</a:t>
             </a:r>
           </a:p>
           <a:p>
             <a:pPr lvl="2"/>
             <a:r>
-              <a:rPr lang="en-US" smtClean="0"/>
+              <a:rPr lang="en-US"/>
               <a:t>Third level</a:t>
             </a:r>
           </a:p>
           <a:p>
             <a:pPr lvl="3"/>
             <a:r>
-              <a:rPr lang="en-US" smtClean="0"/>
+              <a:rPr lang="en-US"/>
               <a:t>Fourth level</a:t>
             </a:r>
           </a:p>
           <a:p>
             <a:pPr lvl="4"/>
             <a:r>
-              <a:rPr lang="en-US" smtClean="0"/>
+              <a:rPr lang="en-US"/>
               <a:t>Fifth level</a:t>
             </a:r>
-            <a:endParaRPr lang="en-US"/>
           </a:p>
         </p:txBody>
       </p:sp>
@@ -3150,7 +3144,7 @@
             <a:fld id="{B2F2B4BC-311C-574E-AB1F-5BCC7E00BDAB}" type="datetimeFigureOut">
               <a:rPr lang="en-US" smtClean="0"/>
               <a:pPr/>
-              <a:t>9/12/17</a:t>
+              <a:t>9/10/2019</a:t>
             </a:fld>
             <a:endParaRPr lang="en-US"/>
           </a:p>
@@ -3619,7 +3613,7 @@
           <a:p>
             <a:pPr algn="ctr"/>
             <a:r>
-              <a:rPr lang="en-US" sz="4400" dirty="0" smtClean="0">
+              <a:rPr lang="en-US" sz="4400" dirty="0">
                 <a:latin typeface="Times New Roman"/>
                 <a:cs typeface="Times New Roman"/>
               </a:rPr>
@@ -3629,13 +3623,13 @@
           <a:p>
             <a:pPr algn="ctr"/>
             <a:r>
-              <a:rPr lang="en-US" sz="3600" dirty="0" smtClean="0">
+              <a:rPr lang="en-US" sz="3600" dirty="0">
                 <a:latin typeface="Times New Roman"/>
                 <a:cs typeface="Times New Roman"/>
               </a:rPr>
               <a:t>An Overview</a:t>
             </a:r>
-            <a:endParaRPr lang="en-US" sz="3600" dirty="0" smtClean="0">
+            <a:endParaRPr lang="en-US" sz="3600" dirty="0">
               <a:solidFill>
                 <a:schemeClr val="tx1"/>
               </a:solidFill>
@@ -3667,7 +3661,7 @@
           <a:graphicData uri="http://schemas.openxmlformats.org/presentationml/2006/ole">
             <mc:AlternateContent xmlns:mc="http://schemas.openxmlformats.org/markup-compatibility/2006">
               <mc:Choice xmlns:v="urn:schemas-microsoft-com:vml" Requires="v">
-                <p:oleObj spid="_x0000_s45333" r:id="rId5" imgW="723960" imgH="361800" progId="">
+                <p:oleObj spid="_x0000_s45337" r:id="rId5" imgW="723960" imgH="361800" progId="">
                   <p:embed/>
                 </p:oleObj>
               </mc:Choice>
@@ -3706,7 +3700,7 @@
                       <a:noFill/>
                       <a:extLst>
                         <a:ext uri="{909E8E84-426E-40dd-AFC4-6F175D3DCCD1}">
-                          <a14:hiddenFill xmlns:a14="http://schemas.microsoft.com/office/drawing/2010/main">
+                          <a14:hiddenFill xmlns:a14="http://schemas.microsoft.com/office/drawing/2010/main" xmlns="">
                             <a:blipFill dpi="0" rotWithShape="0">
                               <a:blip/>
                               <a:srcRect/>
@@ -3747,7 +3741,7 @@
           <a:graphicData uri="http://schemas.openxmlformats.org/presentationml/2006/ole">
             <mc:AlternateContent xmlns:mc="http://schemas.openxmlformats.org/markup-compatibility/2006">
               <mc:Choice xmlns:v="urn:schemas-microsoft-com:vml" Requires="v">
-                <p:oleObj spid="_x0000_s45334" r:id="rId7" imgW="76320" imgH="181080" progId="">
+                <p:oleObj spid="_x0000_s45338" r:id="rId7" imgW="76320" imgH="181080" progId="">
                   <p:embed/>
                 </p:oleObj>
               </mc:Choice>
@@ -3786,7 +3780,7 @@
                       <a:noFill/>
                       <a:extLst>
                         <a:ext uri="{909E8E84-426E-40dd-AFC4-6F175D3DCCD1}">
-                          <a14:hiddenFill xmlns:a14="http://schemas.microsoft.com/office/drawing/2010/main">
+                          <a14:hiddenFill xmlns:a14="http://schemas.microsoft.com/office/drawing/2010/main" xmlns="">
                             <a:blipFill dpi="0" rotWithShape="0">
                               <a:blip/>
                               <a:srcRect/>
@@ -4548,11 +4542,11 @@
   <p:clrMapOvr>
     <a:masterClrMapping/>
   </p:clrMapOvr>
-  <p:transition xmlns:p14="http://schemas.microsoft.com/office/powerpoint/2010/main" spd="med"/>
+  <p:transition spd="med"/>
   <p:timing>
     <p:tnLst>
       <p:par>
-        <p:cTn xmlns:p14="http://schemas.microsoft.com/office/powerpoint/2010/main" id="1" dur="indefinite" restart="never" nodeType="tmRoot">
+        <p:cTn id="1" dur="indefinite" restart="never" nodeType="tmRoot">
           <p:childTnLst>
             <p:seq concurrent="1" nextAc="seek">
               <p:cTn id="2" dur="0" nodeType="mainSeq"/>
@@ -4679,7 +4673,7 @@
               </a:tabLst>
             </a:pPr>
             <a:r>
-              <a:rPr lang="en-GB" sz="4000" dirty="0" smtClean="0">
+              <a:rPr lang="en-GB" sz="4000" dirty="0">
                 <a:solidFill>
                   <a:srgbClr val="000000"/>
                 </a:solidFill>
@@ -4712,7 +4706,7 @@
               </a:tabLst>
             </a:pPr>
             <a:r>
-              <a:rPr lang="en-GB" sz="4000" dirty="0" smtClean="0">
+              <a:rPr lang="en-GB" sz="4000" dirty="0">
                 <a:solidFill>
                   <a:srgbClr val="000000"/>
                 </a:solidFill>
@@ -4720,12 +4714,6 @@
               </a:rPr>
               <a:t>We Move On</a:t>
             </a:r>
-            <a:endParaRPr lang="en-GB" sz="4000" dirty="0">
-              <a:solidFill>
-                <a:srgbClr val="000000"/>
-              </a:solidFill>
-              <a:latin typeface="Times New Roman" pitchFamily="18" charset="0"/>
-            </a:endParaRPr>
           </a:p>
         </p:txBody>
       </p:sp>
@@ -4782,7 +4770,7 @@
               </a:tabLst>
             </a:pPr>
             <a:r>
-              <a:rPr lang="en-GB" sz="3600" b="1" dirty="0" smtClean="0">
+              <a:rPr lang="en-GB" sz="3600" b="1" dirty="0">
                 <a:solidFill>
                   <a:srgbClr val="000000"/>
                 </a:solidFill>
@@ -4814,7 +4802,7 @@
               </a:tabLst>
             </a:pPr>
             <a:r>
-              <a:rPr lang="en-GB" sz="3200" i="1" dirty="0" smtClean="0">
+              <a:rPr lang="en-GB" sz="3200" i="1" dirty="0">
                 <a:solidFill>
                   <a:srgbClr val="000000"/>
                 </a:solidFill>
@@ -4823,7 +4811,7 @@
               <a:t>E</a:t>
             </a:r>
             <a:r>
-              <a:rPr lang="en-GB" sz="3200" dirty="0" smtClean="0">
+              <a:rPr lang="en-GB" sz="3200" dirty="0">
                 <a:solidFill>
                   <a:srgbClr val="000000"/>
                 </a:solidFill>
@@ -4832,7 +4820,7 @@
               <a:t> = </a:t>
             </a:r>
             <a:r>
-              <a:rPr lang="en-GB" sz="3200" i="1" dirty="0" err="1" smtClean="0">
+              <a:rPr lang="en-GB" sz="3200" i="1" dirty="0" err="1">
                 <a:solidFill>
                   <a:srgbClr val="000000"/>
                 </a:solidFill>
@@ -4841,7 +4829,7 @@
               <a:t>h</a:t>
             </a:r>
             <a:r>
-              <a:rPr lang="en-GB" sz="3200" i="1" dirty="0" err="1" smtClean="0">
+              <a:rPr lang="en-GB" sz="3200" i="1" dirty="0" err="1">
                 <a:solidFill>
                   <a:srgbClr val="000000"/>
                 </a:solidFill>
@@ -4851,7 +4839,7 @@
               <a:t>n</a:t>
             </a:r>
             <a:r>
-              <a:rPr lang="en-GB" sz="3200" dirty="0" smtClean="0">
+              <a:rPr lang="en-GB" sz="3200" dirty="0">
                 <a:solidFill>
                   <a:srgbClr val="000000"/>
                 </a:solidFill>
@@ -4883,7 +4871,7 @@
               </a:tabLst>
             </a:pPr>
             <a:r>
-              <a:rPr lang="en-GB" sz="2800" dirty="0" smtClean="0">
+              <a:rPr lang="en-GB" sz="2800" dirty="0">
                 <a:solidFill>
                   <a:srgbClr val="000000"/>
                 </a:solidFill>
@@ -4892,7 +4880,7 @@
               <a:t>*This is </a:t>
             </a:r>
             <a:r>
-              <a:rPr lang="en-GB" sz="2800" b="1" i="1" u="sng" dirty="0" smtClean="0">
+              <a:rPr lang="en-GB" sz="2800" b="1" i="1" u="sng" dirty="0">
                 <a:solidFill>
                   <a:srgbClr val="000000"/>
                 </a:solidFill>
@@ -4901,7 +4889,7 @@
               <a:t>the most important equation </a:t>
             </a:r>
             <a:r>
-              <a:rPr lang="en-GB" sz="2800" dirty="0" smtClean="0">
+              <a:rPr lang="en-GB" sz="2800" dirty="0">
                 <a:solidFill>
                   <a:srgbClr val="000000"/>
                 </a:solidFill>
@@ -4933,7 +4921,7 @@
               </a:tabLst>
             </a:pPr>
             <a:r>
-              <a:rPr lang="en-GB" sz="3200" i="1" dirty="0" smtClean="0">
+              <a:rPr lang="en-GB" sz="3200" i="1" dirty="0">
                 <a:solidFill>
                   <a:srgbClr val="000000"/>
                 </a:solidFill>
@@ -4942,7 +4930,7 @@
               <a:t>c</a:t>
             </a:r>
             <a:r>
-              <a:rPr lang="en-GB" sz="3200" dirty="0" smtClean="0">
+              <a:rPr lang="en-GB" sz="3200" dirty="0">
                 <a:solidFill>
                   <a:srgbClr val="000000"/>
                 </a:solidFill>
@@ -4951,7 +4939,7 @@
               <a:t> = </a:t>
             </a:r>
             <a:r>
-              <a:rPr lang="en-GB" sz="3200" i="1" dirty="0" err="1" smtClean="0">
+              <a:rPr lang="en-GB" sz="3200" i="1" dirty="0" err="1">
                 <a:solidFill>
                   <a:srgbClr val="000000"/>
                 </a:solidFill>
@@ -4961,7 +4949,7 @@
               <a:t>nl</a:t>
             </a:r>
             <a:r>
-              <a:rPr lang="en-GB" sz="3200" i="1" dirty="0" smtClean="0">
+              <a:rPr lang="en-GB" sz="3200" i="1" dirty="0">
                 <a:solidFill>
                   <a:srgbClr val="000000"/>
                 </a:solidFill>
@@ -4971,7 +4959,7 @@
               <a:t>  </a:t>
             </a:r>
             <a:r>
-              <a:rPr lang="en-GB" sz="3200" dirty="0" smtClean="0">
+              <a:rPr lang="en-GB" sz="3200" dirty="0">
                 <a:solidFill>
                   <a:srgbClr val="000000"/>
                 </a:solidFill>
@@ -5004,7 +4992,7 @@
               </a:tabLst>
             </a:pPr>
             <a:r>
-              <a:rPr lang="en-GB" sz="3200" dirty="0" smtClean="0">
+              <a:rPr lang="en-GB" sz="3200" dirty="0">
                 <a:solidFill>
                   <a:srgbClr val="000000"/>
                 </a:solidFill>
@@ -5032,7 +5020,7 @@
               <a:t> = </a:t>
             </a:r>
             <a:r>
-              <a:rPr lang="en-GB" sz="3200" i="1" dirty="0" err="1" smtClean="0">
+              <a:rPr lang="en-GB" sz="3200" i="1" dirty="0" err="1">
                 <a:solidFill>
                   <a:srgbClr val="000000"/>
                 </a:solidFill>
@@ -5041,7 +5029,7 @@
               <a:t>h</a:t>
             </a:r>
             <a:r>
-              <a:rPr lang="en-GB" sz="3200" i="1" dirty="0" err="1" smtClean="0">
+              <a:rPr lang="en-GB" sz="3200" i="1" dirty="0" err="1">
                 <a:solidFill>
                   <a:srgbClr val="000000"/>
                 </a:solidFill>
@@ -5051,7 +5039,7 @@
               <a:t>c</a:t>
             </a:r>
             <a:r>
-              <a:rPr lang="en-GB" sz="3200" i="1" dirty="0" smtClean="0">
+              <a:rPr lang="en-GB" sz="3200" i="1" dirty="0">
                 <a:solidFill>
                   <a:srgbClr val="000000"/>
                 </a:solidFill>
@@ -5084,7 +5072,7 @@
               </a:tabLst>
             </a:pPr>
             <a:r>
-              <a:rPr lang="en-GB" sz="3200" dirty="0" smtClean="0">
+              <a:rPr lang="en-GB" sz="3200" dirty="0">
                 <a:solidFill>
                   <a:srgbClr val="000000"/>
                 </a:solidFill>
@@ -5094,7 +5082,7 @@
               <a:t>w</a:t>
             </a:r>
             <a:r>
-              <a:rPr lang="en-GB" sz="3200" dirty="0" smtClean="0">
+              <a:rPr lang="en-GB" sz="3200" dirty="0">
                 <a:solidFill>
                   <a:srgbClr val="000000"/>
                 </a:solidFill>
@@ -5104,7 +5092,7 @@
               <a:t> = 2 </a:t>
             </a:r>
             <a:r>
-              <a:rPr lang="en-GB" sz="3200" i="1" dirty="0" smtClean="0">
+              <a:rPr lang="en-GB" sz="3200" i="1" dirty="0">
                 <a:solidFill>
                   <a:srgbClr val="000000"/>
                 </a:solidFill>
@@ -5114,7 +5102,7 @@
               <a:t>p</a:t>
             </a:r>
             <a:r>
-              <a:rPr lang="en-GB" sz="3200" dirty="0" smtClean="0">
+              <a:rPr lang="en-GB" sz="3200" dirty="0">
                 <a:solidFill>
                   <a:srgbClr val="000000"/>
                 </a:solidFill>
@@ -5124,7 +5112,7 @@
               <a:t> </a:t>
             </a:r>
             <a:r>
-              <a:rPr lang="en-GB" sz="3200" i="1" dirty="0" smtClean="0">
+              <a:rPr lang="en-GB" sz="3200" i="1" dirty="0">
                 <a:solidFill>
                   <a:srgbClr val="000000"/>
                 </a:solidFill>
@@ -5134,7 +5122,7 @@
               <a:t>n</a:t>
             </a:r>
             <a:r>
-              <a:rPr lang="en-GB" sz="3200" dirty="0" smtClean="0">
+              <a:rPr lang="en-GB" sz="3200" dirty="0">
                 <a:solidFill>
                   <a:srgbClr val="000000"/>
                 </a:solidFill>
@@ -5144,7 +5132,7 @@
               <a:t> </a:t>
             </a:r>
             <a:r>
-              <a:rPr lang="en-GB" sz="3200" dirty="0" smtClean="0">
+              <a:rPr lang="en-GB" sz="3200" dirty="0">
                 <a:solidFill>
                   <a:srgbClr val="000000"/>
                 </a:solidFill>
@@ -5213,7 +5201,7 @@
   <p:timing>
     <p:tnLst>
       <p:par>
-        <p:cTn xmlns:p14="http://schemas.microsoft.com/office/powerpoint/2010/main" id="1" dur="indefinite" restart="never" nodeType="tmRoot">
+        <p:cTn id="1" dur="indefinite" restart="never" nodeType="tmRoot">
           <p:childTnLst>
             <p:seq concurrent="1" nextAc="seek">
               <p:cTn id="2" dur="indefinite" nodeType="mainSeq">
@@ -5437,7 +5425,7 @@
               </a:tabLst>
             </a:pPr>
             <a:r>
-              <a:rPr lang="en-GB" sz="4000" dirty="0" smtClean="0">
+              <a:rPr lang="en-GB" sz="4000" dirty="0">
                 <a:solidFill>
                   <a:srgbClr val="000000"/>
                 </a:solidFill>
@@ -5445,12 +5433,6 @@
               </a:rPr>
               <a:t>De Broglie and Wave-Particle Duality</a:t>
             </a:r>
-            <a:endParaRPr lang="en-GB" sz="4000" dirty="0">
-              <a:solidFill>
-                <a:srgbClr val="000000"/>
-              </a:solidFill>
-              <a:latin typeface="Times New Roman" pitchFamily="18" charset="0"/>
-            </a:endParaRPr>
           </a:p>
         </p:txBody>
       </p:sp>
@@ -5507,7 +5489,7 @@
               </a:tabLst>
             </a:pPr>
             <a:r>
-              <a:rPr lang="en-GB" sz="3200" dirty="0" smtClean="0">
+              <a:rPr lang="en-GB" sz="3200" dirty="0">
                 <a:solidFill>
                   <a:srgbClr val="000000"/>
                 </a:solidFill>
@@ -5539,7 +5521,7 @@
               </a:tabLst>
             </a:pPr>
             <a:r>
-              <a:rPr lang="en-GB" sz="2800" dirty="0" smtClean="0">
+              <a:rPr lang="en-GB" sz="2800" dirty="0">
                 <a:solidFill>
                   <a:srgbClr val="000000"/>
                 </a:solidFill>
@@ -5548,7 +5530,7 @@
               <a:t>De Broglie extended this “</a:t>
             </a:r>
             <a:r>
-              <a:rPr lang="en-GB" sz="2800" b="1" dirty="0" smtClean="0">
+              <a:rPr lang="en-GB" sz="2800" b="1" dirty="0">
                 <a:solidFill>
                   <a:srgbClr val="000000"/>
                 </a:solidFill>
@@ -5557,7 +5539,7 @@
               <a:t>wave-particle</a:t>
             </a:r>
             <a:r>
-              <a:rPr lang="en-GB" sz="2800" dirty="0" smtClean="0">
+              <a:rPr lang="en-GB" sz="2800" dirty="0">
                 <a:solidFill>
                   <a:srgbClr val="000000"/>
                 </a:solidFill>
@@ -5621,7 +5603,7 @@
               </a:tabLst>
             </a:pPr>
             <a:r>
-              <a:rPr lang="en-GB" sz="3200" dirty="0" smtClean="0">
+              <a:rPr lang="en-GB" sz="3200" dirty="0">
                 <a:solidFill>
                   <a:srgbClr val="000000"/>
                 </a:solidFill>
@@ -5656,7 +5638,7 @@
               </a:tabLst>
             </a:pPr>
             <a:r>
-              <a:rPr lang="en-GB" sz="3200" dirty="0" smtClean="0">
+              <a:rPr lang="en-GB" sz="3200" dirty="0">
                 <a:solidFill>
                   <a:srgbClr val="000000"/>
                 </a:solidFill>
@@ -5788,16 +5770,7 @@
                 </a:solidFill>
                 <a:latin typeface="Times New Roman" pitchFamily="18" charset="0"/>
               </a:rPr>
-              <a:t>De </a:t>
-            </a:r>
-            <a:r>
-              <a:rPr lang="en-GB" sz="3200" b="1" dirty="0" smtClean="0">
-                <a:solidFill>
-                  <a:srgbClr val="000000"/>
-                </a:solidFill>
-                <a:latin typeface="Times New Roman" pitchFamily="18" charset="0"/>
-              </a:rPr>
-              <a:t>Broglie equations</a:t>
+              <a:t>De Broglie equations</a:t>
             </a:r>
             <a:endParaRPr lang="en-US" sz="3200" b="1" dirty="0"/>
           </a:p>
@@ -5825,7 +5798,7 @@
           <a:lstStyle/>
           <a:p>
             <a:r>
-              <a:rPr lang="en-GB" sz="2400" dirty="0" smtClean="0">
+              <a:rPr lang="en-GB" sz="2400" dirty="0">
                 <a:solidFill>
                   <a:srgbClr val="000000"/>
                 </a:solidFill>
@@ -5894,7 +5867,7 @@
   <p:timing>
     <p:tnLst>
       <p:par>
-        <p:cTn xmlns:p14="http://schemas.microsoft.com/office/powerpoint/2010/main" id="1" dur="indefinite" restart="never" nodeType="tmRoot">
+        <p:cTn id="1" dur="indefinite" restart="never" nodeType="tmRoot">
           <p:childTnLst>
             <p:seq concurrent="1" nextAc="seek">
               <p:cTn id="2" dur="indefinite" nodeType="mainSeq">
@@ -6713,7 +6686,7 @@
               </a:tabLst>
             </a:pPr>
             <a:r>
-              <a:rPr lang="en-GB" sz="4000" dirty="0" smtClean="0">
+              <a:rPr lang="en-GB" sz="4000" dirty="0">
                 <a:solidFill>
                   <a:srgbClr val="000000"/>
                 </a:solidFill>
@@ -6721,12 +6694,6 @@
               </a:rPr>
               <a:t>The Schrodinger Equation</a:t>
             </a:r>
-            <a:endParaRPr lang="en-GB" sz="4000" dirty="0">
-              <a:solidFill>
-                <a:srgbClr val="000000"/>
-              </a:solidFill>
-              <a:latin typeface="Times New Roman" pitchFamily="18" charset="0"/>
-            </a:endParaRPr>
           </a:p>
         </p:txBody>
       </p:sp>
@@ -6783,7 +6750,7 @@
               </a:tabLst>
             </a:pPr>
             <a:r>
-              <a:rPr lang="en-GB" sz="3200" dirty="0" smtClean="0">
+              <a:rPr lang="en-GB" sz="3200" dirty="0">
                 <a:solidFill>
                   <a:srgbClr val="000000"/>
                 </a:solidFill>
@@ -6818,7 +6785,7 @@
               </a:tabLst>
             </a:pPr>
             <a:r>
-              <a:rPr lang="en-GB" sz="3200" dirty="0" smtClean="0">
+              <a:rPr lang="en-GB" sz="3200" dirty="0">
                 <a:solidFill>
                   <a:srgbClr val="000000"/>
                 </a:solidFill>
@@ -6949,7 +6916,7 @@
           <a:p>
             <a:pPr algn="ctr"/>
             <a:r>
-              <a:rPr lang="en-US" sz="3200" dirty="0" smtClean="0">
+              <a:rPr lang="en-US" sz="3200" dirty="0">
                 <a:latin typeface="Times New Roman"/>
                 <a:cs typeface="Times New Roman"/>
               </a:rPr>
@@ -6959,114 +6926,110 @@
           <a:p>
             <a:pPr algn="ctr"/>
             <a:r>
-              <a:rPr lang="en-US" sz="3200" i="1" dirty="0" smtClean="0">
+              <a:rPr lang="en-US" sz="3200" i="1" dirty="0">
                 <a:latin typeface="Times New Roman"/>
                 <a:cs typeface="Times New Roman"/>
               </a:rPr>
               <a:t>u</a:t>
             </a:r>
             <a:r>
-              <a:rPr lang="en-US" sz="3200" dirty="0" smtClean="0">
+              <a:rPr lang="en-US" sz="3200" dirty="0">
                 <a:latin typeface="Times New Roman"/>
                 <a:cs typeface="Times New Roman"/>
               </a:rPr>
               <a:t>(</a:t>
             </a:r>
             <a:r>
-              <a:rPr lang="en-US" sz="3200" i="1" dirty="0" err="1" smtClean="0">
+              <a:rPr lang="en-US" sz="3200" i="1" dirty="0" err="1">
                 <a:latin typeface="Times New Roman"/>
                 <a:cs typeface="Times New Roman"/>
               </a:rPr>
               <a:t>x,t</a:t>
             </a:r>
             <a:r>
-              <a:rPr lang="en-US" sz="3200" dirty="0" smtClean="0">
+              <a:rPr lang="en-US" sz="3200" dirty="0">
                 <a:latin typeface="Times New Roman"/>
                 <a:cs typeface="Times New Roman"/>
               </a:rPr>
               <a:t>)</a:t>
             </a:r>
             <a:r>
-              <a:rPr lang="en-US" sz="3200" i="1" dirty="0" smtClean="0">
+              <a:rPr lang="en-US" sz="3200" i="1" dirty="0">
                 <a:latin typeface="Times New Roman"/>
                 <a:cs typeface="Times New Roman"/>
               </a:rPr>
               <a:t> = </a:t>
             </a:r>
             <a:r>
-              <a:rPr lang="en-US" sz="3200" i="1" dirty="0" smtClean="0">
+              <a:rPr lang="en-US" sz="3200" i="1" dirty="0">
                 <a:latin typeface="Symbol" charset="2"/>
                 <a:cs typeface="Symbol" charset="2"/>
               </a:rPr>
               <a:t>y</a:t>
             </a:r>
             <a:r>
-              <a:rPr lang="en-US" sz="3200" dirty="0" smtClean="0">
+              <a:rPr lang="en-US" sz="3200" dirty="0">
                 <a:latin typeface="Times New Roman"/>
                 <a:cs typeface="Times New Roman"/>
               </a:rPr>
               <a:t>(</a:t>
             </a:r>
             <a:r>
-              <a:rPr lang="en-US" sz="3200" i="1" dirty="0" smtClean="0">
+              <a:rPr lang="en-US" sz="3200" i="1" dirty="0">
                 <a:latin typeface="Times New Roman"/>
                 <a:cs typeface="Times New Roman"/>
               </a:rPr>
               <a:t>x</a:t>
             </a:r>
             <a:r>
-              <a:rPr lang="en-US" sz="3200" dirty="0" smtClean="0">
+              <a:rPr lang="en-US" sz="3200" dirty="0">
                 <a:latin typeface="Times New Roman"/>
                 <a:cs typeface="Times New Roman"/>
               </a:rPr>
               <a:t>) </a:t>
             </a:r>
             <a:r>
-              <a:rPr lang="en-US" sz="3200" dirty="0" err="1" smtClean="0">
+              <a:rPr lang="en-US" sz="3200" dirty="0" err="1">
                 <a:latin typeface="Times New Roman"/>
                 <a:cs typeface="Times New Roman"/>
               </a:rPr>
               <a:t>cos</a:t>
             </a:r>
             <a:r>
-              <a:rPr lang="en-US" sz="3200" dirty="0" smtClean="0">
+              <a:rPr lang="en-US" sz="3200" dirty="0">
                 <a:latin typeface="Times New Roman"/>
                 <a:cs typeface="Times New Roman"/>
               </a:rPr>
               <a:t>(</a:t>
             </a:r>
             <a:r>
-              <a:rPr lang="en-US" sz="3200" dirty="0" smtClean="0">
+              <a:rPr lang="en-US" sz="3200" dirty="0">
                 <a:latin typeface="Symbol" charset="2"/>
                 <a:cs typeface="Symbol" charset="2"/>
               </a:rPr>
               <a:t>w</a:t>
             </a:r>
             <a:r>
-              <a:rPr lang="en-US" sz="3200" dirty="0" smtClean="0">
+              <a:rPr lang="en-US" sz="3200" dirty="0">
                 <a:latin typeface="Times New Roman"/>
                 <a:cs typeface="Times New Roman"/>
               </a:rPr>
               <a:t> </a:t>
             </a:r>
             <a:r>
-              <a:rPr lang="en-US" sz="3200" i="1" dirty="0" smtClean="0">
+              <a:rPr lang="en-US" sz="3200" i="1" dirty="0">
                 <a:latin typeface="Times New Roman"/>
                 <a:cs typeface="Times New Roman"/>
               </a:rPr>
               <a:t>t</a:t>
             </a:r>
             <a:r>
-              <a:rPr lang="en-US" sz="3200" dirty="0" smtClean="0">
+              <a:rPr lang="en-US" sz="3200" dirty="0">
                 <a:latin typeface="Times New Roman"/>
                 <a:cs typeface="Times New Roman"/>
               </a:rPr>
               <a:t>)</a:t>
             </a:r>
-            <a:endParaRPr lang="en-US" sz="3200" dirty="0">
-              <a:latin typeface="Times New Roman"/>
-              <a:cs typeface="Times New Roman"/>
-            </a:endParaRPr>
           </a:p>
         </p:txBody>
       </p:sp>
@@ -7153,7 +7116,7 @@
   <p:timing>
     <p:tnLst>
       <p:par>
-        <p:cTn xmlns:p14="http://schemas.microsoft.com/office/powerpoint/2010/main" id="1" dur="indefinite" restart="never" nodeType="tmRoot">
+        <p:cTn id="1" dur="indefinite" restart="never" nodeType="tmRoot">
           <p:childTnLst>
             <p:seq concurrent="1" nextAc="seek">
               <p:cTn id="2" dur="indefinite" nodeType="mainSeq">
@@ -7833,7 +7796,7 @@
               </a:tabLst>
             </a:pPr>
             <a:r>
-              <a:rPr lang="en-GB" sz="4000" dirty="0" smtClean="0">
+              <a:rPr lang="en-GB" sz="4000" dirty="0">
                 <a:solidFill>
                   <a:srgbClr val="000000"/>
                 </a:solidFill>
@@ -7841,12 +7804,6 @@
               </a:rPr>
               <a:t>The Schrodinger Equation</a:t>
             </a:r>
-            <a:endParaRPr lang="en-GB" sz="4000" dirty="0">
-              <a:solidFill>
-                <a:srgbClr val="000000"/>
-              </a:solidFill>
-              <a:latin typeface="Times New Roman" pitchFamily="18" charset="0"/>
-            </a:endParaRPr>
           </a:p>
         </p:txBody>
       </p:sp>
@@ -7903,7 +7860,7 @@
               </a:tabLst>
             </a:pPr>
             <a:r>
-              <a:rPr lang="en-GB" sz="3200" dirty="0" smtClean="0">
+              <a:rPr lang="en-GB" sz="3200" dirty="0">
                 <a:solidFill>
                   <a:srgbClr val="000000"/>
                 </a:solidFill>
@@ -7935,7 +7892,7 @@
               </a:tabLst>
             </a:pPr>
             <a:r>
-              <a:rPr lang="en-GB" sz="3200" dirty="0" smtClean="0">
+              <a:rPr lang="en-GB" sz="3200" dirty="0">
                 <a:solidFill>
                   <a:srgbClr val="000000"/>
                 </a:solidFill>
@@ -8042,14 +7999,14 @@
               <a:t>t</a:t>
             </a:r>
             <a:r>
-              <a:rPr lang="en-US" sz="3200" dirty="0" smtClean="0">
+              <a:rPr lang="en-US" sz="3200" dirty="0">
                 <a:latin typeface="Times New Roman"/>
                 <a:cs typeface="Times New Roman"/>
               </a:rPr>
               <a:t>)</a:t>
             </a:r>
             <a:r>
-              <a:rPr lang="en-GB" sz="3200" dirty="0" smtClean="0">
+              <a:rPr lang="en-GB" sz="3200" dirty="0">
                 <a:solidFill>
                   <a:srgbClr val="000000"/>
                 </a:solidFill>
@@ -8210,13 +8167,6 @@
   <p:clrMapOvr>
     <a:masterClrMapping/>
   </p:clrMapOvr>
-  <p:timing>
-    <p:tnLst>
-      <p:par>
-        <p:cTn xmlns:p14="http://schemas.microsoft.com/office/powerpoint/2010/main" id="1" dur="indefinite" restart="never" nodeType="tmRoot"/>
-      </p:par>
-    </p:tnLst>
-  </p:timing>
 </p:sld>
 </file>
 
@@ -8320,7 +8270,7 @@
               </a:tabLst>
             </a:pPr>
             <a:r>
-              <a:rPr lang="en-GB" sz="4000" dirty="0" smtClean="0">
+              <a:rPr lang="en-GB" sz="4000" dirty="0">
                 <a:solidFill>
                   <a:srgbClr val="000000"/>
                 </a:solidFill>
@@ -8328,12 +8278,6 @@
               </a:rPr>
               <a:t>The Schrodinger Equation</a:t>
             </a:r>
-            <a:endParaRPr lang="en-GB" sz="4000" dirty="0">
-              <a:solidFill>
-                <a:srgbClr val="000000"/>
-              </a:solidFill>
-              <a:latin typeface="Times New Roman" pitchFamily="18" charset="0"/>
-            </a:endParaRPr>
           </a:p>
         </p:txBody>
       </p:sp>
@@ -8390,7 +8334,7 @@
               </a:tabLst>
             </a:pPr>
             <a:r>
-              <a:rPr lang="en-GB" sz="3200" dirty="0" smtClean="0">
+              <a:rPr lang="en-GB" sz="3200" dirty="0">
                 <a:solidFill>
                   <a:srgbClr val="000000"/>
                 </a:solidFill>
@@ -8422,7 +8366,7 @@
               </a:tabLst>
             </a:pPr>
             <a:r>
-              <a:rPr lang="en-US" sz="3200" dirty="0" smtClean="0">
+              <a:rPr lang="en-US" sz="3200" dirty="0">
                 <a:solidFill>
                   <a:srgbClr val="000000"/>
                 </a:solidFill>
@@ -8431,7 +8375,7 @@
               <a:t>Rearrange</a:t>
             </a:r>
             <a:r>
-              <a:rPr lang="en-GB" sz="3200" dirty="0" smtClean="0">
+              <a:rPr lang="en-GB" sz="3200" dirty="0">
                 <a:solidFill>
                   <a:srgbClr val="000000"/>
                 </a:solidFill>
@@ -8642,7 +8586,7 @@
           <a:lstStyle/>
           <a:p>
             <a:r>
-              <a:rPr lang="en-GB" sz="2800" dirty="0" smtClean="0">
+              <a:rPr lang="en-GB" sz="2800" dirty="0">
                 <a:solidFill>
                   <a:srgbClr val="000000"/>
                 </a:solidFill>
@@ -8667,7 +8611,7 @@
   <p:timing>
     <p:tnLst>
       <p:par>
-        <p:cTn xmlns:p14="http://schemas.microsoft.com/office/powerpoint/2010/main" id="1" dur="indefinite" restart="never" nodeType="tmRoot">
+        <p:cTn id="1" dur="indefinite" restart="never" nodeType="tmRoot">
           <p:childTnLst>
             <p:seq concurrent="1" nextAc="seek">
               <p:cTn id="2" dur="indefinite" nodeType="mainSeq">
@@ -8965,7 +8909,7 @@
               </a:tabLst>
             </a:pPr>
             <a:r>
-              <a:rPr lang="en-GB" sz="4000" dirty="0" smtClean="0">
+              <a:rPr lang="en-GB" sz="4000" dirty="0">
                 <a:solidFill>
                   <a:srgbClr val="000000"/>
                 </a:solidFill>
@@ -8973,12 +8917,6 @@
               </a:rPr>
               <a:t>The Schrodinger Equation</a:t>
             </a:r>
-            <a:endParaRPr lang="en-GB" sz="4000" dirty="0">
-              <a:solidFill>
-                <a:srgbClr val="000000"/>
-              </a:solidFill>
-              <a:latin typeface="Times New Roman" pitchFamily="18" charset="0"/>
-            </a:endParaRPr>
           </a:p>
         </p:txBody>
       </p:sp>
@@ -9035,7 +8973,7 @@
               </a:tabLst>
             </a:pPr>
             <a:r>
-              <a:rPr lang="en-GB" sz="3200" dirty="0" smtClean="0">
+              <a:rPr lang="en-GB" sz="3200" dirty="0">
                 <a:solidFill>
                   <a:srgbClr val="000000"/>
                 </a:solidFill>
@@ -9067,7 +9005,7 @@
               </a:tabLst>
             </a:pPr>
             <a:r>
-              <a:rPr lang="en-US" sz="3200" dirty="0" smtClean="0">
+              <a:rPr lang="en-US" sz="3200" dirty="0">
                 <a:solidFill>
                   <a:srgbClr val="000000"/>
                 </a:solidFill>
@@ -9076,7 +9014,7 @@
               <a:t>After doing the time derivative</a:t>
             </a:r>
             <a:r>
-              <a:rPr lang="en-GB" sz="3200" dirty="0" smtClean="0">
+              <a:rPr lang="en-GB" sz="3200" dirty="0">
                 <a:solidFill>
                   <a:srgbClr val="000000"/>
                 </a:solidFill>
@@ -9272,7 +9210,7 @@
           <a:lstStyle/>
           <a:p>
             <a:r>
-              <a:rPr lang="en-GB" sz="4000" dirty="0" smtClean="0">
+              <a:rPr lang="en-GB" sz="4000" dirty="0">
                 <a:solidFill>
                   <a:srgbClr val="000000"/>
                 </a:solidFill>
@@ -9294,13 +9232,6 @@
   <p:clrMapOvr>
     <a:masterClrMapping/>
   </p:clrMapOvr>
-  <p:timing>
-    <p:tnLst>
-      <p:par>
-        <p:cTn xmlns:p14="http://schemas.microsoft.com/office/powerpoint/2010/main" id="1" dur="indefinite" restart="never" nodeType="tmRoot"/>
-      </p:par>
-    </p:tnLst>
-  </p:timing>
 </p:sld>
 </file>
 
@@ -9404,7 +9335,7 @@
               </a:tabLst>
             </a:pPr>
             <a:r>
-              <a:rPr lang="en-GB" sz="4000" dirty="0" smtClean="0">
+              <a:rPr lang="en-GB" sz="4000" dirty="0">
                 <a:solidFill>
                   <a:srgbClr val="000000"/>
                 </a:solidFill>
@@ -9412,12 +9343,6 @@
               </a:rPr>
               <a:t>The Schrodinger Equation</a:t>
             </a:r>
-            <a:endParaRPr lang="en-GB" sz="4000" dirty="0">
-              <a:solidFill>
-                <a:srgbClr val="000000"/>
-              </a:solidFill>
-              <a:latin typeface="Times New Roman" pitchFamily="18" charset="0"/>
-            </a:endParaRPr>
           </a:p>
         </p:txBody>
       </p:sp>
@@ -9474,7 +9399,7 @@
               </a:tabLst>
             </a:pPr>
             <a:r>
-              <a:rPr lang="en-GB" sz="3200" dirty="0" smtClean="0">
+              <a:rPr lang="en-GB" sz="3200" dirty="0">
                 <a:solidFill>
                   <a:srgbClr val="000000"/>
                 </a:solidFill>
@@ -9506,7 +9431,7 @@
               </a:tabLst>
             </a:pPr>
             <a:r>
-              <a:rPr lang="en-US" sz="3200" dirty="0" smtClean="0">
+              <a:rPr lang="en-US" sz="3200" dirty="0">
                 <a:solidFill>
                   <a:srgbClr val="000000"/>
                 </a:solidFill>
@@ -9515,7 +9440,7 @@
               <a:t>Divide out the </a:t>
             </a:r>
             <a:r>
-              <a:rPr lang="en-US" sz="3200" dirty="0" err="1" smtClean="0">
+              <a:rPr lang="en-US" sz="3200" dirty="0" err="1">
                 <a:solidFill>
                   <a:srgbClr val="000000"/>
                 </a:solidFill>
@@ -9524,7 +9449,7 @@
               <a:t>cos</a:t>
             </a:r>
             <a:r>
-              <a:rPr lang="en-US" sz="3200" dirty="0" smtClean="0">
+              <a:rPr lang="en-US" sz="3200" dirty="0">
                 <a:solidFill>
                   <a:srgbClr val="000000"/>
                 </a:solidFill>
@@ -9533,7 +9458,7 @@
               <a:t>(</a:t>
             </a:r>
             <a:r>
-              <a:rPr lang="en-US" sz="3200" dirty="0" smtClean="0">
+              <a:rPr lang="en-US" sz="3200" dirty="0">
                 <a:solidFill>
                   <a:srgbClr val="000000"/>
                 </a:solidFill>
@@ -9543,7 +9468,7 @@
               <a:t>w</a:t>
             </a:r>
             <a:r>
-              <a:rPr lang="en-US" sz="3200" dirty="0" smtClean="0">
+              <a:rPr lang="en-US" sz="3200" dirty="0">
                 <a:solidFill>
                   <a:srgbClr val="000000"/>
                 </a:solidFill>
@@ -9552,7 +9477,7 @@
               <a:t> </a:t>
             </a:r>
             <a:r>
-              <a:rPr lang="en-US" sz="3200" i="1" dirty="0" smtClean="0">
+              <a:rPr lang="en-US" sz="3200" i="1" dirty="0">
                 <a:solidFill>
                   <a:srgbClr val="000000"/>
                 </a:solidFill>
@@ -9561,7 +9486,7 @@
               <a:t>t</a:t>
             </a:r>
             <a:r>
-              <a:rPr lang="en-US" sz="3200" dirty="0" smtClean="0">
+              <a:rPr lang="en-US" sz="3200" dirty="0">
                 <a:solidFill>
                   <a:srgbClr val="000000"/>
                 </a:solidFill>
@@ -9570,7 +9495,7 @@
               <a:t>)’s</a:t>
             </a:r>
             <a:r>
-              <a:rPr lang="en-GB" sz="3200" dirty="0" smtClean="0">
+              <a:rPr lang="en-GB" sz="3200" dirty="0">
                 <a:solidFill>
                   <a:srgbClr val="000000"/>
                 </a:solidFill>
@@ -9720,7 +9645,7 @@
           <a:lstStyle/>
           <a:p>
             <a:r>
-              <a:rPr lang="en-GB" sz="4000" dirty="0" smtClean="0">
+              <a:rPr lang="en-GB" sz="4000" dirty="0">
                 <a:solidFill>
                   <a:srgbClr val="000000"/>
                 </a:solidFill>
@@ -9754,7 +9679,7 @@
           <a:lstStyle/>
           <a:p>
             <a:r>
-              <a:rPr lang="en-US" sz="2400" dirty="0" smtClean="0">
+              <a:rPr lang="en-US" sz="2400" dirty="0">
                 <a:solidFill>
                   <a:srgbClr val="000000"/>
                 </a:solidFill>
@@ -9803,7 +9728,7 @@
   <p:timing>
     <p:tnLst>
       <p:par>
-        <p:cTn xmlns:p14="http://schemas.microsoft.com/office/powerpoint/2010/main" id="1" dur="indefinite" restart="never" nodeType="tmRoot">
+        <p:cTn id="1" dur="indefinite" restart="never" nodeType="tmRoot">
           <p:childTnLst>
             <p:seq concurrent="1" nextAc="seek">
               <p:cTn id="2" dur="indefinite" nodeType="mainSeq">
@@ -10100,7 +10025,7 @@
               </a:tabLst>
             </a:pPr>
             <a:r>
-              <a:rPr lang="en-GB" sz="4000" dirty="0" smtClean="0">
+              <a:rPr lang="en-GB" sz="4000" dirty="0">
                 <a:solidFill>
                   <a:srgbClr val="000000"/>
                 </a:solidFill>
@@ -10108,12 +10033,6 @@
               </a:rPr>
               <a:t>The Schrodinger Equation</a:t>
             </a:r>
-            <a:endParaRPr lang="en-GB" sz="4000" dirty="0">
-              <a:solidFill>
-                <a:srgbClr val="000000"/>
-              </a:solidFill>
-              <a:latin typeface="Times New Roman" pitchFamily="18" charset="0"/>
-            </a:endParaRPr>
           </a:p>
         </p:txBody>
       </p:sp>
@@ -10170,7 +10089,7 @@
               </a:tabLst>
             </a:pPr>
             <a:r>
-              <a:rPr lang="en-GB" sz="3200" dirty="0" smtClean="0">
+              <a:rPr lang="en-GB" sz="3200" dirty="0">
                 <a:solidFill>
                   <a:srgbClr val="000000"/>
                 </a:solidFill>
@@ -10202,7 +10121,7 @@
               </a:tabLst>
             </a:pPr>
             <a:r>
-              <a:rPr lang="en-US" sz="3200" dirty="0" smtClean="0">
+              <a:rPr lang="en-US" sz="3200" dirty="0">
                 <a:solidFill>
                   <a:srgbClr val="000000"/>
                 </a:solidFill>
@@ -10270,7 +10189,7 @@
               </a:rPr>
               <a:t> </a:t>
             </a:r>
-            <a:endParaRPr lang="en-GB" sz="3200" dirty="0" smtClean="0">
+            <a:endParaRPr lang="en-GB" sz="3200" dirty="0">
               <a:solidFill>
                 <a:srgbClr val="000000"/>
               </a:solidFill>
@@ -10301,16 +10220,6 @@
               </a:tabLst>
             </a:pPr>
             <a:r>
-              <a:rPr lang="en-GB" sz="3200" dirty="0" smtClean="0">
-                <a:solidFill>
-                  <a:srgbClr val="000000"/>
-                </a:solidFill>
-                <a:latin typeface="Times New Roman"/>
-                <a:cs typeface="Times New Roman"/>
-              </a:rPr>
-              <a:t>Guess: v </a:t>
-            </a:r>
-            <a:r>
               <a:rPr lang="en-GB" sz="3200" dirty="0">
                 <a:solidFill>
                   <a:srgbClr val="000000"/>
@@ -10318,10 +10227,10 @@
                 <a:latin typeface="Times New Roman"/>
                 <a:cs typeface="Times New Roman"/>
               </a:rPr>
-              <a:t>= </a:t>
-            </a:r>
-            <a:r>
-              <a:rPr lang="en-GB" sz="3200" i="1" dirty="0" smtClean="0">
+              <a:t>Guess: v = </a:t>
+            </a:r>
+            <a:r>
+              <a:rPr lang="en-GB" sz="3200" i="1" dirty="0">
                 <a:solidFill>
                   <a:srgbClr val="000000"/>
                 </a:solidFill>
@@ -10341,36 +10250,6 @@
               <a:t> </a:t>
             </a:r>
             <a:r>
-              <a:rPr lang="en-GB" sz="3200" i="1" dirty="0" smtClean="0">
-                <a:solidFill>
-                  <a:srgbClr val="000000"/>
-                </a:solidFill>
-                <a:latin typeface="Symbol" charset="2"/>
-                <a:cs typeface="Symbol" charset="2"/>
-              </a:rPr>
-              <a:t>l </a:t>
-            </a:r>
-            <a:r>
-              <a:rPr lang="en-GB" sz="3200" dirty="0" smtClean="0">
-                <a:solidFill>
-                  <a:srgbClr val="000000"/>
-                </a:solidFill>
-                <a:latin typeface="Symbol" charset="2"/>
-                <a:cs typeface="Symbol" charset="2"/>
-              </a:rPr>
-              <a:t> (…</a:t>
-            </a:r>
-            <a:r>
-              <a:rPr lang="en-GB" sz="3200" dirty="0" smtClean="0">
-                <a:solidFill>
-                  <a:srgbClr val="000000"/>
-                </a:solidFill>
-                <a:latin typeface="Times New Roman"/>
-                <a:cs typeface="Times New Roman"/>
-              </a:rPr>
-              <a:t>like c = </a:t>
-            </a:r>
-            <a:r>
               <a:rPr lang="en-GB" sz="3200" i="1" dirty="0">
                 <a:solidFill>
                   <a:srgbClr val="000000"/>
@@ -10378,20 +10257,40 @@
                 <a:latin typeface="Symbol" charset="2"/>
                 <a:cs typeface="Symbol" charset="2"/>
               </a:rPr>
-              <a:t>n </a:t>
-            </a:r>
-            <a:r>
-              <a:rPr lang="en-GB" sz="3200" i="1" dirty="0" smtClean="0">
+              <a:t>l </a:t>
+            </a:r>
+            <a:r>
+              <a:rPr lang="en-GB" sz="3200" dirty="0">
                 <a:solidFill>
                   <a:srgbClr val="000000"/>
                 </a:solidFill>
                 <a:latin typeface="Symbol" charset="2"/>
                 <a:cs typeface="Symbol" charset="2"/>
               </a:rPr>
-              <a:t>l</a:t>
-            </a:r>
-            <a:r>
-              <a:rPr lang="en-GB" sz="3200" dirty="0" smtClean="0">
+              <a:t> (…</a:t>
+            </a:r>
+            <a:r>
+              <a:rPr lang="en-GB" sz="3200" dirty="0">
+                <a:solidFill>
+                  <a:srgbClr val="000000"/>
+                </a:solidFill>
+                <a:latin typeface="Times New Roman"/>
+                <a:cs typeface="Times New Roman"/>
+              </a:rPr>
+              <a:t>like c = </a:t>
+            </a:r>
+            <a:r>
+              <a:rPr lang="en-GB" sz="3200" i="1" dirty="0">
+                <a:solidFill>
+                  <a:srgbClr val="000000"/>
+                </a:solidFill>
+                <a:latin typeface="Symbol" charset="2"/>
+                <a:cs typeface="Symbol" charset="2"/>
+              </a:rPr>
+              <a:t>n l</a:t>
+            </a:r>
+            <a:r>
+              <a:rPr lang="en-GB" sz="3200" dirty="0">
                 <a:solidFill>
                   <a:srgbClr val="000000"/>
                 </a:solidFill>
@@ -10424,7 +10323,7 @@
               </a:tabLst>
             </a:pPr>
             <a:r>
-              <a:rPr lang="en-GB" sz="3200" dirty="0" smtClean="0">
+              <a:rPr lang="en-GB" sz="3200" dirty="0">
                 <a:solidFill>
                   <a:srgbClr val="000000"/>
                 </a:solidFill>
@@ -10559,7 +10458,7 @@
           <a:lstStyle/>
           <a:p>
             <a:r>
-              <a:rPr lang="en-GB" sz="2800" dirty="0" smtClean="0">
+              <a:rPr lang="en-GB" sz="2800" dirty="0">
                 <a:solidFill>
                   <a:srgbClr val="000000"/>
                 </a:solidFill>
@@ -10585,7 +10484,7 @@
   <p:timing>
     <p:tnLst>
       <p:par>
-        <p:cTn xmlns:p14="http://schemas.microsoft.com/office/powerpoint/2010/main" id="1" dur="indefinite" restart="never" nodeType="tmRoot">
+        <p:cTn id="1" dur="indefinite" restart="never" nodeType="tmRoot">
           <p:childTnLst>
             <p:seq concurrent="1" nextAc="seek">
               <p:cTn id="2" dur="indefinite" nodeType="mainSeq">
@@ -11047,7 +10946,7 @@
               </a:tabLst>
             </a:pPr>
             <a:r>
-              <a:rPr lang="en-GB" sz="4000" dirty="0" smtClean="0">
+              <a:rPr lang="en-GB" sz="4000" dirty="0">
                 <a:solidFill>
                   <a:srgbClr val="000000"/>
                 </a:solidFill>
@@ -11055,12 +10954,6 @@
               </a:rPr>
               <a:t>The Schrodinger Equation</a:t>
             </a:r>
-            <a:endParaRPr lang="en-GB" sz="4000" dirty="0">
-              <a:solidFill>
-                <a:srgbClr val="000000"/>
-              </a:solidFill>
-              <a:latin typeface="Times New Roman" pitchFamily="18" charset="0"/>
-            </a:endParaRPr>
           </a:p>
         </p:txBody>
       </p:sp>
@@ -11117,7 +11010,7 @@
               </a:tabLst>
             </a:pPr>
             <a:r>
-              <a:rPr lang="en-GB" sz="3200" dirty="0" smtClean="0">
+              <a:rPr lang="en-GB" sz="3200" dirty="0">
                 <a:solidFill>
                   <a:srgbClr val="000000"/>
                 </a:solidFill>
@@ -11152,7 +11045,7 @@
               </a:tabLst>
             </a:pPr>
             <a:r>
-              <a:rPr lang="en-GB" sz="3200" dirty="0" smtClean="0">
+              <a:rPr lang="en-GB" sz="3200" dirty="0">
                 <a:solidFill>
                   <a:srgbClr val="000000"/>
                 </a:solidFill>
@@ -11161,7 +11054,7 @@
               <a:t>Look at the De Broglie </a:t>
             </a:r>
             <a:r>
-              <a:rPr lang="en-GB" sz="3200" dirty="0" err="1" smtClean="0">
+              <a:rPr lang="en-GB" sz="3200" dirty="0" err="1">
                 <a:solidFill>
                   <a:srgbClr val="000000"/>
                 </a:solidFill>
@@ -11170,7 +11063,7 @@
               <a:t>eq</a:t>
             </a:r>
             <a:r>
-              <a:rPr lang="en-GB" sz="3200" dirty="0" smtClean="0">
+              <a:rPr lang="en-GB" sz="3200" dirty="0">
                 <a:solidFill>
                   <a:srgbClr val="000000"/>
                 </a:solidFill>
@@ -11350,7 +11243,7 @@
               </a:tabLst>
             </a:pPr>
             <a:r>
-              <a:rPr lang="en-GB" sz="3200" dirty="0" smtClean="0">
+              <a:rPr lang="en-GB" sz="3200" dirty="0">
                 <a:solidFill>
                   <a:srgbClr val="000000"/>
                 </a:solidFill>
@@ -11358,12 +11251,6 @@
               </a:rPr>
               <a:t>Rearranging:</a:t>
             </a:r>
-            <a:endParaRPr lang="en-GB" sz="3200" dirty="0">
-              <a:solidFill>
-                <a:srgbClr val="000000"/>
-              </a:solidFill>
-              <a:latin typeface="Times New Roman" pitchFamily="18" charset="0"/>
-            </a:endParaRPr>
           </a:p>
         </p:txBody>
       </p:sp>
@@ -11404,7 +11291,7 @@
   <p:timing>
     <p:tnLst>
       <p:par>
-        <p:cTn xmlns:p14="http://schemas.microsoft.com/office/powerpoint/2010/main" id="1" dur="indefinite" restart="never" nodeType="tmRoot">
+        <p:cTn id="1" dur="indefinite" restart="never" nodeType="tmRoot">
           <p:childTnLst>
             <p:seq concurrent="1" nextAc="seek">
               <p:cTn id="2" dur="indefinite" nodeType="mainSeq">
@@ -11866,7 +11753,7 @@
               </a:tabLst>
             </a:pPr>
             <a:r>
-              <a:rPr lang="en-GB" sz="4000" dirty="0" smtClean="0">
+              <a:rPr lang="en-GB" sz="4000" dirty="0">
                 <a:solidFill>
                   <a:srgbClr val="000000"/>
                 </a:solidFill>
@@ -11874,12 +11761,6 @@
               </a:rPr>
               <a:t>The Schrodinger Equation</a:t>
             </a:r>
-            <a:endParaRPr lang="en-GB" sz="4000" dirty="0">
-              <a:solidFill>
-                <a:srgbClr val="000000"/>
-              </a:solidFill>
-              <a:latin typeface="Times New Roman" pitchFamily="18" charset="0"/>
-            </a:endParaRPr>
           </a:p>
         </p:txBody>
       </p:sp>
@@ -11936,7 +11817,7 @@
               </a:tabLst>
             </a:pPr>
             <a:r>
-              <a:rPr lang="en-GB" sz="3200" dirty="0" smtClean="0">
+              <a:rPr lang="en-GB" sz="3200" dirty="0">
                 <a:solidFill>
                   <a:srgbClr val="000000"/>
                 </a:solidFill>
@@ -12017,7 +11898,7 @@
               </a:tabLst>
             </a:pPr>
             <a:r>
-              <a:rPr lang="en-GB" sz="3200" dirty="0" smtClean="0">
+              <a:rPr lang="en-GB" sz="3200" dirty="0">
                 <a:solidFill>
                   <a:srgbClr val="000000"/>
                 </a:solidFill>
@@ -12025,12 +11906,6 @@
               </a:rPr>
               <a:t>Substituting                                   into</a:t>
             </a:r>
-            <a:endParaRPr lang="en-GB" sz="3200" dirty="0">
-              <a:solidFill>
-                <a:srgbClr val="000000"/>
-              </a:solidFill>
-              <a:latin typeface="Times New Roman" pitchFamily="18" charset="0"/>
-            </a:endParaRPr>
           </a:p>
         </p:txBody>
       </p:sp>
@@ -12080,7 +11955,7 @@
           <a:lstStyle/>
           <a:p>
             <a:r>
-              <a:rPr lang="en-GB" sz="2400" dirty="0" smtClean="0">
+              <a:rPr lang="en-GB" sz="2400" dirty="0">
                 <a:solidFill>
                   <a:srgbClr val="000000"/>
                 </a:solidFill>
@@ -12114,7 +11989,7 @@
           <a:lstStyle/>
           <a:p>
             <a:r>
-              <a:rPr lang="en-GB" sz="2400" dirty="0" smtClean="0">
+              <a:rPr lang="en-GB" sz="2400" dirty="0">
                 <a:solidFill>
                   <a:srgbClr val="000000"/>
                 </a:solidFill>
@@ -12148,7 +12023,7 @@
           <a:lstStyle/>
           <a:p>
             <a:r>
-              <a:rPr lang="en-GB" sz="2400" dirty="0" smtClean="0">
+              <a:rPr lang="en-GB" sz="2400" dirty="0">
                 <a:solidFill>
                   <a:srgbClr val="000000"/>
                 </a:solidFill>
@@ -12197,7 +12072,7 @@
   <p:timing>
     <p:tnLst>
       <p:par>
-        <p:cTn xmlns:p14="http://schemas.microsoft.com/office/powerpoint/2010/main" id="1" dur="indefinite" restart="never" nodeType="tmRoot">
+        <p:cTn id="1" dur="indefinite" restart="never" nodeType="tmRoot">
           <p:childTnLst>
             <p:seq concurrent="1" nextAc="seek">
               <p:cTn id="2" dur="indefinite" nodeType="mainSeq">
@@ -12418,7 +12293,7 @@
               </a:tabLst>
             </a:pPr>
             <a:r>
-              <a:rPr lang="en-GB" sz="4000" dirty="0" smtClean="0">
+              <a:rPr lang="en-GB" sz="4000" dirty="0">
                 <a:solidFill>
                   <a:srgbClr val="000000"/>
                 </a:solidFill>
@@ -12426,12 +12301,6 @@
               </a:rPr>
               <a:t>A Couple of More Clues</a:t>
             </a:r>
-            <a:endParaRPr lang="en-GB" sz="4000" dirty="0">
-              <a:solidFill>
-                <a:srgbClr val="000000"/>
-              </a:solidFill>
-              <a:latin typeface="Times New Roman" pitchFamily="18" charset="0"/>
-            </a:endParaRPr>
           </a:p>
         </p:txBody>
       </p:sp>
@@ -12488,7 +12357,7 @@
               </a:tabLst>
             </a:pPr>
             <a:r>
-              <a:rPr lang="en-GB" sz="3600" b="1" dirty="0" smtClean="0">
+              <a:rPr lang="en-GB" sz="3600" b="1" dirty="0">
                 <a:solidFill>
                   <a:srgbClr val="000000"/>
                 </a:solidFill>
@@ -12497,7 +12366,7 @@
               <a:t>Photoelectric Effect</a:t>
             </a:r>
             <a:r>
-              <a:rPr lang="en-GB" sz="3600" dirty="0" smtClean="0">
+              <a:rPr lang="en-GB" sz="3600" dirty="0">
                 <a:solidFill>
                   <a:srgbClr val="000000"/>
                 </a:solidFill>
@@ -12529,7 +12398,7 @@
               </a:tabLst>
             </a:pPr>
             <a:r>
-              <a:rPr lang="en-GB" sz="3200" dirty="0" smtClean="0">
+              <a:rPr lang="en-GB" sz="3200" dirty="0">
                 <a:solidFill>
                   <a:srgbClr val="000000"/>
                 </a:solidFill>
@@ -12561,7 +12430,7 @@
               </a:tabLst>
             </a:pPr>
             <a:r>
-              <a:rPr lang="en-GB" sz="3200" dirty="0" smtClean="0">
+              <a:rPr lang="en-GB" sz="3200" dirty="0">
                 <a:solidFill>
                   <a:srgbClr val="000000"/>
                 </a:solidFill>
@@ -12593,7 +12462,7 @@
               </a:tabLst>
             </a:pPr>
             <a:r>
-              <a:rPr lang="en-GB" sz="2800" dirty="0" smtClean="0">
+              <a:rPr lang="en-GB" sz="2800" dirty="0">
                 <a:solidFill>
                   <a:srgbClr val="000000"/>
                 </a:solidFill>
@@ -12631,7 +12500,7 @@
               </a:tabLst>
             </a:pPr>
             <a:r>
-              <a:rPr lang="en-GB" sz="2800" dirty="0" smtClean="0">
+              <a:rPr lang="en-GB" sz="2800" dirty="0">
                 <a:solidFill>
                   <a:srgbClr val="000000"/>
                 </a:solidFill>
@@ -12652,13 +12521,6 @@
   <p:clrMapOvr>
     <a:masterClrMapping/>
   </p:clrMapOvr>
-  <p:timing>
-    <p:tnLst>
-      <p:par>
-        <p:cTn xmlns:p14="http://schemas.microsoft.com/office/powerpoint/2010/main" id="1" dur="indefinite" restart="never" nodeType="tmRoot"/>
-      </p:par>
-    </p:tnLst>
-  </p:timing>
 </p:sld>
 </file>
 
@@ -12762,7 +12624,7 @@
               </a:tabLst>
             </a:pPr>
             <a:r>
-              <a:rPr lang="en-GB" sz="4000" dirty="0" smtClean="0">
+              <a:rPr lang="en-GB" sz="4000" dirty="0">
                 <a:solidFill>
                   <a:srgbClr val="000000"/>
                 </a:solidFill>
@@ -12770,12 +12632,6 @@
               </a:rPr>
               <a:t>The Schrodinger Equation</a:t>
             </a:r>
-            <a:endParaRPr lang="en-GB" sz="4000" dirty="0">
-              <a:solidFill>
-                <a:srgbClr val="000000"/>
-              </a:solidFill>
-              <a:latin typeface="Times New Roman" pitchFamily="18" charset="0"/>
-            </a:endParaRPr>
           </a:p>
         </p:txBody>
       </p:sp>
@@ -12832,7 +12688,7 @@
               </a:tabLst>
             </a:pPr>
             <a:r>
-              <a:rPr lang="en-GB" sz="3200" dirty="0" smtClean="0">
+              <a:rPr lang="en-GB" sz="3200" dirty="0">
                 <a:solidFill>
                   <a:srgbClr val="000000"/>
                 </a:solidFill>
@@ -12889,7 +12745,7 @@
               </a:tabLst>
             </a:pPr>
             <a:r>
-              <a:rPr lang="en-GB" sz="3200" dirty="0" smtClean="0">
+              <a:rPr lang="en-GB" sz="3200" dirty="0">
                 <a:solidFill>
                   <a:srgbClr val="000000"/>
                 </a:solidFill>
@@ -12897,12 +12753,6 @@
               </a:rPr>
               <a:t>Substituting                              into</a:t>
             </a:r>
-            <a:endParaRPr lang="en-GB" sz="3200" dirty="0">
-              <a:solidFill>
-                <a:srgbClr val="000000"/>
-              </a:solidFill>
-              <a:latin typeface="Times New Roman" pitchFamily="18" charset="0"/>
-            </a:endParaRPr>
           </a:p>
         </p:txBody>
       </p:sp>
@@ -13015,7 +12865,7 @@
   <p:timing>
     <p:tnLst>
       <p:par>
-        <p:cTn xmlns:p14="http://schemas.microsoft.com/office/powerpoint/2010/main" id="1" dur="indefinite" restart="never" nodeType="tmRoot">
+        <p:cTn id="1" dur="indefinite" restart="never" nodeType="tmRoot">
           <p:childTnLst>
             <p:seq concurrent="1" nextAc="seek">
               <p:cTn id="2" dur="indefinite" nodeType="mainSeq">
@@ -13327,7 +13177,7 @@
               </a:tabLst>
             </a:pPr>
             <a:r>
-              <a:rPr lang="en-GB" sz="4000" dirty="0" smtClean="0">
+              <a:rPr lang="en-GB" sz="4000" dirty="0">
                 <a:solidFill>
                   <a:srgbClr val="000000"/>
                 </a:solidFill>
@@ -13335,12 +13185,6 @@
               </a:rPr>
               <a:t>The Schrodinger Equation</a:t>
             </a:r>
-            <a:endParaRPr lang="en-GB" sz="4000" dirty="0">
-              <a:solidFill>
-                <a:srgbClr val="000000"/>
-              </a:solidFill>
-              <a:latin typeface="Times New Roman" pitchFamily="18" charset="0"/>
-            </a:endParaRPr>
           </a:p>
         </p:txBody>
       </p:sp>
@@ -13397,7 +13241,7 @@
               </a:tabLst>
             </a:pPr>
             <a:r>
-              <a:rPr lang="en-GB" sz="3200" dirty="0" smtClean="0">
+              <a:rPr lang="en-GB" sz="3200" dirty="0">
                 <a:solidFill>
                   <a:srgbClr val="000000"/>
                 </a:solidFill>
@@ -13454,7 +13298,7 @@
               </a:tabLst>
             </a:pPr>
             <a:r>
-              <a:rPr lang="en-GB" sz="3200" dirty="0" smtClean="0">
+              <a:rPr lang="en-GB" sz="3200" dirty="0">
                 <a:solidFill>
                   <a:srgbClr val="000000"/>
                 </a:solidFill>
@@ -13462,12 +13306,6 @@
               </a:rPr>
               <a:t>Substituting                              into the wave eq.</a:t>
             </a:r>
-            <a:endParaRPr lang="en-GB" sz="3200" dirty="0">
-              <a:solidFill>
-                <a:srgbClr val="000000"/>
-              </a:solidFill>
-              <a:latin typeface="Times New Roman" pitchFamily="18" charset="0"/>
-            </a:endParaRPr>
           </a:p>
         </p:txBody>
       </p:sp>
@@ -13594,7 +13432,7 @@
   <p:timing>
     <p:tnLst>
       <p:par>
-        <p:cTn xmlns:p14="http://schemas.microsoft.com/office/powerpoint/2010/main" id="1" dur="indefinite" restart="never" nodeType="tmRoot">
+        <p:cTn id="1" dur="indefinite" restart="never" nodeType="tmRoot">
           <p:childTnLst>
             <p:seq concurrent="1" nextAc="seek">
               <p:cTn id="2" dur="indefinite" nodeType="mainSeq">
@@ -13815,7 +13653,7 @@
               </a:tabLst>
             </a:pPr>
             <a:r>
-              <a:rPr lang="en-GB" sz="4000" dirty="0" smtClean="0">
+              <a:rPr lang="en-GB" sz="4000" dirty="0">
                 <a:solidFill>
                   <a:srgbClr val="000000"/>
                 </a:solidFill>
@@ -13823,12 +13661,6 @@
               </a:rPr>
               <a:t>The Schrodinger Equation</a:t>
             </a:r>
-            <a:endParaRPr lang="en-GB" sz="4000" dirty="0">
-              <a:solidFill>
-                <a:srgbClr val="000000"/>
-              </a:solidFill>
-              <a:latin typeface="Times New Roman" pitchFamily="18" charset="0"/>
-            </a:endParaRPr>
           </a:p>
         </p:txBody>
       </p:sp>
@@ -13885,7 +13717,7 @@
               </a:tabLst>
             </a:pPr>
             <a:r>
-              <a:rPr lang="en-GB" sz="3200" dirty="0" smtClean="0">
+              <a:rPr lang="en-GB" sz="3200" dirty="0">
                 <a:solidFill>
                   <a:srgbClr val="000000"/>
                 </a:solidFill>
@@ -13894,7 +13726,7 @@
               <a:t>This is the second most important equation for the course: </a:t>
             </a:r>
             <a:r>
-              <a:rPr lang="en-GB" sz="3200" b="1" dirty="0" smtClean="0">
+              <a:rPr lang="en-GB" sz="3200" b="1" dirty="0">
                 <a:solidFill>
                   <a:srgbClr val="000000"/>
                 </a:solidFill>
@@ -13903,7 +13735,7 @@
               <a:t>The Schrodinger Equation</a:t>
             </a:r>
             <a:r>
-              <a:rPr lang="en-GB" sz="3200" dirty="0" smtClean="0">
+              <a:rPr lang="en-GB" sz="3200" dirty="0">
                 <a:solidFill>
                   <a:srgbClr val="000000"/>
                 </a:solidFill>
@@ -13991,7 +13823,7 @@
               </a:tabLst>
             </a:pPr>
             <a:r>
-              <a:rPr lang="en-GB" sz="3200" dirty="0" smtClean="0">
+              <a:rPr lang="en-GB" sz="3200" dirty="0">
                 <a:solidFill>
                   <a:srgbClr val="000000"/>
                 </a:solidFill>
@@ -14048,7 +13880,7 @@
           <a:lstStyle/>
           <a:p>
             <a:r>
-              <a:rPr lang="en-GB" sz="2400" i="1" dirty="0" smtClean="0">
+              <a:rPr lang="en-GB" sz="2400" i="1" dirty="0">
                 <a:solidFill>
                   <a:srgbClr val="000000"/>
                 </a:solidFill>
@@ -14057,7 +13889,7 @@
               <a:t>c</a:t>
             </a:r>
             <a:r>
-              <a:rPr lang="en-GB" sz="2400" dirty="0" smtClean="0">
+              <a:rPr lang="en-GB" sz="2400" dirty="0">
                 <a:solidFill>
                   <a:srgbClr val="000000"/>
                 </a:solidFill>
@@ -14082,7 +13914,7 @@
   <p:timing>
     <p:tnLst>
       <p:par>
-        <p:cTn xmlns:p14="http://schemas.microsoft.com/office/powerpoint/2010/main" id="1" dur="indefinite" restart="never" nodeType="tmRoot">
+        <p:cTn id="1" dur="indefinite" restart="never" nodeType="tmRoot">
           <p:childTnLst>
             <p:seq concurrent="1" nextAc="seek">
               <p:cTn id="2" dur="indefinite" nodeType="mainSeq">
@@ -14547,7 +14379,7 @@
               </a:tabLst>
             </a:pPr>
             <a:r>
-              <a:rPr lang="en-GB" sz="4000" dirty="0" smtClean="0">
+              <a:rPr lang="en-GB" sz="4000" dirty="0">
                 <a:solidFill>
                   <a:srgbClr val="000000"/>
                 </a:solidFill>
@@ -14555,12 +14387,6 @@
               </a:rPr>
               <a:t>The Schrodinger Equation</a:t>
             </a:r>
-            <a:endParaRPr lang="en-GB" sz="4000" dirty="0">
-              <a:solidFill>
-                <a:srgbClr val="000000"/>
-              </a:solidFill>
-              <a:latin typeface="Times New Roman" pitchFamily="18" charset="0"/>
-            </a:endParaRPr>
           </a:p>
         </p:txBody>
       </p:sp>
@@ -14617,7 +14443,7 @@
               </a:tabLst>
             </a:pPr>
             <a:r>
-              <a:rPr lang="en-GB" sz="3200" dirty="0" smtClean="0">
+              <a:rPr lang="en-GB" sz="3200" dirty="0">
                 <a:solidFill>
                   <a:srgbClr val="000000"/>
                 </a:solidFill>
@@ -14905,16 +14731,12 @@
             <a:lstStyle/>
             <a:p>
               <a:r>
-                <a:rPr lang="en-US" sz="2800" dirty="0" smtClean="0">
+                <a:rPr lang="en-US" sz="2800" dirty="0">
                   <a:latin typeface="Times New Roman"/>
                   <a:cs typeface="Times New Roman"/>
                 </a:rPr>
                 <a:t>KE “operator”</a:t>
               </a:r>
-              <a:endParaRPr lang="en-US" sz="2800" dirty="0">
-                <a:latin typeface="Times New Roman"/>
-                <a:cs typeface="Times New Roman"/>
-              </a:endParaRPr>
             </a:p>
           </p:txBody>
         </p:sp>
@@ -14945,19 +14767,8 @@
                   <a:latin typeface="Times New Roman"/>
                   <a:cs typeface="Times New Roman"/>
                 </a:rPr>
-                <a:t>P</a:t>
+                <a:t>PE “operator”</a:t>
               </a:r>
-              <a:r>
-                <a:rPr lang="en-US" sz="2800" dirty="0" smtClean="0">
-                  <a:latin typeface="Times New Roman"/>
-                  <a:cs typeface="Times New Roman"/>
-                </a:rPr>
-                <a:t>E “operator”</a:t>
-              </a:r>
-              <a:endParaRPr lang="en-US" sz="2800" dirty="0">
-                <a:latin typeface="Times New Roman"/>
-                <a:cs typeface="Times New Roman"/>
-              </a:endParaRPr>
             </a:p>
           </p:txBody>
         </p:sp>
@@ -15058,16 +14869,12 @@
             <a:lstStyle/>
             <a:p>
               <a:r>
-                <a:rPr lang="en-US" sz="2800" dirty="0" smtClean="0">
+                <a:rPr lang="en-US" sz="2800" dirty="0">
                   <a:latin typeface="Times New Roman"/>
                   <a:cs typeface="Times New Roman"/>
                 </a:rPr>
                 <a:t>Energy “operator”</a:t>
               </a:r>
-              <a:endParaRPr lang="en-US" sz="2800" dirty="0">
-                <a:latin typeface="Times New Roman"/>
-                <a:cs typeface="Times New Roman"/>
-              </a:endParaRPr>
             </a:p>
           </p:txBody>
         </p:sp>
@@ -15207,7 +15014,7 @@
   <p:timing>
     <p:tnLst>
       <p:par>
-        <p:cTn xmlns:p14="http://schemas.microsoft.com/office/powerpoint/2010/main" id="1" dur="indefinite" restart="never" nodeType="tmRoot">
+        <p:cTn id="1" dur="indefinite" restart="never" nodeType="tmRoot">
           <p:childTnLst>
             <p:seq concurrent="1" nextAc="seek">
               <p:cTn id="2" dur="indefinite" nodeType="mainSeq">
@@ -16198,7 +16005,7 @@
               </a:tabLst>
             </a:pPr>
             <a:r>
-              <a:rPr lang="en-GB" sz="4000" dirty="0" smtClean="0">
+              <a:rPr lang="en-GB" sz="4000" dirty="0">
                 <a:solidFill>
                   <a:srgbClr val="000000"/>
                 </a:solidFill>
@@ -16206,12 +16013,6 @@
               </a:rPr>
               <a:t>A Couple of More Clues</a:t>
             </a:r>
-            <a:endParaRPr lang="en-GB" sz="4000" dirty="0">
-              <a:solidFill>
-                <a:srgbClr val="000000"/>
-              </a:solidFill>
-              <a:latin typeface="Times New Roman" pitchFamily="18" charset="0"/>
-            </a:endParaRPr>
           </a:p>
         </p:txBody>
       </p:sp>
@@ -16268,7 +16069,7 @@
               </a:tabLst>
             </a:pPr>
             <a:r>
-              <a:rPr lang="en-GB" sz="3200" b="1" dirty="0" smtClean="0">
+              <a:rPr lang="en-GB" sz="3200" b="1" dirty="0">
                 <a:solidFill>
                   <a:srgbClr val="000000"/>
                 </a:solidFill>
@@ -16338,23 +16139,8 @@
                 </a:solidFill>
                 <a:latin typeface="Times New Roman" pitchFamily="18" charset="0"/>
               </a:rPr>
-              <a:t>e- flux only depends on </a:t>
-            </a:r>
-            <a:r>
-              <a:rPr lang="en-GB" sz="2400" dirty="0" smtClean="0">
-                <a:solidFill>
-                  <a:srgbClr val="000000"/>
-                </a:solidFill>
-                <a:latin typeface="Times New Roman" pitchFamily="18" charset="0"/>
-              </a:rPr>
-              <a:t>characteristic frequencies of light</a:t>
-            </a:r>
-            <a:endParaRPr lang="en-GB" sz="2400" dirty="0">
-              <a:solidFill>
-                <a:srgbClr val="000000"/>
-              </a:solidFill>
-              <a:latin typeface="Times New Roman" pitchFamily="18" charset="0"/>
-            </a:endParaRPr>
+              <a:t>e- flux only depends on characteristic frequencies of light</a:t>
+            </a:r>
           </a:p>
           <a:p>
             <a:pPr marL="887413" lvl="1" indent="-323850">
@@ -16378,7 +16164,7 @@
                 <a:tab pos="10488613" algn="l"/>
               </a:tabLst>
             </a:pPr>
-            <a:endParaRPr lang="en-GB" sz="2400" dirty="0" smtClean="0">
+            <a:endParaRPr lang="en-GB" sz="2400" dirty="0">
               <a:solidFill>
                 <a:srgbClr val="000000"/>
               </a:solidFill>
@@ -16597,7 +16383,7 @@
             <a:lstStyle/>
             <a:p>
               <a:r>
-                <a:rPr lang="en-GB" sz="4400" dirty="0" smtClean="0">
+                <a:rPr lang="en-GB" sz="4400" dirty="0">
                   <a:solidFill>
                     <a:srgbClr val="000000"/>
                   </a:solidFill>
@@ -16636,7 +16422,7 @@
           <a:lstStyle/>
           <a:p>
             <a:r>
-              <a:rPr lang="en-GB" sz="2400" dirty="0" smtClean="0">
+              <a:rPr lang="en-GB" sz="2400" dirty="0">
                 <a:solidFill>
                   <a:srgbClr val="000000"/>
                 </a:solidFill>
@@ -16671,79 +16457,75 @@
           <a:lstStyle/>
           <a:p>
             <a:r>
-              <a:rPr lang="en-US" sz="2400" dirty="0" smtClean="0">
+              <a:rPr lang="en-US" sz="2400" dirty="0">
                 <a:latin typeface="Times New Roman"/>
                 <a:cs typeface="Times New Roman"/>
               </a:rPr>
               <a:t>If </a:t>
             </a:r>
             <a:r>
-              <a:rPr lang="en-US" sz="2400" i="1" dirty="0" err="1" smtClean="0">
+              <a:rPr lang="en-US" sz="2400" i="1" dirty="0" err="1">
                 <a:latin typeface="Times New Roman"/>
                 <a:cs typeface="Times New Roman"/>
               </a:rPr>
               <a:t>E</a:t>
             </a:r>
             <a:r>
-              <a:rPr lang="en-US" sz="2400" baseline="-25000" dirty="0" err="1" smtClean="0">
+              <a:rPr lang="en-US" sz="2400" baseline="-25000" dirty="0" err="1">
                 <a:latin typeface="Symbol" charset="2"/>
                 <a:cs typeface="Symbol" charset="2"/>
               </a:rPr>
               <a:t>g</a:t>
             </a:r>
             <a:r>
-              <a:rPr lang="en-US" sz="2400" dirty="0" smtClean="0">
+              <a:rPr lang="en-US" sz="2400" dirty="0">
                 <a:latin typeface="Times New Roman"/>
                 <a:cs typeface="Times New Roman"/>
               </a:rPr>
               <a:t> = </a:t>
             </a:r>
             <a:r>
-              <a:rPr lang="en-US" sz="2400" dirty="0" smtClean="0">
+              <a:rPr lang="en-US" sz="2400" dirty="0">
                 <a:latin typeface="Symbol" charset="2"/>
                 <a:cs typeface="Symbol" charset="2"/>
               </a:rPr>
               <a:t>F</a:t>
             </a:r>
             <a:r>
-              <a:rPr lang="en-US" sz="2400" dirty="0" smtClean="0">
+              <a:rPr lang="en-US" sz="2400" dirty="0">
                 <a:latin typeface="Times New Roman"/>
                 <a:cs typeface="Times New Roman"/>
               </a:rPr>
               <a:t> = </a:t>
             </a:r>
             <a:r>
-              <a:rPr lang="en-US" sz="2400" i="1" dirty="0" smtClean="0">
+              <a:rPr lang="en-US" sz="2400" i="1" dirty="0">
                 <a:latin typeface="Times New Roman"/>
                 <a:cs typeface="Times New Roman"/>
               </a:rPr>
               <a:t>h</a:t>
             </a:r>
             <a:r>
-              <a:rPr lang="en-US" sz="2400" i="1" dirty="0" smtClean="0">
+              <a:rPr lang="en-US" sz="2400" i="1" dirty="0">
                 <a:latin typeface="Symbol" charset="2"/>
                 <a:cs typeface="Symbol" charset="2"/>
               </a:rPr>
               <a:t>n</a:t>
             </a:r>
             <a:r>
-              <a:rPr lang="en-US" sz="2400" baseline="-25000" dirty="0" smtClean="0">
+              <a:rPr lang="en-US" sz="2400" baseline="-25000" dirty="0">
                 <a:latin typeface="Times New Roman"/>
                 <a:cs typeface="Times New Roman"/>
               </a:rPr>
               <a:t>0</a:t>
             </a:r>
             <a:r>
-              <a:rPr lang="en-US" sz="2400" dirty="0" smtClean="0">
+              <a:rPr lang="en-US" sz="2400" dirty="0">
                 <a:latin typeface="Times New Roman"/>
                 <a:cs typeface="Times New Roman"/>
               </a:rPr>
               <a:t> </a:t>
             </a:r>
-            <a:endParaRPr lang="en-US" sz="2400" dirty="0">
-              <a:latin typeface="Times New Roman"/>
-              <a:cs typeface="Times New Roman"/>
-            </a:endParaRPr>
           </a:p>
         </p:txBody>
       </p:sp>
@@ -16822,16 +16604,7 @@
                   </a:solidFill>
                   <a:latin typeface="Times New Roman" pitchFamily="18" charset="0"/>
                 </a:rPr>
-                <a:t>e</a:t>
-              </a:r>
-              <a:r>
-                <a:rPr lang="en-GB" sz="3600" dirty="0" smtClean="0">
-                  <a:solidFill>
-                    <a:srgbClr val="000000"/>
-                  </a:solidFill>
-                  <a:latin typeface="Times New Roman" pitchFamily="18" charset="0"/>
-                </a:rPr>
-                <a:t>-</a:t>
+                <a:t>e-</a:t>
               </a:r>
               <a:endParaRPr lang="en-US" sz="3600" dirty="0"/>
             </a:p>
@@ -16861,51 +16634,47 @@
           <a:lstStyle/>
           <a:p>
             <a:r>
-              <a:rPr lang="en-US" sz="2400" i="1" dirty="0" err="1" smtClean="0">
+              <a:rPr lang="en-US" sz="2400" i="1" dirty="0" err="1">
                 <a:latin typeface="Times New Roman"/>
                 <a:cs typeface="Times New Roman"/>
               </a:rPr>
               <a:t>E</a:t>
             </a:r>
             <a:r>
-              <a:rPr lang="en-US" sz="2400" baseline="-25000" dirty="0" err="1" smtClean="0">
+              <a:rPr lang="en-US" sz="2400" baseline="-25000" dirty="0" err="1">
                 <a:latin typeface="Symbol" charset="2"/>
                 <a:cs typeface="Symbol" charset="2"/>
               </a:rPr>
               <a:t>g</a:t>
             </a:r>
             <a:r>
-              <a:rPr lang="en-US" sz="2400" dirty="0" smtClean="0">
+              <a:rPr lang="en-US" sz="2400" dirty="0">
                 <a:latin typeface="Times New Roman"/>
                 <a:cs typeface="Times New Roman"/>
               </a:rPr>
               <a:t> = </a:t>
             </a:r>
             <a:r>
-              <a:rPr lang="en-US" sz="2400" i="1" dirty="0" err="1" smtClean="0">
+              <a:rPr lang="en-US" sz="2400" i="1" dirty="0" err="1">
                 <a:latin typeface="Times New Roman"/>
                 <a:cs typeface="Times New Roman"/>
               </a:rPr>
               <a:t>h</a:t>
             </a:r>
             <a:r>
-              <a:rPr lang="en-US" sz="2400" i="1" dirty="0" err="1" smtClean="0">
+              <a:rPr lang="en-US" sz="2400" i="1" dirty="0" err="1">
                 <a:latin typeface="Symbol" charset="2"/>
                 <a:cs typeface="Symbol" charset="2"/>
               </a:rPr>
               <a:t>n</a:t>
             </a:r>
             <a:r>
-              <a:rPr lang="en-US" sz="2400" dirty="0" smtClean="0">
+              <a:rPr lang="en-US" sz="2400" dirty="0">
                 <a:latin typeface="Times New Roman"/>
                 <a:cs typeface="Times New Roman"/>
               </a:rPr>
               <a:t> </a:t>
             </a:r>
-            <a:endParaRPr lang="en-US" sz="2400" dirty="0">
-              <a:latin typeface="Times New Roman"/>
-              <a:cs typeface="Times New Roman"/>
-            </a:endParaRPr>
           </a:p>
         </p:txBody>
       </p:sp>
@@ -16932,49 +16701,49 @@
           <a:lstStyle/>
           <a:p>
             <a:r>
-              <a:rPr lang="en-US" sz="3200" dirty="0" err="1" smtClean="0">
+              <a:rPr lang="en-US" sz="3200" dirty="0" err="1">
                 <a:latin typeface="Times New Roman"/>
                 <a:cs typeface="Times New Roman"/>
               </a:rPr>
               <a:t>KE</a:t>
             </a:r>
             <a:r>
-              <a:rPr lang="en-US" sz="3200" baseline="-25000" dirty="0" err="1" smtClean="0">
+              <a:rPr lang="en-US" sz="3200" baseline="-25000" dirty="0" err="1">
                 <a:latin typeface="Times New Roman"/>
                 <a:cs typeface="Times New Roman"/>
               </a:rPr>
               <a:t>e</a:t>
             </a:r>
             <a:r>
-              <a:rPr lang="en-US" sz="3200" i="1" baseline="-25000" dirty="0" smtClean="0">
+              <a:rPr lang="en-US" sz="3200" i="1" baseline="-25000" dirty="0">
                 <a:latin typeface="Times New Roman"/>
                 <a:cs typeface="Times New Roman"/>
               </a:rPr>
               <a:t>-</a:t>
             </a:r>
             <a:r>
-              <a:rPr lang="en-US" sz="3200" dirty="0" smtClean="0">
+              <a:rPr lang="en-US" sz="3200" dirty="0">
                 <a:latin typeface="Times New Roman"/>
                 <a:cs typeface="Times New Roman"/>
               </a:rPr>
               <a:t> = </a:t>
             </a:r>
             <a:r>
-              <a:rPr lang="en-US" sz="3200" i="1" dirty="0" err="1" smtClean="0">
+              <a:rPr lang="en-US" sz="3200" i="1" dirty="0" err="1">
                 <a:latin typeface="Times New Roman"/>
                 <a:cs typeface="Times New Roman"/>
               </a:rPr>
               <a:t>h</a:t>
             </a:r>
             <a:r>
-              <a:rPr lang="en-US" sz="3200" i="1" dirty="0" err="1" smtClean="0">
+              <a:rPr lang="en-US" sz="3200" i="1" dirty="0" err="1">
                 <a:latin typeface="Symbol" charset="2"/>
                 <a:cs typeface="Symbol" charset="2"/>
               </a:rPr>
               <a:t>n</a:t>
             </a:r>
             <a:r>
-              <a:rPr lang="en-US" sz="3200" dirty="0" smtClean="0">
+              <a:rPr lang="en-US" sz="3200" dirty="0">
                 <a:latin typeface="Times New Roman"/>
                 <a:cs typeface="Times New Roman"/>
               </a:rPr>
@@ -17017,65 +16786,61 @@
           <a:lstStyle/>
           <a:p>
             <a:r>
-              <a:rPr lang="en-US" sz="3200" dirty="0" err="1" smtClean="0">
+              <a:rPr lang="en-US" sz="3200" dirty="0" err="1">
                 <a:latin typeface="Times New Roman"/>
                 <a:cs typeface="Times New Roman"/>
               </a:rPr>
               <a:t>KE</a:t>
             </a:r>
             <a:r>
-              <a:rPr lang="en-US" sz="3200" baseline="-25000" dirty="0" err="1" smtClean="0">
+              <a:rPr lang="en-US" sz="3200" baseline="-25000" dirty="0" err="1">
                 <a:latin typeface="Times New Roman"/>
                 <a:cs typeface="Times New Roman"/>
               </a:rPr>
               <a:t>e</a:t>
             </a:r>
             <a:r>
-              <a:rPr lang="en-US" sz="3200" i="1" baseline="-25000" dirty="0" smtClean="0">
+              <a:rPr lang="en-US" sz="3200" i="1" baseline="-25000" dirty="0">
                 <a:latin typeface="Times New Roman"/>
                 <a:cs typeface="Times New Roman"/>
               </a:rPr>
               <a:t>-</a:t>
             </a:r>
             <a:r>
-              <a:rPr lang="en-US" sz="3200" dirty="0" smtClean="0">
+              <a:rPr lang="en-US" sz="3200" dirty="0">
                 <a:latin typeface="Times New Roman"/>
                 <a:cs typeface="Times New Roman"/>
               </a:rPr>
               <a:t> = ½ </a:t>
             </a:r>
             <a:r>
-              <a:rPr lang="en-US" sz="3200" i="1" dirty="0" smtClean="0">
+              <a:rPr lang="en-US" sz="3200" i="1" dirty="0">
                 <a:latin typeface="Times New Roman"/>
                 <a:cs typeface="Times New Roman"/>
               </a:rPr>
               <a:t>m</a:t>
             </a:r>
             <a:r>
-              <a:rPr lang="en-US" sz="3200" baseline="-25000" dirty="0" smtClean="0">
+              <a:rPr lang="en-US" sz="3200" baseline="-25000" dirty="0">
                 <a:latin typeface="Times New Roman"/>
                 <a:cs typeface="Times New Roman"/>
               </a:rPr>
               <a:t>e-</a:t>
             </a:r>
             <a:r>
-              <a:rPr lang="en-US" sz="3200" dirty="0" smtClean="0">
+              <a:rPr lang="en-US" sz="3200" dirty="0">
                 <a:latin typeface="Times New Roman"/>
                 <a:cs typeface="Times New Roman"/>
               </a:rPr>
               <a:t>v</a:t>
             </a:r>
             <a:r>
-              <a:rPr lang="en-US" sz="3200" baseline="30000" dirty="0" smtClean="0">
+              <a:rPr lang="en-US" sz="3200" baseline="30000" dirty="0">
                 <a:latin typeface="Times New Roman"/>
                 <a:cs typeface="Times New Roman"/>
               </a:rPr>
               <a:t>2</a:t>
             </a:r>
-            <a:endParaRPr lang="en-US" sz="3200" baseline="30000" dirty="0">
-              <a:latin typeface="Times New Roman"/>
-              <a:cs typeface="Times New Roman"/>
-            </a:endParaRPr>
           </a:p>
         </p:txBody>
       </p:sp>
@@ -17105,7 +16870,7 @@
               <a:buChar char="•"/>
             </a:pPr>
             <a:r>
-              <a:rPr lang="en-GB" sz="2400" dirty="0" smtClean="0">
+              <a:rPr lang="en-GB" sz="2400" dirty="0">
                 <a:solidFill>
                   <a:srgbClr val="000000"/>
                 </a:solidFill>
@@ -17115,7 +16880,7 @@
               <a:t>F</a:t>
             </a:r>
             <a:r>
-              <a:rPr lang="en-GB" sz="2400" dirty="0" smtClean="0">
+              <a:rPr lang="en-GB" sz="2400" dirty="0">
                 <a:solidFill>
                   <a:srgbClr val="000000"/>
                 </a:solidFill>
@@ -17130,7 +16895,7 @@
               <a:buChar char="•"/>
             </a:pPr>
             <a:r>
-              <a:rPr lang="en-GB" sz="2400" b="1" dirty="0" smtClean="0">
+              <a:rPr lang="en-GB" sz="2400" b="1" dirty="0">
                 <a:solidFill>
                   <a:srgbClr val="000000"/>
                 </a:solidFill>
@@ -17168,7 +16933,7 @@
               <a:buChar char="•"/>
             </a:pPr>
             <a:r>
-              <a:rPr lang="en-GB" sz="3600" dirty="0" smtClean="0">
+              <a:rPr lang="en-GB" sz="3600" dirty="0">
                 <a:solidFill>
                   <a:srgbClr val="000000"/>
                 </a:solidFill>
@@ -17177,7 +16942,7 @@
               <a:t>What if </a:t>
             </a:r>
             <a:r>
-              <a:rPr lang="en-GB" sz="3600" dirty="0" err="1" smtClean="0">
+              <a:rPr lang="en-GB" sz="3600" dirty="0" err="1">
                 <a:solidFill>
                   <a:srgbClr val="000000"/>
                 </a:solidFill>
@@ -17186,7 +16951,7 @@
               <a:t>KE</a:t>
             </a:r>
             <a:r>
-              <a:rPr lang="en-GB" sz="3600" baseline="-25000" dirty="0" err="1" smtClean="0">
+              <a:rPr lang="en-GB" sz="3600" baseline="-25000" dirty="0" err="1">
                 <a:solidFill>
                   <a:srgbClr val="000000"/>
                 </a:solidFill>
@@ -17195,7 +16960,7 @@
               <a:t>e</a:t>
             </a:r>
             <a:r>
-              <a:rPr lang="en-GB" sz="3600" baseline="-25000" dirty="0" smtClean="0">
+              <a:rPr lang="en-GB" sz="3600" baseline="-25000" dirty="0">
                 <a:solidFill>
                   <a:srgbClr val="000000"/>
                 </a:solidFill>
@@ -17204,7 +16969,7 @@
               <a:t>-</a:t>
             </a:r>
             <a:r>
-              <a:rPr lang="en-GB" sz="3600" dirty="0" smtClean="0">
+              <a:rPr lang="en-GB" sz="3600" dirty="0">
                 <a:solidFill>
                   <a:srgbClr val="000000"/>
                 </a:solidFill>
@@ -17273,7 +17038,7 @@
   <p:timing>
     <p:tnLst>
       <p:par>
-        <p:cTn xmlns:p14="http://schemas.microsoft.com/office/powerpoint/2010/main" id="1" dur="indefinite" restart="never" nodeType="tmRoot">
+        <p:cTn id="1" dur="indefinite" restart="never" nodeType="tmRoot">
           <p:childTnLst>
             <p:seq concurrent="1" nextAc="seek">
               <p:cTn id="2" dur="indefinite" nodeType="mainSeq">
@@ -18213,7 +17978,7 @@
               </a:tabLst>
             </a:pPr>
             <a:r>
-              <a:rPr lang="en-GB" sz="4000" dirty="0" smtClean="0">
+              <a:rPr lang="en-GB" sz="4000" dirty="0">
                 <a:solidFill>
                   <a:srgbClr val="000000"/>
                 </a:solidFill>
@@ -18221,12 +17986,6 @@
               </a:rPr>
               <a:t>A Couple of More Clues</a:t>
             </a:r>
-            <a:endParaRPr lang="en-GB" sz="4000" dirty="0">
-              <a:solidFill>
-                <a:srgbClr val="000000"/>
-              </a:solidFill>
-              <a:latin typeface="Times New Roman" pitchFamily="18" charset="0"/>
-            </a:endParaRPr>
           </a:p>
         </p:txBody>
       </p:sp>
@@ -18283,7 +18042,7 @@
               </a:tabLst>
             </a:pPr>
             <a:r>
-              <a:rPr lang="en-GB" sz="3200" b="1" dirty="0" smtClean="0">
+              <a:rPr lang="en-GB" sz="3200" b="1" dirty="0">
                 <a:solidFill>
                   <a:srgbClr val="000000"/>
                 </a:solidFill>
@@ -18315,7 +18074,7 @@
               </a:tabLst>
             </a:pPr>
             <a:r>
-              <a:rPr lang="en-GB" sz="3200" dirty="0" smtClean="0">
+              <a:rPr lang="en-GB" sz="3200" dirty="0">
                 <a:solidFill>
                   <a:srgbClr val="000000"/>
                 </a:solidFill>
@@ -18324,7 +18083,7 @@
               <a:t>What is </a:t>
             </a:r>
             <a:r>
-              <a:rPr lang="en-GB" sz="3200" dirty="0" err="1" smtClean="0">
+              <a:rPr lang="en-GB" sz="3200" dirty="0" err="1">
                 <a:solidFill>
                   <a:srgbClr val="000000"/>
                 </a:solidFill>
@@ -18333,7 +18092,7 @@
               <a:t>v</a:t>
             </a:r>
             <a:r>
-              <a:rPr lang="en-GB" sz="3200" baseline="-25000" dirty="0" err="1" smtClean="0">
+              <a:rPr lang="en-GB" sz="3200" baseline="-25000" dirty="0" err="1">
                 <a:solidFill>
                   <a:srgbClr val="000000"/>
                 </a:solidFill>
@@ -18342,7 +18101,7 @@
               <a:t>e</a:t>
             </a:r>
             <a:r>
-              <a:rPr lang="en-GB" sz="3200" baseline="-25000" dirty="0" smtClean="0">
+              <a:rPr lang="en-GB" sz="3200" baseline="-25000" dirty="0">
                 <a:solidFill>
                   <a:srgbClr val="000000"/>
                 </a:solidFill>
@@ -18351,7 +18110,7 @@
               <a:t>-</a:t>
             </a:r>
             <a:r>
-              <a:rPr lang="en-GB" sz="3200" dirty="0" smtClean="0">
+              <a:rPr lang="en-GB" sz="3200" dirty="0">
                 <a:solidFill>
                   <a:srgbClr val="000000"/>
                 </a:solidFill>
@@ -18572,7 +18331,7 @@
             <a:lstStyle/>
             <a:p>
               <a:r>
-                <a:rPr lang="en-GB" sz="4400" dirty="0" smtClean="0">
+                <a:rPr lang="en-GB" sz="4400" dirty="0">
                   <a:solidFill>
                     <a:srgbClr val="000000"/>
                   </a:solidFill>
@@ -18611,7 +18370,7 @@
           <a:lstStyle/>
           <a:p>
             <a:r>
-              <a:rPr lang="en-GB" sz="2400" dirty="0" smtClean="0">
+              <a:rPr lang="en-GB" sz="2400" dirty="0">
                 <a:solidFill>
                   <a:srgbClr val="000000"/>
                 </a:solidFill>
@@ -18698,16 +18457,7 @@
                   </a:solidFill>
                   <a:latin typeface="Times New Roman" pitchFamily="18" charset="0"/>
                 </a:rPr>
-                <a:t>e</a:t>
-              </a:r>
-              <a:r>
-                <a:rPr lang="en-GB" sz="3600" dirty="0" smtClean="0">
-                  <a:solidFill>
-                    <a:srgbClr val="000000"/>
-                  </a:solidFill>
-                  <a:latin typeface="Times New Roman" pitchFamily="18" charset="0"/>
-                </a:rPr>
-                <a:t>-</a:t>
+                <a:t>e-</a:t>
               </a:r>
               <a:endParaRPr lang="en-US" sz="3600" dirty="0"/>
             </a:p>
@@ -18737,44 +18487,40 @@
           <a:lstStyle/>
           <a:p>
             <a:r>
-              <a:rPr lang="en-US" sz="2400" i="1" dirty="0" smtClean="0">
+              <a:rPr lang="en-US" sz="2400" i="1" dirty="0">
                 <a:latin typeface="Symbol" charset="2"/>
                 <a:cs typeface="Symbol" charset="2"/>
               </a:rPr>
               <a:t>l </a:t>
             </a:r>
             <a:r>
-              <a:rPr lang="en-US" sz="2400" dirty="0" smtClean="0">
+              <a:rPr lang="en-US" sz="2400" dirty="0">
                 <a:latin typeface="Symbol" charset="2"/>
                 <a:cs typeface="Symbol" charset="2"/>
               </a:rPr>
               <a:t>= 0.1 </a:t>
             </a:r>
             <a:r>
-              <a:rPr lang="en-US" sz="2400" i="1" dirty="0" smtClean="0">
+              <a:rPr lang="en-US" sz="2400" i="1" dirty="0">
                 <a:latin typeface="Times New Roman"/>
                 <a:cs typeface="Times New Roman"/>
               </a:rPr>
               <a:t>nm</a:t>
             </a:r>
             <a:r>
-              <a:rPr lang="en-US" sz="2400" dirty="0" smtClean="0">
+              <a:rPr lang="en-US" sz="2400" dirty="0">
                 <a:latin typeface="Symbol" charset="2"/>
                 <a:cs typeface="Symbol" charset="2"/>
               </a:rPr>
               <a:t> </a:t>
             </a:r>
             <a:r>
-              <a:rPr lang="en-US" sz="2400" dirty="0" smtClean="0">
+              <a:rPr lang="en-US" sz="2400" dirty="0">
                 <a:latin typeface="Times New Roman"/>
                 <a:cs typeface="Times New Roman"/>
               </a:rPr>
               <a:t> </a:t>
             </a:r>
-            <a:endParaRPr lang="en-US" sz="2400" dirty="0">
-              <a:latin typeface="Times New Roman"/>
-              <a:cs typeface="Times New Roman"/>
-            </a:endParaRPr>
           </a:p>
         </p:txBody>
       </p:sp>
@@ -18801,44 +18547,40 @@
           <a:lstStyle/>
           <a:p>
             <a:r>
-              <a:rPr lang="en-US" sz="3200" dirty="0" err="1" smtClean="0">
+              <a:rPr lang="en-US" sz="3200" dirty="0" err="1">
                 <a:latin typeface="Symbol" charset="2"/>
                 <a:cs typeface="Symbol" charset="2"/>
               </a:rPr>
               <a:t>F</a:t>
             </a:r>
             <a:r>
-              <a:rPr lang="en-US" sz="3200" baseline="-25000" dirty="0" err="1" smtClean="0">
+              <a:rPr lang="en-US" sz="3200" baseline="-25000" dirty="0" err="1">
                 <a:latin typeface="Times New Roman"/>
                 <a:cs typeface="Times New Roman"/>
               </a:rPr>
               <a:t>Ag</a:t>
             </a:r>
             <a:r>
-              <a:rPr lang="en-US" sz="3200" dirty="0" smtClean="0">
+              <a:rPr lang="en-US" sz="3200" dirty="0">
                 <a:latin typeface="Times New Roman"/>
                 <a:cs typeface="Times New Roman"/>
               </a:rPr>
               <a:t> = 4.73 </a:t>
             </a:r>
             <a:r>
-              <a:rPr lang="en-US" sz="3200" i="1" dirty="0" err="1" smtClean="0">
+              <a:rPr lang="en-US" sz="3200" i="1" dirty="0" err="1">
                 <a:latin typeface="Times New Roman"/>
                 <a:cs typeface="Times New Roman"/>
               </a:rPr>
               <a:t>eV</a:t>
             </a:r>
             <a:r>
-              <a:rPr lang="en-US" sz="3200" dirty="0" smtClean="0">
+              <a:rPr lang="en-US" sz="3200" dirty="0">
                 <a:latin typeface="Times New Roman"/>
                 <a:cs typeface="Times New Roman"/>
               </a:rPr>
               <a:t> </a:t>
             </a:r>
-            <a:endParaRPr lang="en-US" sz="3200" dirty="0">
-              <a:latin typeface="Times New Roman"/>
-              <a:cs typeface="Times New Roman"/>
-            </a:endParaRPr>
           </a:p>
         </p:txBody>
       </p:sp>
@@ -18872,37 +18614,33 @@
               <a:t>m</a:t>
             </a:r>
             <a:r>
-              <a:rPr lang="en-US" sz="3200" baseline="-25000" dirty="0" smtClean="0">
+              <a:rPr lang="en-US" sz="3200" baseline="-25000" dirty="0">
                 <a:latin typeface="Times New Roman"/>
                 <a:cs typeface="Times New Roman"/>
               </a:rPr>
               <a:t>e- </a:t>
             </a:r>
             <a:r>
-              <a:rPr lang="en-US" sz="3200" dirty="0" smtClean="0">
+              <a:rPr lang="en-US" sz="3200" dirty="0">
                 <a:latin typeface="Times New Roman"/>
                 <a:cs typeface="Times New Roman"/>
               </a:rPr>
               <a:t>= 9.109 × 10</a:t>
             </a:r>
             <a:r>
-              <a:rPr lang="en-US" sz="3200" baseline="30000" dirty="0" smtClean="0">
+              <a:rPr lang="en-US" sz="3200" baseline="30000" dirty="0">
                 <a:latin typeface="Times New Roman"/>
                 <a:cs typeface="Times New Roman"/>
               </a:rPr>
               <a:t>-31</a:t>
             </a:r>
             <a:r>
-              <a:rPr lang="en-US" sz="3200" i="1" dirty="0" smtClean="0">
+              <a:rPr lang="en-US" sz="3200" i="1" dirty="0">
                 <a:latin typeface="Times New Roman"/>
                 <a:cs typeface="Times New Roman"/>
               </a:rPr>
               <a:t>kg</a:t>
             </a:r>
-            <a:endParaRPr lang="en-US" sz="3200" i="1" dirty="0">
-              <a:latin typeface="Times New Roman"/>
-              <a:cs typeface="Times New Roman"/>
-            </a:endParaRPr>
           </a:p>
         </p:txBody>
       </p:sp>
@@ -18929,35 +18667,35 @@
           <a:lstStyle/>
           <a:p>
             <a:r>
-              <a:rPr lang="en-US" sz="3200" dirty="0" smtClean="0">
+              <a:rPr lang="en-US" sz="3200" dirty="0">
                 <a:latin typeface="Times New Roman"/>
                 <a:cs typeface="Times New Roman"/>
               </a:rPr>
               <a:t>1 </a:t>
             </a:r>
             <a:r>
-              <a:rPr lang="en-US" sz="3200" i="1" dirty="0" err="1" smtClean="0">
+              <a:rPr lang="en-US" sz="3200" i="1" dirty="0" err="1">
                 <a:latin typeface="Times New Roman"/>
                 <a:cs typeface="Times New Roman"/>
               </a:rPr>
               <a:t>eV</a:t>
             </a:r>
             <a:r>
-              <a:rPr lang="en-US" sz="3200" i="1" dirty="0" smtClean="0">
+              <a:rPr lang="en-US" sz="3200" i="1" dirty="0">
                 <a:latin typeface="Times New Roman"/>
                 <a:cs typeface="Times New Roman"/>
               </a:rPr>
               <a:t> </a:t>
             </a:r>
             <a:r>
-              <a:rPr lang="en-US" sz="3200" dirty="0" smtClean="0">
+              <a:rPr lang="en-US" sz="3200" dirty="0">
                 <a:latin typeface="Times New Roman"/>
                 <a:cs typeface="Times New Roman"/>
               </a:rPr>
               <a:t>= 1.602 × 10</a:t>
             </a:r>
             <a:r>
-              <a:rPr lang="en-US" sz="3200" baseline="30000" dirty="0" smtClean="0">
+              <a:rPr lang="en-US" sz="3200" baseline="30000" dirty="0">
                 <a:latin typeface="Times New Roman"/>
                 <a:cs typeface="Times New Roman"/>
               </a:rPr>
@@ -18983,13 +18721,6 @@
   <p:clrMapOvr>
     <a:masterClrMapping/>
   </p:clrMapOvr>
-  <p:timing>
-    <p:tnLst>
-      <p:par>
-        <p:cTn xmlns:p14="http://schemas.microsoft.com/office/powerpoint/2010/main" id="1" dur="indefinite" restart="never" nodeType="tmRoot"/>
-      </p:par>
-    </p:tnLst>
-  </p:timing>
 </p:sld>
 </file>
 
@@ -19093,7 +18824,7 @@
               </a:tabLst>
             </a:pPr>
             <a:r>
-              <a:rPr lang="en-GB" sz="4000" dirty="0" smtClean="0">
+              <a:rPr lang="en-GB" sz="4000" dirty="0">
                 <a:solidFill>
                   <a:srgbClr val="000000"/>
                 </a:solidFill>
@@ -19101,12 +18832,6 @@
               </a:rPr>
               <a:t>A Couple of More Clues</a:t>
             </a:r>
-            <a:endParaRPr lang="en-GB" sz="4000" dirty="0">
-              <a:solidFill>
-                <a:srgbClr val="000000"/>
-              </a:solidFill>
-              <a:latin typeface="Times New Roman" pitchFamily="18" charset="0"/>
-            </a:endParaRPr>
           </a:p>
         </p:txBody>
       </p:sp>
@@ -19163,7 +18888,7 @@
               </a:tabLst>
             </a:pPr>
             <a:r>
-              <a:rPr lang="en-GB" sz="3200" b="1" dirty="0" smtClean="0">
+              <a:rPr lang="en-GB" sz="3200" b="1" dirty="0">
                 <a:solidFill>
                   <a:srgbClr val="000000"/>
                 </a:solidFill>
@@ -19172,7 +18897,7 @@
               <a:t>Double Slit Experiment</a:t>
             </a:r>
             <a:r>
-              <a:rPr lang="en-GB" sz="3200" dirty="0" smtClean="0">
+              <a:rPr lang="en-GB" sz="3200" dirty="0">
                 <a:solidFill>
                   <a:srgbClr val="000000"/>
                 </a:solidFill>
@@ -19210,16 +18935,7 @@
                 </a:solidFill>
                 <a:latin typeface="Times New Roman" pitchFamily="18" charset="0"/>
               </a:rPr>
-              <a:t>e</a:t>
-            </a:r>
-            <a:r>
-              <a:rPr lang="en-GB" sz="2800" dirty="0" smtClean="0">
-                <a:solidFill>
-                  <a:srgbClr val="000000"/>
-                </a:solidFill>
-                <a:latin typeface="Times New Roman" pitchFamily="18" charset="0"/>
-              </a:rPr>
-              <a:t>- have mass and were thought to be corpuscular!</a:t>
+              <a:t>e- have mass and were thought to be corpuscular!</a:t>
             </a:r>
           </a:p>
           <a:p>
@@ -19245,7 +18961,7 @@
               </a:tabLst>
             </a:pPr>
             <a:r>
-              <a:rPr lang="en-GB" sz="2800" dirty="0" smtClean="0">
+              <a:rPr lang="en-GB" sz="2800" dirty="0">
                 <a:solidFill>
                   <a:srgbClr val="000000"/>
                 </a:solidFill>
@@ -19278,7 +18994,7 @@
           <a:graphicData uri="http://schemas.openxmlformats.org/presentationml/2006/ole">
             <mc:AlternateContent xmlns:mc="http://schemas.openxmlformats.org/markup-compatibility/2006">
               <mc:Choice xmlns:v="urn:schemas-microsoft-com:vml" Requires="v">
-                <p:oleObj spid="_x0000_s1134" r:id="rId4" imgW="723960" imgH="361800" progId="">
+                <p:oleObj spid="_x0000_s1138" r:id="rId4" imgW="723960" imgH="361800" progId="">
                   <p:embed/>
                 </p:oleObj>
               </mc:Choice>
@@ -19317,7 +19033,7 @@
                       <a:noFill/>
                       <a:extLst>
                         <a:ext uri="{909E8E84-426E-40dd-AFC4-6F175D3DCCD1}">
-                          <a14:hiddenFill xmlns:a14="http://schemas.microsoft.com/office/drawing/2010/main">
+                          <a14:hiddenFill xmlns:a14="http://schemas.microsoft.com/office/drawing/2010/main" xmlns="">
                             <a:blipFill dpi="0" rotWithShape="0">
                               <a:blip/>
                               <a:srcRect/>
@@ -19358,7 +19074,7 @@
           <a:graphicData uri="http://schemas.openxmlformats.org/presentationml/2006/ole">
             <mc:AlternateContent xmlns:mc="http://schemas.openxmlformats.org/markup-compatibility/2006">
               <mc:Choice xmlns:v="urn:schemas-microsoft-com:vml" Requires="v">
-                <p:oleObj spid="_x0000_s1135" r:id="rId6" imgW="76320" imgH="181080" progId="">
+                <p:oleObj spid="_x0000_s1139" r:id="rId6" imgW="76320" imgH="181080" progId="">
                   <p:embed/>
                 </p:oleObj>
               </mc:Choice>
@@ -19397,7 +19113,7 @@
                       <a:noFill/>
                       <a:extLst>
                         <a:ext uri="{909E8E84-426E-40dd-AFC4-6F175D3DCCD1}">
-                          <a14:hiddenFill xmlns:a14="http://schemas.microsoft.com/office/drawing/2010/main">
+                          <a14:hiddenFill xmlns:a14="http://schemas.microsoft.com/office/drawing/2010/main" xmlns="">
                             <a:blipFill dpi="0" rotWithShape="0">
                               <a:blip/>
                               <a:srcRect/>
@@ -19927,16 +19643,11 @@
                 </a:solidFill>
                 <a:latin typeface="Times New Roman" pitchFamily="18" charset="0"/>
               </a:rPr>
-              <a:t>e</a:t>
-            </a:r>
-            <a:r>
-              <a:rPr lang="en-GB" sz="4000" dirty="0" smtClean="0">
-                <a:solidFill>
-                  <a:srgbClr val="000000"/>
-                </a:solidFill>
-                <a:latin typeface="Times New Roman" pitchFamily="18" charset="0"/>
-              </a:rPr>
-              <a:t>- e- </a:t>
+              <a:t>e- e- e-</a:t>
+            </a:r>
+            <a:r>
+              <a:rPr lang="en-US" sz="4000" dirty="0"/>
+              <a:t> </a:t>
             </a:r>
             <a:r>
               <a:rPr lang="en-GB" sz="4000" dirty="0">
@@ -19945,38 +19656,7 @@
                 </a:solidFill>
                 <a:latin typeface="Times New Roman" pitchFamily="18" charset="0"/>
               </a:rPr>
-              <a:t>e</a:t>
-            </a:r>
-            <a:r>
-              <a:rPr lang="en-GB" sz="4000" dirty="0" smtClean="0">
-                <a:solidFill>
-                  <a:srgbClr val="000000"/>
-                </a:solidFill>
-                <a:latin typeface="Times New Roman" pitchFamily="18" charset="0"/>
-              </a:rPr>
-              <a:t>-</a:t>
-            </a:r>
-            <a:r>
-              <a:rPr lang="en-US" sz="4000" dirty="0" smtClean="0"/>
-              <a:t> </a:t>
-            </a:r>
-            <a:r>
-              <a:rPr lang="en-GB" sz="4000" dirty="0">
-                <a:solidFill>
-                  <a:srgbClr val="000000"/>
-                </a:solidFill>
-                <a:latin typeface="Times New Roman" pitchFamily="18" charset="0"/>
-              </a:rPr>
-              <a:t>e</a:t>
-            </a:r>
-            <a:r>
-              <a:rPr lang="en-GB" sz="4000" dirty="0" smtClean="0">
-                <a:solidFill>
-                  <a:srgbClr val="000000"/>
-                </a:solidFill>
-                <a:latin typeface="Times New Roman" pitchFamily="18" charset="0"/>
-              </a:rPr>
-              <a:t>-</a:t>
+              <a:t>e-</a:t>
             </a:r>
             <a:endParaRPr lang="en-US" sz="4000" dirty="0"/>
           </a:p>
@@ -20004,7 +19684,7 @@
           <a:lstStyle/>
           <a:p>
             <a:r>
-              <a:rPr lang="en-GB" sz="2400" dirty="0" smtClean="0">
+              <a:rPr lang="en-GB" sz="2400" dirty="0">
                 <a:solidFill>
                   <a:srgbClr val="000000"/>
                 </a:solidFill>
@@ -20029,7 +19709,7 @@
   <p:timing>
     <p:tnLst>
       <p:par>
-        <p:cTn xmlns:p14="http://schemas.microsoft.com/office/powerpoint/2010/main" id="1" dur="indefinite" restart="never" nodeType="tmRoot">
+        <p:cTn id="1" dur="indefinite" restart="never" nodeType="tmRoot">
           <p:childTnLst>
             <p:seq concurrent="1" nextAc="seek">
               <p:cTn id="2" dur="indefinite" nodeType="mainSeq">
@@ -20596,7 +20276,7 @@
               </a:tabLst>
             </a:pPr>
             <a:r>
-              <a:rPr lang="en-GB" sz="4000" dirty="0" smtClean="0">
+              <a:rPr lang="en-GB" sz="4000" dirty="0">
                 <a:solidFill>
                   <a:srgbClr val="000000"/>
                 </a:solidFill>
@@ -20604,12 +20284,6 @@
               </a:rPr>
               <a:t>A Couple of More Clues</a:t>
             </a:r>
-            <a:endParaRPr lang="en-GB" sz="4000" dirty="0">
-              <a:solidFill>
-                <a:srgbClr val="000000"/>
-              </a:solidFill>
-              <a:latin typeface="Times New Roman" pitchFamily="18" charset="0"/>
-            </a:endParaRPr>
           </a:p>
         </p:txBody>
       </p:sp>
@@ -20666,7 +20340,7 @@
               </a:tabLst>
             </a:pPr>
             <a:r>
-              <a:rPr lang="en-GB" sz="3200" b="1" dirty="0" smtClean="0">
+              <a:rPr lang="en-GB" sz="3200" b="1" dirty="0">
                 <a:solidFill>
                   <a:srgbClr val="000000"/>
                 </a:solidFill>
@@ -20675,7 +20349,7 @@
               <a:t>The Electromagnetic Spectrum</a:t>
             </a:r>
             <a:r>
-              <a:rPr lang="en-GB" sz="3200" dirty="0" smtClean="0">
+              <a:rPr lang="en-GB" sz="3200" dirty="0">
                 <a:solidFill>
                   <a:srgbClr val="000000"/>
                 </a:solidFill>
@@ -20743,7 +20417,7 @@
   <p:timing>
     <p:tnLst>
       <p:par>
-        <p:cTn xmlns:p14="http://schemas.microsoft.com/office/powerpoint/2010/main" id="1" dur="indefinite" restart="never" nodeType="tmRoot">
+        <p:cTn id="1" dur="indefinite" restart="never" nodeType="tmRoot">
           <p:childTnLst>
             <p:seq concurrent="1" nextAc="seek">
               <p:cTn id="2" dur="indefinite" nodeType="mainSeq">
@@ -20967,7 +20641,7 @@
               </a:tabLst>
             </a:pPr>
             <a:r>
-              <a:rPr lang="en-GB" sz="4000" dirty="0" smtClean="0">
+              <a:rPr lang="en-GB" sz="4000" dirty="0">
                 <a:solidFill>
                   <a:srgbClr val="000000"/>
                 </a:solidFill>
@@ -20975,12 +20649,6 @@
               </a:rPr>
               <a:t>A Couple of More Clues</a:t>
             </a:r>
-            <a:endParaRPr lang="en-GB" sz="4000" dirty="0">
-              <a:solidFill>
-                <a:srgbClr val="000000"/>
-              </a:solidFill>
-              <a:latin typeface="Times New Roman" pitchFamily="18" charset="0"/>
-            </a:endParaRPr>
           </a:p>
         </p:txBody>
       </p:sp>
@@ -21037,7 +20705,7 @@
               </a:tabLst>
             </a:pPr>
             <a:r>
-              <a:rPr lang="en-GB" sz="3200" b="1" dirty="0" smtClean="0">
+              <a:rPr lang="en-GB" sz="3200" b="1" dirty="0">
                 <a:solidFill>
                   <a:srgbClr val="000000"/>
                 </a:solidFill>
@@ -21046,7 +20714,7 @@
               <a:t>Atomic Spectra</a:t>
             </a:r>
             <a:r>
-              <a:rPr lang="en-GB" sz="3200" dirty="0" smtClean="0">
+              <a:rPr lang="en-GB" sz="3200" dirty="0">
                 <a:solidFill>
                   <a:srgbClr val="000000"/>
                 </a:solidFill>
@@ -21107,7 +20775,7 @@
               </a:tabLst>
             </a:pPr>
             <a:r>
-              <a:rPr lang="en-GB" sz="2800" dirty="0" smtClean="0">
+              <a:rPr lang="en-GB" sz="2800" dirty="0">
                 <a:solidFill>
                   <a:srgbClr val="000000"/>
                 </a:solidFill>
@@ -21116,7 +20784,7 @@
               <a:t>See discrete “lines” of </a:t>
             </a:r>
             <a:r>
-              <a:rPr lang="en-GB" sz="2800" dirty="0" err="1" smtClean="0">
+              <a:rPr lang="en-GB" sz="2800" dirty="0" err="1">
                 <a:solidFill>
                   <a:srgbClr val="000000"/>
                 </a:solidFill>
@@ -21125,7 +20793,7 @@
               <a:t>color</a:t>
             </a:r>
             <a:r>
-              <a:rPr lang="en-GB" sz="2800" dirty="0" smtClean="0">
+              <a:rPr lang="en-GB" sz="2800" dirty="0">
                 <a:solidFill>
                   <a:srgbClr val="000000"/>
                 </a:solidFill>
@@ -21157,7 +20825,7 @@
               </a:tabLst>
             </a:pPr>
             <a:r>
-              <a:rPr lang="en-GB" sz="2800" b="1" i="1" u="sng" dirty="0" smtClean="0">
+              <a:rPr lang="en-GB" sz="2800" b="1" i="1" u="sng" dirty="0">
                 <a:solidFill>
                   <a:srgbClr val="000000"/>
                 </a:solidFill>
@@ -21166,7 +20834,7 @@
               <a:t>Discrete </a:t>
             </a:r>
             <a:r>
-              <a:rPr lang="en-GB" sz="2800" b="1" i="1" u="sng" dirty="0" err="1" smtClean="0">
+              <a:rPr lang="en-GB" sz="2800" b="1" i="1" u="sng" dirty="0" err="1">
                 <a:solidFill>
                   <a:srgbClr val="000000"/>
                 </a:solidFill>
@@ -21175,7 +20843,7 @@
               <a:t>colors</a:t>
             </a:r>
             <a:r>
-              <a:rPr lang="en-GB" sz="2800" b="1" i="1" u="sng" dirty="0" smtClean="0">
+              <a:rPr lang="en-GB" sz="2800" b="1" i="1" u="sng" dirty="0">
                 <a:solidFill>
                   <a:srgbClr val="000000"/>
                 </a:solidFill>
@@ -21184,7 +20852,7 @@
               <a:t> </a:t>
             </a:r>
             <a:r>
-              <a:rPr lang="en-GB" sz="2800" dirty="0" smtClean="0">
+              <a:rPr lang="en-GB" sz="2800" dirty="0">
                 <a:solidFill>
                   <a:srgbClr val="000000"/>
                 </a:solidFill>
@@ -21193,7 +20861,7 @@
               <a:t>mean only </a:t>
             </a:r>
             <a:r>
-              <a:rPr lang="en-GB" sz="2800" b="1" i="1" u="sng" dirty="0" smtClean="0">
+              <a:rPr lang="en-GB" sz="2800" b="1" i="1" u="sng" dirty="0">
                 <a:solidFill>
                   <a:srgbClr val="000000"/>
                 </a:solidFill>
@@ -21202,7 +20870,7 @@
               <a:t>discrete energies</a:t>
             </a:r>
             <a:r>
-              <a:rPr lang="en-GB" sz="2800" dirty="0" smtClean="0">
+              <a:rPr lang="en-GB" sz="2800" dirty="0">
                 <a:solidFill>
                   <a:srgbClr val="000000"/>
                 </a:solidFill>
@@ -21211,7 +20879,7 @@
               <a:t> at </a:t>
             </a:r>
             <a:r>
-              <a:rPr lang="en-GB" sz="2800" b="1" i="1" u="sng" dirty="0" smtClean="0">
+              <a:rPr lang="en-GB" sz="2800" b="1" i="1" u="sng" dirty="0">
                 <a:solidFill>
                   <a:srgbClr val="000000"/>
                 </a:solidFill>
@@ -21220,7 +20888,7 @@
               <a:t>specific frequencies</a:t>
             </a:r>
             <a:r>
-              <a:rPr lang="en-GB" sz="2800" dirty="0" smtClean="0">
+              <a:rPr lang="en-GB" sz="2800" dirty="0">
                 <a:solidFill>
                   <a:srgbClr val="000000"/>
                 </a:solidFill>
@@ -21283,30 +20951,12 @@
           <a:lstStyle/>
           <a:p>
             <a:r>
-              <a:rPr lang="en-US" sz="2400" dirty="0" smtClean="0">
-                <a:latin typeface="Times New Roman"/>
-                <a:cs typeface="Times New Roman"/>
-              </a:rPr>
-              <a:t>Visible Hydrogen </a:t>
-            </a:r>
-            <a:r>
               <a:rPr lang="en-US" sz="2400" dirty="0">
                 <a:latin typeface="Times New Roman"/>
                 <a:cs typeface="Times New Roman"/>
               </a:rPr>
-              <a:t>E</a:t>
-            </a:r>
-            <a:r>
-              <a:rPr lang="en-US" sz="2400" dirty="0" smtClean="0">
-                <a:latin typeface="Times New Roman"/>
-                <a:cs typeface="Times New Roman"/>
-              </a:rPr>
-              <a:t>mission Lines</a:t>
-            </a:r>
-            <a:endParaRPr lang="en-US" sz="2400" dirty="0">
-              <a:latin typeface="Times New Roman"/>
-              <a:cs typeface="Times New Roman"/>
-            </a:endParaRPr>
+              <a:t>Visible Hydrogen Emission Lines</a:t>
+            </a:r>
           </a:p>
         </p:txBody>
       </p:sp>
@@ -21323,7 +20973,7 @@
   <p:timing>
     <p:tnLst>
       <p:par>
-        <p:cTn xmlns:p14="http://schemas.microsoft.com/office/powerpoint/2010/main" id="1" dur="indefinite" restart="never" nodeType="tmRoot">
+        <p:cTn id="1" dur="indefinite" restart="never" nodeType="tmRoot">
           <p:childTnLst>
             <p:seq concurrent="1" nextAc="seek">
               <p:cTn id="2" dur="indefinite" nodeType="mainSeq">
@@ -21712,7 +21362,7 @@
               </a:tabLst>
             </a:pPr>
             <a:r>
-              <a:rPr lang="en-GB" sz="4000" dirty="0" smtClean="0">
+              <a:rPr lang="en-GB" sz="4000" dirty="0">
                 <a:solidFill>
                   <a:srgbClr val="000000"/>
                 </a:solidFill>
@@ -21720,12 +21370,6 @@
               </a:rPr>
               <a:t>A Couple of More Clues</a:t>
             </a:r>
-            <a:endParaRPr lang="en-GB" sz="4000" dirty="0">
-              <a:solidFill>
-                <a:srgbClr val="000000"/>
-              </a:solidFill>
-              <a:latin typeface="Times New Roman" pitchFamily="18" charset="0"/>
-            </a:endParaRPr>
           </a:p>
         </p:txBody>
       </p:sp>
@@ -21782,7 +21426,7 @@
               </a:tabLst>
             </a:pPr>
             <a:r>
-              <a:rPr lang="en-GB" sz="3200" b="1" dirty="0" smtClean="0">
+              <a:rPr lang="en-GB" sz="3200" b="1" dirty="0">
                 <a:solidFill>
                   <a:srgbClr val="000000"/>
                 </a:solidFill>
@@ -21790,7 +21434,7 @@
               </a:rPr>
               <a:t>Hydrogen Atomic Spectra</a:t>
             </a:r>
-            <a:endParaRPr lang="en-GB" sz="3200" dirty="0" smtClean="0">
+            <a:endParaRPr lang="en-GB" sz="3200" dirty="0">
               <a:solidFill>
                 <a:srgbClr val="000000"/>
               </a:solidFill>
@@ -21849,7 +21493,7 @@
               </a:tabLst>
             </a:pPr>
             <a:r>
-              <a:rPr lang="en-GB" sz="2800" dirty="0" smtClean="0">
+              <a:rPr lang="en-GB" sz="2800" dirty="0">
                 <a:solidFill>
                   <a:srgbClr val="000000"/>
                 </a:solidFill>
@@ -21881,7 +21525,7 @@
               </a:tabLst>
             </a:pPr>
             <a:r>
-              <a:rPr lang="en-GB" sz="2800" dirty="0" smtClean="0">
+              <a:rPr lang="en-GB" sz="2800" dirty="0">
                 <a:solidFill>
                   <a:srgbClr val="000000"/>
                 </a:solidFill>
@@ -21913,7 +21557,7 @@
               </a:tabLst>
             </a:pPr>
             <a:r>
-              <a:rPr lang="en-GB" sz="2800" dirty="0" err="1" smtClean="0">
+              <a:rPr lang="en-GB" sz="2800" dirty="0" err="1">
                 <a:solidFill>
                   <a:srgbClr val="000000"/>
                 </a:solidFill>
@@ -21922,7 +21566,7 @@
               <a:t>Balmer</a:t>
             </a:r>
             <a:r>
-              <a:rPr lang="en-GB" sz="2800" dirty="0" smtClean="0">
+              <a:rPr lang="en-GB" sz="2800" dirty="0">
                 <a:solidFill>
                   <a:srgbClr val="000000"/>
                 </a:solidFill>
@@ -21954,7 +21598,7 @@
               </a:tabLst>
             </a:pPr>
             <a:r>
-              <a:rPr lang="en-GB" sz="2800" dirty="0" err="1" smtClean="0">
+              <a:rPr lang="en-GB" sz="2800" dirty="0" err="1">
                 <a:solidFill>
                   <a:srgbClr val="000000"/>
                 </a:solidFill>
@@ -21963,7 +21607,7 @@
               <a:t>Paschen</a:t>
             </a:r>
             <a:r>
-              <a:rPr lang="en-GB" sz="2800" dirty="0" smtClean="0">
+              <a:rPr lang="en-GB" sz="2800" dirty="0">
                 <a:solidFill>
                   <a:srgbClr val="000000"/>
                 </a:solidFill>
@@ -21995,7 +21639,7 @@
               </a:tabLst>
             </a:pPr>
             <a:r>
-              <a:rPr lang="en-GB" sz="2800" dirty="0" smtClean="0">
+              <a:rPr lang="en-GB" sz="2800" dirty="0">
                 <a:solidFill>
                   <a:srgbClr val="000000"/>
                 </a:solidFill>
@@ -22006,9 +21650,45 @@
           </a:p>
         </p:txBody>
       </p:sp>
+      <p:pic>
+        <p:nvPicPr>
+          <p:cNvPr id="6" name="Picture 5">
+            <a:extLst>
+              <a:ext uri="{FF2B5EF4-FFF2-40B4-BE49-F238E27FC236}">
+                <a16:creationId xmlns:a16="http://schemas.microsoft.com/office/drawing/2014/main" id="{555E277F-0F66-459A-9C3B-CACE1994A8A2}"/>
+              </a:ext>
+            </a:extLst>
+          </p:cNvPr>
+          <p:cNvPicPr>
+            <a:picLocks noChangeAspect="1"/>
+          </p:cNvPicPr>
+          <p:nvPr/>
+        </p:nvPicPr>
+        <p:blipFill>
+          <a:blip r:embed="rId3"/>
+          <a:stretch>
+            <a:fillRect/>
+          </a:stretch>
+        </p:blipFill>
+        <p:spPr>
+          <a:xfrm>
+            <a:off x="2484337" y="5519461"/>
+            <a:ext cx="3575620" cy="800139"/>
+          </a:xfrm>
+          <a:prstGeom prst="rect">
+            <a:avLst/>
+          </a:prstGeom>
+        </p:spPr>
+      </p:pic>
       <p:sp>
         <p:nvSpPr>
-          <p:cNvPr id="3" name="Rectangle 2"/>
+          <p:cNvPr id="22" name="Rectangle 21">
+            <a:extLst>
+              <a:ext uri="{FF2B5EF4-FFF2-40B4-BE49-F238E27FC236}">
+                <a16:creationId xmlns:a16="http://schemas.microsoft.com/office/drawing/2014/main" id="{290E30F9-7426-4753-8100-865D596F294F}"/>
+              </a:ext>
+            </a:extLst>
+          </p:cNvPr>
           <p:cNvSpPr/>
           <p:nvPr/>
         </p:nvSpPr>
@@ -22028,7 +21708,7 @@
           <a:lstStyle/>
           <a:p>
             <a:r>
-              <a:rPr lang="en-GB" sz="2800" b="1" dirty="0" smtClean="0">
+              <a:rPr lang="en-GB" sz="2800" b="1" dirty="0">
                 <a:solidFill>
                   <a:srgbClr val="000000"/>
                 </a:solidFill>
@@ -22037,7 +21717,7 @@
               <a:t>Rydberg eq</a:t>
             </a:r>
             <a:r>
-              <a:rPr lang="en-GB" sz="2800" dirty="0" smtClean="0">
+              <a:rPr lang="en-GB" sz="2800" dirty="0">
                 <a:solidFill>
                   <a:srgbClr val="000000"/>
                 </a:solidFill>
@@ -22049,47 +21729,35 @@
           </a:p>
         </p:txBody>
       </p:sp>
-      <p:pic>
-        <p:nvPicPr>
-          <p:cNvPr id="2" name="Picture 1"/>
-          <p:cNvPicPr>
-            <a:picLocks noChangeAspect="1"/>
-          </p:cNvPicPr>
-          <p:nvPr/>
-        </p:nvPicPr>
-        <p:blipFill>
-          <a:blip r:embed="rId3"/>
-          <a:stretch>
-            <a:fillRect/>
-          </a:stretch>
-        </p:blipFill>
-        <p:spPr>
-          <a:xfrm>
-            <a:off x="1936094" y="5092931"/>
-            <a:ext cx="4027212" cy="1294091"/>
-          </a:xfrm>
-          <a:prstGeom prst="rect">
-            <a:avLst/>
-          </a:prstGeom>
-        </p:spPr>
-      </p:pic>
       <p:grpSp>
         <p:nvGrpSpPr>
-          <p:cNvPr id="27" name="Group 26"/>
+          <p:cNvPr id="23" name="Group 22">
+            <a:extLst>
+              <a:ext uri="{FF2B5EF4-FFF2-40B4-BE49-F238E27FC236}">
+                <a16:creationId xmlns:a16="http://schemas.microsoft.com/office/drawing/2014/main" id="{9E68A0E0-1733-4903-A4B3-CA1B791B73F6}"/>
+              </a:ext>
+            </a:extLst>
+          </p:cNvPr>
           <p:cNvGrpSpPr/>
           <p:nvPr/>
         </p:nvGrpSpPr>
         <p:grpSpPr>
           <a:xfrm>
-            <a:off x="36788" y="4833981"/>
-            <a:ext cx="8593416" cy="1792117"/>
-            <a:chOff x="36788" y="4833981"/>
-            <a:chExt cx="8593416" cy="1792117"/>
+            <a:off x="291248" y="4921801"/>
+            <a:ext cx="8577459" cy="1792117"/>
+            <a:chOff x="52745" y="4833981"/>
+            <a:chExt cx="8577459" cy="1792117"/>
           </a:xfrm>
         </p:grpSpPr>
         <p:cxnSp>
           <p:nvCxnSpPr>
-            <p:cNvPr id="30" name="Straight Arrow Connector 29"/>
+            <p:cNvPr id="24" name="Straight Arrow Connector 23">
+              <a:extLst>
+                <a:ext uri="{FF2B5EF4-FFF2-40B4-BE49-F238E27FC236}">
+                  <a16:creationId xmlns:a16="http://schemas.microsoft.com/office/drawing/2014/main" id="{05C87A68-2CB8-449A-9807-1B099A8A667D}"/>
+                </a:ext>
+              </a:extLst>
+            </p:cNvPr>
             <p:cNvCxnSpPr/>
             <p:nvPr/>
           </p:nvCxnSpPr>
@@ -22122,7 +21790,13 @@
         </p:cxnSp>
         <p:cxnSp>
           <p:nvCxnSpPr>
-            <p:cNvPr id="33" name="Straight Arrow Connector 32"/>
+            <p:cNvPr id="25" name="Straight Arrow Connector 24">
+              <a:extLst>
+                <a:ext uri="{FF2B5EF4-FFF2-40B4-BE49-F238E27FC236}">
+                  <a16:creationId xmlns:a16="http://schemas.microsoft.com/office/drawing/2014/main" id="{FD86CCEA-88FD-4737-BA9A-6F80D9249469}"/>
+                </a:ext>
+              </a:extLst>
+            </p:cNvPr>
             <p:cNvCxnSpPr/>
             <p:nvPr/>
           </p:nvCxnSpPr>
@@ -22155,7 +21829,13 @@
         </p:cxnSp>
         <p:cxnSp>
           <p:nvCxnSpPr>
-            <p:cNvPr id="34" name="Straight Arrow Connector 33"/>
+            <p:cNvPr id="26" name="Straight Arrow Connector 25">
+              <a:extLst>
+                <a:ext uri="{FF2B5EF4-FFF2-40B4-BE49-F238E27FC236}">
+                  <a16:creationId xmlns:a16="http://schemas.microsoft.com/office/drawing/2014/main" id="{BD620D50-F767-488E-BCA3-69E595CCD2B5}"/>
+                </a:ext>
+              </a:extLst>
+            </p:cNvPr>
             <p:cNvCxnSpPr/>
             <p:nvPr/>
           </p:nvCxnSpPr>
@@ -22188,13 +21868,19 @@
         </p:cxnSp>
         <p:sp>
           <p:nvSpPr>
-            <p:cNvPr id="35" name="Rectangle 34"/>
+            <p:cNvPr id="28" name="Rectangle 27">
+              <a:extLst>
+                <a:ext uri="{FF2B5EF4-FFF2-40B4-BE49-F238E27FC236}">
+                  <a16:creationId xmlns:a16="http://schemas.microsoft.com/office/drawing/2014/main" id="{03458768-75B3-41AF-8372-7DFF9C4D123F}"/>
+                </a:ext>
+              </a:extLst>
+            </p:cNvPr>
             <p:cNvSpPr/>
             <p:nvPr/>
           </p:nvSpPr>
           <p:spPr>
             <a:xfrm>
-              <a:off x="36788" y="5422388"/>
+              <a:off x="52745" y="5257603"/>
               <a:ext cx="2263398" cy="369332"/>
             </a:xfrm>
             <a:prstGeom prst="rect">
@@ -22208,7 +21894,7 @@
             <a:lstStyle/>
             <a:p>
               <a:r>
-                <a:rPr lang="en-GB" dirty="0" smtClean="0">
+                <a:rPr lang="en-GB" dirty="0">
                   <a:solidFill>
                     <a:srgbClr val="000000"/>
                   </a:solidFill>
@@ -22217,7 +21903,7 @@
                 <a:t>Line “energy” in </a:t>
               </a:r>
               <a:r>
-                <a:rPr lang="en-GB" i="1" dirty="0" smtClean="0">
+                <a:rPr lang="en-GB" i="1" dirty="0">
                   <a:solidFill>
                     <a:srgbClr val="000000"/>
                   </a:solidFill>
@@ -22226,7 +21912,7 @@
                 <a:t>cm</a:t>
               </a:r>
               <a:r>
-                <a:rPr lang="en-GB" baseline="30000" dirty="0" smtClean="0">
+                <a:rPr lang="en-GB" baseline="30000" dirty="0">
                   <a:solidFill>
                     <a:srgbClr val="000000"/>
                   </a:solidFill>
@@ -22240,7 +21926,13 @@
         </p:sp>
         <p:sp>
           <p:nvSpPr>
-            <p:cNvPr id="36" name="Rectangle 35"/>
+            <p:cNvPr id="29" name="Rectangle 28">
+              <a:extLst>
+                <a:ext uri="{FF2B5EF4-FFF2-40B4-BE49-F238E27FC236}">
+                  <a16:creationId xmlns:a16="http://schemas.microsoft.com/office/drawing/2014/main" id="{D78DB616-85B3-4E5C-AE7A-32525C36F9FC}"/>
+                </a:ext>
+              </a:extLst>
+            </p:cNvPr>
             <p:cNvSpPr/>
             <p:nvPr/>
           </p:nvSpPr>
@@ -22260,7 +21952,7 @@
             <a:lstStyle/>
             <a:p>
               <a:r>
-                <a:rPr lang="en-GB" dirty="0" smtClean="0">
+                <a:rPr lang="en-GB" dirty="0">
                   <a:solidFill>
                     <a:srgbClr val="000000"/>
                   </a:solidFill>
@@ -22269,7 +21961,7 @@
                 <a:t>Line wavelength in </a:t>
               </a:r>
               <a:r>
-                <a:rPr lang="en-GB" i="1" dirty="0" smtClean="0">
+                <a:rPr lang="en-GB" i="1" dirty="0">
                   <a:solidFill>
                     <a:srgbClr val="000000"/>
                   </a:solidFill>
@@ -22283,7 +21975,13 @@
         </p:sp>
         <p:sp>
           <p:nvSpPr>
-            <p:cNvPr id="37" name="Rectangle 36"/>
+            <p:cNvPr id="31" name="Rectangle 30">
+              <a:extLst>
+                <a:ext uri="{FF2B5EF4-FFF2-40B4-BE49-F238E27FC236}">
+                  <a16:creationId xmlns:a16="http://schemas.microsoft.com/office/drawing/2014/main" id="{429E49CA-0E7F-4CA6-B47A-CE9CDADCA06D}"/>
+                </a:ext>
+              </a:extLst>
+            </p:cNvPr>
             <p:cNvSpPr/>
             <p:nvPr/>
           </p:nvSpPr>
@@ -22303,7 +22001,7 @@
             <a:lstStyle/>
             <a:p>
               <a:r>
-                <a:rPr lang="en-GB" dirty="0" smtClean="0">
+                <a:rPr lang="en-GB" dirty="0">
                   <a:solidFill>
                     <a:srgbClr val="000000"/>
                   </a:solidFill>
@@ -22312,7 +22010,7 @@
                 <a:t>Rydberg const. = 109625 </a:t>
               </a:r>
               <a:r>
-                <a:rPr lang="en-GB" i="1" dirty="0" smtClean="0">
+                <a:rPr lang="en-GB" i="1" dirty="0">
                   <a:solidFill>
                     <a:srgbClr val="000000"/>
                   </a:solidFill>
@@ -22321,7 +22019,7 @@
                 <a:t>cm</a:t>
               </a:r>
               <a:r>
-                <a:rPr lang="en-GB" baseline="30000" dirty="0" smtClean="0">
+                <a:rPr lang="en-GB" baseline="30000" dirty="0">
                   <a:solidFill>
                     <a:srgbClr val="000000"/>
                   </a:solidFill>
@@ -22335,7 +22033,13 @@
         </p:sp>
         <p:cxnSp>
           <p:nvCxnSpPr>
-            <p:cNvPr id="38" name="Straight Arrow Connector 37"/>
+            <p:cNvPr id="32" name="Straight Arrow Connector 31">
+              <a:extLst>
+                <a:ext uri="{FF2B5EF4-FFF2-40B4-BE49-F238E27FC236}">
+                  <a16:creationId xmlns:a16="http://schemas.microsoft.com/office/drawing/2014/main" id="{2B3B5ECB-5D01-40B8-81F1-A51980F34449}"/>
+                </a:ext>
+              </a:extLst>
+            </p:cNvPr>
             <p:cNvCxnSpPr/>
             <p:nvPr/>
           </p:nvCxnSpPr>
@@ -22368,7 +22072,13 @@
         </p:cxnSp>
         <p:cxnSp>
           <p:nvCxnSpPr>
-            <p:cNvPr id="39" name="Straight Arrow Connector 38"/>
+            <p:cNvPr id="43" name="Straight Arrow Connector 42">
+              <a:extLst>
+                <a:ext uri="{FF2B5EF4-FFF2-40B4-BE49-F238E27FC236}">
+                  <a16:creationId xmlns:a16="http://schemas.microsoft.com/office/drawing/2014/main" id="{5D65D4CE-6335-4FD1-B851-2F65F28F0879}"/>
+                </a:ext>
+              </a:extLst>
+            </p:cNvPr>
             <p:cNvCxnSpPr/>
             <p:nvPr/>
           </p:nvCxnSpPr>
@@ -22401,7 +22111,13 @@
         </p:cxnSp>
         <p:cxnSp>
           <p:nvCxnSpPr>
-            <p:cNvPr id="40" name="Straight Connector 39"/>
+            <p:cNvPr id="44" name="Straight Connector 43">
+              <a:extLst>
+                <a:ext uri="{FF2B5EF4-FFF2-40B4-BE49-F238E27FC236}">
+                  <a16:creationId xmlns:a16="http://schemas.microsoft.com/office/drawing/2014/main" id="{7D6A9A8A-97D6-4460-82AA-259D91FECCEA}"/>
+                </a:ext>
+              </a:extLst>
+            </p:cNvPr>
             <p:cNvCxnSpPr/>
             <p:nvPr/>
           </p:nvCxnSpPr>
@@ -22431,7 +22147,13 @@
         </p:cxnSp>
         <p:cxnSp>
           <p:nvCxnSpPr>
-            <p:cNvPr id="41" name="Straight Connector 40"/>
+            <p:cNvPr id="45" name="Straight Connector 44">
+              <a:extLst>
+                <a:ext uri="{FF2B5EF4-FFF2-40B4-BE49-F238E27FC236}">
+                  <a16:creationId xmlns:a16="http://schemas.microsoft.com/office/drawing/2014/main" id="{DF8A6034-A7F9-4399-8A20-3E0C8F290DF3}"/>
+                </a:ext>
+              </a:extLst>
+            </p:cNvPr>
             <p:cNvCxnSpPr/>
             <p:nvPr/>
           </p:nvCxnSpPr>
@@ -22461,7 +22183,13 @@
         </p:cxnSp>
         <p:sp>
           <p:nvSpPr>
-            <p:cNvPr id="42" name="Rectangle 41"/>
+            <p:cNvPr id="46" name="Rectangle 45">
+              <a:extLst>
+                <a:ext uri="{FF2B5EF4-FFF2-40B4-BE49-F238E27FC236}">
+                  <a16:creationId xmlns:a16="http://schemas.microsoft.com/office/drawing/2014/main" id="{BC51704F-D8BB-495E-B241-427B5B3ACEFE}"/>
+                </a:ext>
+              </a:extLst>
+            </p:cNvPr>
             <p:cNvSpPr/>
             <p:nvPr/>
           </p:nvSpPr>
@@ -22481,7 +22209,7 @@
             <a:lstStyle/>
             <a:p>
               <a:r>
-                <a:rPr lang="en-GB" dirty="0" smtClean="0">
+                <a:rPr lang="en-GB" dirty="0">
                   <a:solidFill>
                     <a:srgbClr val="000000"/>
                   </a:solidFill>
@@ -22492,7 +22220,7 @@
             </a:p>
             <a:p>
               <a:r>
-                <a:rPr lang="en-GB" i="1" dirty="0" smtClean="0">
+                <a:rPr lang="en-GB" i="1" dirty="0">
                   <a:solidFill>
                     <a:srgbClr val="000000"/>
                   </a:solidFill>
@@ -22501,7 +22229,7 @@
                 <a:t>n</a:t>
               </a:r>
               <a:r>
-                <a:rPr lang="en-GB" baseline="-25000" dirty="0" smtClean="0">
+                <a:rPr lang="en-GB" baseline="-25000" dirty="0">
                   <a:solidFill>
                     <a:srgbClr val="000000"/>
                   </a:solidFill>
@@ -22510,7 +22238,7 @@
                 <a:t>1</a:t>
               </a:r>
               <a:r>
-                <a:rPr lang="en-GB" dirty="0" smtClean="0">
+                <a:rPr lang="en-GB" dirty="0">
                   <a:solidFill>
                     <a:srgbClr val="000000"/>
                   </a:solidFill>
@@ -22519,7 +22247,7 @@
                 <a:t>, </a:t>
               </a:r>
               <a:r>
-                <a:rPr lang="en-GB" i="1" dirty="0" smtClean="0">
+                <a:rPr lang="en-GB" i="1" dirty="0">
                   <a:solidFill>
                     <a:srgbClr val="000000"/>
                   </a:solidFill>
@@ -22528,7 +22256,7 @@
                 <a:t>n</a:t>
               </a:r>
               <a:r>
-                <a:rPr lang="en-GB" baseline="-25000" dirty="0" smtClean="0">
+                <a:rPr lang="en-GB" baseline="-25000" dirty="0">
                   <a:solidFill>
                     <a:srgbClr val="000000"/>
                   </a:solidFill>
@@ -22537,7 +22265,7 @@
                 <a:t>2</a:t>
               </a:r>
               <a:r>
-                <a:rPr lang="en-GB" dirty="0" smtClean="0">
+                <a:rPr lang="en-GB" dirty="0">
                   <a:solidFill>
                     <a:srgbClr val="000000"/>
                   </a:solidFill>
@@ -22548,7 +22276,7 @@
             </a:p>
             <a:p>
               <a:r>
-                <a:rPr lang="en-GB" i="1" dirty="0" smtClean="0">
+                <a:rPr lang="en-GB" i="1" dirty="0">
                   <a:solidFill>
                     <a:srgbClr val="000000"/>
                   </a:solidFill>
@@ -22557,7 +22285,7 @@
                 <a:t>n</a:t>
               </a:r>
               <a:r>
-                <a:rPr lang="en-GB" baseline="-25000" dirty="0" smtClean="0">
+                <a:rPr lang="en-GB" baseline="-25000" dirty="0">
                   <a:solidFill>
                     <a:srgbClr val="000000"/>
                   </a:solidFill>
@@ -22566,7 +22294,7 @@
                 <a:t>2</a:t>
               </a:r>
               <a:r>
-                <a:rPr lang="en-GB" dirty="0" smtClean="0">
+                <a:rPr lang="en-GB" dirty="0">
                   <a:solidFill>
                     <a:srgbClr val="000000"/>
                   </a:solidFill>
@@ -22575,7 +22303,7 @@
                 <a:t>, &gt; </a:t>
               </a:r>
               <a:r>
-                <a:rPr lang="en-GB" i="1" dirty="0" smtClean="0">
+                <a:rPr lang="en-GB" i="1" dirty="0">
                   <a:solidFill>
                     <a:srgbClr val="000000"/>
                   </a:solidFill>
@@ -22584,7 +22312,7 @@
                 <a:t>n</a:t>
               </a:r>
               <a:r>
-                <a:rPr lang="en-GB" baseline="-25000" dirty="0" smtClean="0">
+                <a:rPr lang="en-GB" baseline="-25000" dirty="0">
                   <a:solidFill>
                     <a:srgbClr val="000000"/>
                   </a:solidFill>
@@ -22599,7 +22327,13 @@
       </p:grpSp>
       <p:sp>
         <p:nvSpPr>
-          <p:cNvPr id="20" name="Rectangle 19"/>
+          <p:cNvPr id="47" name="Rectangle 46">
+            <a:extLst>
+              <a:ext uri="{FF2B5EF4-FFF2-40B4-BE49-F238E27FC236}">
+                <a16:creationId xmlns:a16="http://schemas.microsoft.com/office/drawing/2014/main" id="{8ED751BE-2127-4B9E-B7E1-6ABC2D0FAC4A}"/>
+              </a:ext>
+            </a:extLst>
+          </p:cNvPr>
           <p:cNvSpPr/>
           <p:nvPr/>
         </p:nvSpPr>
@@ -22654,7 +22388,7 @@
   <p:timing>
     <p:tnLst>
       <p:par>
-        <p:cTn xmlns:p14="http://schemas.microsoft.com/office/powerpoint/2010/main" id="1" dur="indefinite" restart="never" nodeType="tmRoot">
+        <p:cTn id="1" dur="indefinite" restart="never" nodeType="tmRoot">
           <p:childTnLst>
             <p:seq concurrent="1" nextAc="seek">
               <p:cTn id="2" dur="indefinite" nodeType="mainSeq">
@@ -22672,7 +22406,7 @@
                             </p:stCondLst>
                             <p:childTnLst>
                               <p:par>
-                                <p:cTn id="5" presetID="2" presetClass="entr" presetSubtype="4" fill="hold" nodeType="clickEffect">
+                                <p:cTn id="5" presetID="2" presetClass="entr" presetSubtype="4" fill="hold" grpId="0" nodeType="clickEffect">
                                   <p:stCondLst>
                                     <p:cond delay="0"/>
                                   </p:stCondLst>
@@ -22685,7 +22419,7 @@
                                           </p:stCondLst>
                                         </p:cTn>
                                         <p:tgtEl>
-                                          <p:spTgt spid="2"/>
+                                          <p:spTgt spid="21"/>
                                         </p:tgtEl>
                                         <p:attrNameLst>
                                           <p:attrName>style.visibility</p:attrName>
@@ -22699,7 +22433,7 @@
                                       <p:cBhvr additive="base">
                                         <p:cTn id="7" dur="500" fill="hold"/>
                                         <p:tgtEl>
-                                          <p:spTgt spid="2"/>
+                                          <p:spTgt spid="21"/>
                                         </p:tgtEl>
                                         <p:attrNameLst>
                                           <p:attrName>ppt_x</p:attrName>
@@ -22722,7 +22456,7 @@
                                       <p:cBhvr additive="base">
                                         <p:cTn id="8" dur="500" fill="hold"/>
                                         <p:tgtEl>
-                                          <p:spTgt spid="2"/>
+                                          <p:spTgt spid="21"/>
                                         </p:tgtEl>
                                         <p:attrNameLst>
                                           <p:attrName>ppt_y</p:attrName>
@@ -22763,7 +22497,7 @@
                             </p:stCondLst>
                             <p:childTnLst>
                               <p:par>
-                                <p:cTn id="11" presetID="2" presetClass="entr" presetSubtype="4" fill="hold" grpId="0" nodeType="clickEffect">
+                                <p:cTn id="11" presetID="2" presetClass="entr" presetSubtype="4" fill="hold" nodeType="clickEffect">
                                   <p:stCondLst>
                                     <p:cond delay="0"/>
                                   </p:stCondLst>
@@ -22776,7 +22510,7 @@
                                           </p:stCondLst>
                                         </p:cTn>
                                         <p:tgtEl>
-                                          <p:spTgt spid="21"/>
+                                          <p:spTgt spid="6"/>
                                         </p:tgtEl>
                                         <p:attrNameLst>
                                           <p:attrName>style.visibility</p:attrName>
@@ -22790,7 +22524,7 @@
                                       <p:cBhvr additive="base">
                                         <p:cTn id="13" dur="500" fill="hold"/>
                                         <p:tgtEl>
-                                          <p:spTgt spid="21"/>
+                                          <p:spTgt spid="6"/>
                                         </p:tgtEl>
                                         <p:attrNameLst>
                                           <p:attrName>ppt_x</p:attrName>
@@ -22813,7 +22547,80 @@
                                       <p:cBhvr additive="base">
                                         <p:cTn id="14" dur="500" fill="hold"/>
                                         <p:tgtEl>
-                                          <p:spTgt spid="21"/>
+                                          <p:spTgt spid="6"/>
+                                        </p:tgtEl>
+                                        <p:attrNameLst>
+                                          <p:attrName>ppt_y</p:attrName>
+                                        </p:attrNameLst>
+                                      </p:cBhvr>
+                                      <p:tavLst>
+                                        <p:tav tm="0">
+                                          <p:val>
+                                            <p:strVal val="1+#ppt_h/2"/>
+                                          </p:val>
+                                        </p:tav>
+                                        <p:tav tm="100000">
+                                          <p:val>
+                                            <p:strVal val="#ppt_y"/>
+                                          </p:val>
+                                        </p:tav>
+                                      </p:tavLst>
+                                    </p:anim>
+                                  </p:childTnLst>
+                                </p:cTn>
+                              </p:par>
+                              <p:par>
+                                <p:cTn id="15" presetID="2" presetClass="entr" presetSubtype="4" fill="hold" grpId="0" nodeType="withEffect">
+                                  <p:stCondLst>
+                                    <p:cond delay="0"/>
+                                  </p:stCondLst>
+                                  <p:childTnLst>
+                                    <p:set>
+                                      <p:cBhvr>
+                                        <p:cTn id="16" dur="1" fill="hold">
+                                          <p:stCondLst>
+                                            <p:cond delay="0"/>
+                                          </p:stCondLst>
+                                        </p:cTn>
+                                        <p:tgtEl>
+                                          <p:spTgt spid="22"/>
+                                        </p:tgtEl>
+                                        <p:attrNameLst>
+                                          <p:attrName>style.visibility</p:attrName>
+                                        </p:attrNameLst>
+                                      </p:cBhvr>
+                                      <p:to>
+                                        <p:strVal val="visible"/>
+                                      </p:to>
+                                    </p:set>
+                                    <p:anim calcmode="lin" valueType="num">
+                                      <p:cBhvr additive="base">
+                                        <p:cTn id="17" dur="500" fill="hold"/>
+                                        <p:tgtEl>
+                                          <p:spTgt spid="22"/>
+                                        </p:tgtEl>
+                                        <p:attrNameLst>
+                                          <p:attrName>ppt_x</p:attrName>
+                                        </p:attrNameLst>
+                                      </p:cBhvr>
+                                      <p:tavLst>
+                                        <p:tav tm="0">
+                                          <p:val>
+                                            <p:strVal val="#ppt_x"/>
+                                          </p:val>
+                                        </p:tav>
+                                        <p:tav tm="100000">
+                                          <p:val>
+                                            <p:strVal val="#ppt_x"/>
+                                          </p:val>
+                                        </p:tav>
+                                      </p:tavLst>
+                                    </p:anim>
+                                    <p:anim calcmode="lin" valueType="num">
+                                      <p:cBhvr additive="base">
+                                        <p:cTn id="18" dur="500" fill="hold"/>
+                                        <p:tgtEl>
+                                          <p:spTgt spid="22"/>
                                         </p:tgtEl>
                                         <p:attrNameLst>
                                           <p:attrName>ppt_y</p:attrName>
@@ -22842,123 +22649,32 @@
                     </p:cTn>
                   </p:par>
                   <p:par>
-                    <p:cTn id="15" fill="hold">
+                    <p:cTn id="19" fill="hold">
                       <p:stCondLst>
                         <p:cond delay="indefinite"/>
                       </p:stCondLst>
                       <p:childTnLst>
                         <p:par>
-                          <p:cTn id="16" fill="hold">
+                          <p:cTn id="20" fill="hold">
                             <p:stCondLst>
                               <p:cond delay="0"/>
                             </p:stCondLst>
                             <p:childTnLst>
                               <p:par>
-                                <p:cTn id="17" presetID="2" presetClass="entr" presetSubtype="4" fill="hold" grpId="0" nodeType="clickEffect">
+                                <p:cTn id="21" presetID="9" presetClass="entr" presetSubtype="0" fill="hold" nodeType="clickEffect">
                                   <p:stCondLst>
                                     <p:cond delay="0"/>
                                   </p:stCondLst>
                                   <p:childTnLst>
                                     <p:set>
                                       <p:cBhvr>
-                                        <p:cTn id="18" dur="1" fill="hold">
+                                        <p:cTn id="22" dur="1" fill="hold">
                                           <p:stCondLst>
                                             <p:cond delay="0"/>
                                           </p:stCondLst>
                                         </p:cTn>
                                         <p:tgtEl>
-                                          <p:spTgt spid="3"/>
-                                        </p:tgtEl>
-                                        <p:attrNameLst>
-                                          <p:attrName>style.visibility</p:attrName>
-                                        </p:attrNameLst>
-                                      </p:cBhvr>
-                                      <p:to>
-                                        <p:strVal val="visible"/>
-                                      </p:to>
-                                    </p:set>
-                                    <p:anim calcmode="lin" valueType="num">
-                                      <p:cBhvr additive="base">
-                                        <p:cTn id="19" dur="500" fill="hold"/>
-                                        <p:tgtEl>
-                                          <p:spTgt spid="3"/>
-                                        </p:tgtEl>
-                                        <p:attrNameLst>
-                                          <p:attrName>ppt_x</p:attrName>
-                                        </p:attrNameLst>
-                                      </p:cBhvr>
-                                      <p:tavLst>
-                                        <p:tav tm="0">
-                                          <p:val>
-                                            <p:strVal val="#ppt_x"/>
-                                          </p:val>
-                                        </p:tav>
-                                        <p:tav tm="100000">
-                                          <p:val>
-                                            <p:strVal val="#ppt_x"/>
-                                          </p:val>
-                                        </p:tav>
-                                      </p:tavLst>
-                                    </p:anim>
-                                    <p:anim calcmode="lin" valueType="num">
-                                      <p:cBhvr additive="base">
-                                        <p:cTn id="20" dur="500" fill="hold"/>
-                                        <p:tgtEl>
-                                          <p:spTgt spid="3"/>
-                                        </p:tgtEl>
-                                        <p:attrNameLst>
-                                          <p:attrName>ppt_y</p:attrName>
-                                        </p:attrNameLst>
-                                      </p:cBhvr>
-                                      <p:tavLst>
-                                        <p:tav tm="0">
-                                          <p:val>
-                                            <p:strVal val="1+#ppt_h/2"/>
-                                          </p:val>
-                                        </p:tav>
-                                        <p:tav tm="100000">
-                                          <p:val>
-                                            <p:strVal val="#ppt_y"/>
-                                          </p:val>
-                                        </p:tav>
-                                      </p:tavLst>
-                                    </p:anim>
-                                  </p:childTnLst>
-                                </p:cTn>
-                              </p:par>
-                            </p:childTnLst>
-                          </p:cTn>
-                        </p:par>
-                      </p:childTnLst>
-                    </p:cTn>
-                  </p:par>
-                  <p:par>
-                    <p:cTn id="21" fill="hold">
-                      <p:stCondLst>
-                        <p:cond delay="indefinite"/>
-                      </p:stCondLst>
-                      <p:childTnLst>
-                        <p:par>
-                          <p:cTn id="22" fill="hold">
-                            <p:stCondLst>
-                              <p:cond delay="0"/>
-                            </p:stCondLst>
-                            <p:childTnLst>
-                              <p:par>
-                                <p:cTn id="23" presetID="9" presetClass="entr" presetSubtype="0" fill="hold" nodeType="clickEffect">
-                                  <p:stCondLst>
-                                    <p:cond delay="0"/>
-                                  </p:stCondLst>
-                                  <p:childTnLst>
-                                    <p:set>
-                                      <p:cBhvr>
-                                        <p:cTn id="24" dur="1" fill="hold">
-                                          <p:stCondLst>
-                                            <p:cond delay="0"/>
-                                          </p:stCondLst>
-                                        </p:cTn>
-                                        <p:tgtEl>
-                                          <p:spTgt spid="27"/>
+                                          <p:spTgt spid="23"/>
                                         </p:tgtEl>
                                         <p:attrNameLst>
                                           <p:attrName>style.visibility</p:attrName>
@@ -22970,9 +22686,9 @@
                                     </p:set>
                                     <p:animEffect transition="in" filter="dissolve">
                                       <p:cBhvr>
-                                        <p:cTn id="25" dur="500"/>
+                                        <p:cTn id="23" dur="500"/>
                                         <p:tgtEl>
-                                          <p:spTgt spid="27"/>
+                                          <p:spTgt spid="23"/>
                                         </p:tgtEl>
                                       </p:cBhvr>
                                     </p:animEffect>
@@ -22986,32 +22702,32 @@
                     </p:cTn>
                   </p:par>
                   <p:par>
-                    <p:cTn id="26" fill="hold">
+                    <p:cTn id="24" fill="hold">
                       <p:stCondLst>
                         <p:cond delay="indefinite"/>
                       </p:stCondLst>
                       <p:childTnLst>
                         <p:par>
-                          <p:cTn id="27" fill="hold">
+                          <p:cTn id="25" fill="hold">
                             <p:stCondLst>
                               <p:cond delay="0"/>
                             </p:stCondLst>
                             <p:childTnLst>
                               <p:par>
-                                <p:cTn id="28" presetID="2" presetClass="entr" presetSubtype="4" fill="hold" grpId="0" nodeType="clickEffect">
+                                <p:cTn id="26" presetID="2" presetClass="entr" presetSubtype="4" fill="hold" grpId="0" nodeType="clickEffect">
                                   <p:stCondLst>
                                     <p:cond delay="0"/>
                                   </p:stCondLst>
                                   <p:childTnLst>
                                     <p:set>
                                       <p:cBhvr>
-                                        <p:cTn id="29" dur="1" fill="hold">
+                                        <p:cTn id="27" dur="1" fill="hold">
                                           <p:stCondLst>
                                             <p:cond delay="0"/>
                                           </p:stCondLst>
                                         </p:cTn>
                                         <p:tgtEl>
-                                          <p:spTgt spid="20"/>
+                                          <p:spTgt spid="47"/>
                                         </p:tgtEl>
                                         <p:attrNameLst>
                                           <p:attrName>style.visibility</p:attrName>
@@ -23023,9 +22739,9 @@
                                     </p:set>
                                     <p:anim calcmode="lin" valueType="num">
                                       <p:cBhvr additive="base">
-                                        <p:cTn id="30" dur="500" fill="hold"/>
+                                        <p:cTn id="28" dur="500" fill="hold"/>
                                         <p:tgtEl>
-                                          <p:spTgt spid="20"/>
+                                          <p:spTgt spid="47"/>
                                         </p:tgtEl>
                                         <p:attrNameLst>
                                           <p:attrName>ppt_x</p:attrName>
@@ -23046,9 +22762,9 @@
                                     </p:anim>
                                     <p:anim calcmode="lin" valueType="num">
                                       <p:cBhvr additive="base">
-                                        <p:cTn id="31" dur="500" fill="hold"/>
+                                        <p:cTn id="29" dur="500" fill="hold"/>
                                         <p:tgtEl>
-                                          <p:spTgt spid="20"/>
+                                          <p:spTgt spid="47"/>
                                         </p:tgtEl>
                                         <p:attrNameLst>
                                           <p:attrName>ppt_y</p:attrName>
@@ -23099,8 +22815,8 @@
     </p:tnLst>
     <p:bldLst>
       <p:bldP spid="21" grpId="0"/>
-      <p:bldP spid="3" grpId="0"/>
-      <p:bldP spid="20" grpId="0" animBg="1"/>
+      <p:bldP spid="22" grpId="0"/>
+      <p:bldP spid="47" grpId="0" animBg="1"/>
     </p:bldLst>
   </p:timing>
 </p:sld>
@@ -23206,7 +22922,7 @@
               </a:tabLst>
             </a:pPr>
             <a:r>
-              <a:rPr lang="en-GB" sz="4000" dirty="0" smtClean="0">
+              <a:rPr lang="en-GB" sz="4000" dirty="0">
                 <a:solidFill>
                   <a:srgbClr val="000000"/>
                 </a:solidFill>
@@ -23214,12 +22930,6 @@
               </a:rPr>
               <a:t>A Couple of More Clues</a:t>
             </a:r>
-            <a:endParaRPr lang="en-GB" sz="4000" dirty="0">
-              <a:solidFill>
-                <a:srgbClr val="000000"/>
-              </a:solidFill>
-              <a:latin typeface="Times New Roman" pitchFamily="18" charset="0"/>
-            </a:endParaRPr>
           </a:p>
         </p:txBody>
       </p:sp>
@@ -23276,7 +22986,7 @@
               </a:tabLst>
             </a:pPr>
             <a:r>
-              <a:rPr lang="en-GB" sz="3200" b="1" dirty="0" smtClean="0">
+              <a:rPr lang="en-GB" sz="3200" b="1" dirty="0">
                 <a:solidFill>
                   <a:srgbClr val="000000"/>
                 </a:solidFill>
@@ -23308,7 +23018,7 @@
               </a:tabLst>
             </a:pPr>
             <a:r>
-              <a:rPr lang="en-GB" sz="2800" dirty="0" smtClean="0">
+              <a:rPr lang="en-GB" sz="2800" dirty="0">
                 <a:solidFill>
                   <a:srgbClr val="000000"/>
                 </a:solidFill>
@@ -23317,7 +23027,7 @@
               <a:t>Determine an expression for </a:t>
             </a:r>
             <a:r>
-              <a:rPr lang="en-GB" sz="2800" i="1" dirty="0" smtClean="0">
+              <a:rPr lang="en-GB" sz="2800" i="1" dirty="0">
                 <a:solidFill>
                   <a:srgbClr val="000000"/>
                 </a:solidFill>
@@ -23326,7 +23036,7 @@
               <a:t>n</a:t>
             </a:r>
             <a:r>
-              <a:rPr lang="en-GB" sz="2800" baseline="-25000" dirty="0" smtClean="0">
+              <a:rPr lang="en-GB" sz="2800" baseline="-25000" dirty="0">
                 <a:solidFill>
                   <a:srgbClr val="000000"/>
                 </a:solidFill>
@@ -23335,7 +23045,7 @@
               <a:t>2</a:t>
             </a:r>
             <a:r>
-              <a:rPr lang="en-GB" sz="2800" dirty="0" smtClean="0">
+              <a:rPr lang="en-GB" sz="2800" dirty="0">
                 <a:solidFill>
                   <a:srgbClr val="000000"/>
                 </a:solidFill>
@@ -23344,7 +23054,7 @@
               <a:t> in terms of </a:t>
             </a:r>
             <a:r>
-              <a:rPr lang="en-GB" sz="2800" i="1" dirty="0" smtClean="0">
+              <a:rPr lang="en-GB" sz="2800" i="1" dirty="0">
                 <a:solidFill>
                   <a:srgbClr val="000000"/>
                 </a:solidFill>
@@ -23353,7 +23063,7 @@
               <a:t>n</a:t>
             </a:r>
             <a:r>
-              <a:rPr lang="en-GB" sz="2800" baseline="-25000" dirty="0" smtClean="0">
+              <a:rPr lang="en-GB" sz="2800" baseline="-25000" dirty="0">
                 <a:solidFill>
                   <a:srgbClr val="000000"/>
                 </a:solidFill>
@@ -23362,7 +23072,7 @@
               <a:t>1</a:t>
             </a:r>
             <a:r>
-              <a:rPr lang="en-GB" sz="2800" dirty="0" smtClean="0">
+              <a:rPr lang="en-GB" sz="2800" dirty="0">
                 <a:solidFill>
                   <a:srgbClr val="000000"/>
                 </a:solidFill>
@@ -23394,7 +23104,7 @@
               </a:tabLst>
             </a:pPr>
             <a:r>
-              <a:rPr lang="en-GB" sz="2800" dirty="0" smtClean="0">
+              <a:rPr lang="en-GB" sz="2800" dirty="0">
                 <a:solidFill>
                   <a:srgbClr val="000000"/>
                 </a:solidFill>
@@ -23403,7 +23113,7 @@
               <a:t>What does </a:t>
             </a:r>
             <a:r>
-              <a:rPr lang="en-GB" sz="2800" i="1" dirty="0" smtClean="0">
+              <a:rPr lang="en-GB" sz="2800" i="1" dirty="0">
                 <a:solidFill>
                   <a:srgbClr val="000000"/>
                 </a:solidFill>
@@ -23412,7 +23122,7 @@
               <a:t>n</a:t>
             </a:r>
             <a:r>
-              <a:rPr lang="en-GB" sz="2800" baseline="-25000" dirty="0" smtClean="0">
+              <a:rPr lang="en-GB" sz="2800" baseline="-25000" dirty="0">
                 <a:solidFill>
                   <a:srgbClr val="000000"/>
                 </a:solidFill>
@@ -23421,7 +23131,7 @@
               <a:t>2</a:t>
             </a:r>
             <a:r>
-              <a:rPr lang="en-GB" sz="2800" dirty="0" smtClean="0">
+              <a:rPr lang="en-GB" sz="2800" dirty="0">
                 <a:solidFill>
                   <a:srgbClr val="000000"/>
                 </a:solidFill>
@@ -23442,13 +23152,6 @@
   <p:clrMapOvr>
     <a:masterClrMapping/>
   </p:clrMapOvr>
-  <p:timing>
-    <p:tnLst>
-      <p:par>
-        <p:cTn xmlns:p14="http://schemas.microsoft.com/office/powerpoint/2010/main" id="1" dur="indefinite" restart="never" nodeType="tmRoot"/>
-      </p:par>
-    </p:tnLst>
-  </p:timing>
 </p:sld>
 </file>
 

--- a/Notes/3_Quantum_TheoryII.pptx
+++ b/Notes/3_Quantum_TheoryII.pptx
@@ -5,32 +5,36 @@
     <p:sldMasterId id="2147483648" r:id="rId1"/>
   </p:sldMasterIdLst>
   <p:notesMasterIdLst>
-    <p:notesMasterId r:id="rId25"/>
+    <p:notesMasterId r:id="rId29"/>
   </p:notesMasterIdLst>
   <p:sldIdLst>
     <p:sldId id="278" r:id="rId2"/>
     <p:sldId id="280" r:id="rId3"/>
     <p:sldId id="281" r:id="rId4"/>
     <p:sldId id="284" r:id="rId5"/>
-    <p:sldId id="282" r:id="rId6"/>
-    <p:sldId id="302" r:id="rId7"/>
-    <p:sldId id="283" r:id="rId8"/>
-    <p:sldId id="285" r:id="rId9"/>
-    <p:sldId id="286" r:id="rId10"/>
-    <p:sldId id="287" r:id="rId11"/>
-    <p:sldId id="288" r:id="rId12"/>
-    <p:sldId id="289" r:id="rId13"/>
-    <p:sldId id="290" r:id="rId14"/>
-    <p:sldId id="291" r:id="rId15"/>
-    <p:sldId id="292" r:id="rId16"/>
-    <p:sldId id="293" r:id="rId17"/>
-    <p:sldId id="294" r:id="rId18"/>
-    <p:sldId id="295" r:id="rId19"/>
-    <p:sldId id="296" r:id="rId20"/>
-    <p:sldId id="297" r:id="rId21"/>
-    <p:sldId id="298" r:id="rId22"/>
-    <p:sldId id="300" r:id="rId23"/>
-    <p:sldId id="301" r:id="rId24"/>
+    <p:sldId id="303" r:id="rId6"/>
+    <p:sldId id="282" r:id="rId7"/>
+    <p:sldId id="302" r:id="rId8"/>
+    <p:sldId id="283" r:id="rId9"/>
+    <p:sldId id="285" r:id="rId10"/>
+    <p:sldId id="286" r:id="rId11"/>
+    <p:sldId id="304" r:id="rId12"/>
+    <p:sldId id="305" r:id="rId13"/>
+    <p:sldId id="287" r:id="rId14"/>
+    <p:sldId id="288" r:id="rId15"/>
+    <p:sldId id="306" r:id="rId16"/>
+    <p:sldId id="289" r:id="rId17"/>
+    <p:sldId id="290" r:id="rId18"/>
+    <p:sldId id="291" r:id="rId19"/>
+    <p:sldId id="292" r:id="rId20"/>
+    <p:sldId id="293" r:id="rId21"/>
+    <p:sldId id="294" r:id="rId22"/>
+    <p:sldId id="295" r:id="rId23"/>
+    <p:sldId id="296" r:id="rId24"/>
+    <p:sldId id="297" r:id="rId25"/>
+    <p:sldId id="298" r:id="rId26"/>
+    <p:sldId id="300" r:id="rId27"/>
+    <p:sldId id="301" r:id="rId28"/>
   </p:sldIdLst>
   <p:sldSz cx="9144000" cy="6858000" type="screen4x3"/>
   <p:notesSz cx="6858000" cy="9144000"/>
@@ -230,7 +234,7 @@
           <a:p>
             <a:fld id="{47B5508F-B9DA-3A4B-92BF-6A4138802024}" type="datetimeFigureOut">
               <a:rPr lang="en-US" smtClean="0"/>
-              <a:t>9/10/2019</a:t>
+              <a:t>9/12/23</a:t>
             </a:fld>
             <a:endParaRPr lang="en-US"/>
           </a:p>
@@ -764,7 +768,7 @@
             <a:fld id="{B2F2B4BC-311C-574E-AB1F-5BCC7E00BDAB}" type="datetimeFigureOut">
               <a:rPr lang="en-US" smtClean="0"/>
               <a:pPr/>
-              <a:t>9/10/2019</a:t>
+              <a:t>9/12/23</a:t>
             </a:fld>
             <a:endParaRPr lang="en-US"/>
           </a:p>
@@ -929,7 +933,7 @@
             <a:fld id="{B2F2B4BC-311C-574E-AB1F-5BCC7E00BDAB}" type="datetimeFigureOut">
               <a:rPr lang="en-US" smtClean="0"/>
               <a:pPr/>
-              <a:t>9/10/2019</a:t>
+              <a:t>9/12/23</a:t>
             </a:fld>
             <a:endParaRPr lang="en-US"/>
           </a:p>
@@ -1104,7 +1108,7 @@
             <a:fld id="{B2F2B4BC-311C-574E-AB1F-5BCC7E00BDAB}" type="datetimeFigureOut">
               <a:rPr lang="en-US" smtClean="0"/>
               <a:pPr/>
-              <a:t>9/10/2019</a:t>
+              <a:t>9/12/23</a:t>
             </a:fld>
             <a:endParaRPr lang="en-US"/>
           </a:p>
@@ -1269,7 +1273,7 @@
             <a:fld id="{B2F2B4BC-311C-574E-AB1F-5BCC7E00BDAB}" type="datetimeFigureOut">
               <a:rPr lang="en-US" smtClean="0"/>
               <a:pPr/>
-              <a:t>9/10/2019</a:t>
+              <a:t>9/12/23</a:t>
             </a:fld>
             <a:endParaRPr lang="en-US"/>
           </a:p>
@@ -1511,7 +1515,7 @@
             <a:fld id="{B2F2B4BC-311C-574E-AB1F-5BCC7E00BDAB}" type="datetimeFigureOut">
               <a:rPr lang="en-US" smtClean="0"/>
               <a:pPr/>
-              <a:t>9/10/2019</a:t>
+              <a:t>9/12/23</a:t>
             </a:fld>
             <a:endParaRPr lang="en-US"/>
           </a:p>
@@ -1793,7 +1797,7 @@
             <a:fld id="{B2F2B4BC-311C-574E-AB1F-5BCC7E00BDAB}" type="datetimeFigureOut">
               <a:rPr lang="en-US" smtClean="0"/>
               <a:pPr/>
-              <a:t>9/10/2019</a:t>
+              <a:t>9/12/23</a:t>
             </a:fld>
             <a:endParaRPr lang="en-US"/>
           </a:p>
@@ -2209,7 +2213,7 @@
             <a:fld id="{B2F2B4BC-311C-574E-AB1F-5BCC7E00BDAB}" type="datetimeFigureOut">
               <a:rPr lang="en-US" smtClean="0"/>
               <a:pPr/>
-              <a:t>9/10/2019</a:t>
+              <a:t>9/12/23</a:t>
             </a:fld>
             <a:endParaRPr lang="en-US"/>
           </a:p>
@@ -2323,7 +2327,7 @@
             <a:fld id="{B2F2B4BC-311C-574E-AB1F-5BCC7E00BDAB}" type="datetimeFigureOut">
               <a:rPr lang="en-US" smtClean="0"/>
               <a:pPr/>
-              <a:t>9/10/2019</a:t>
+              <a:t>9/12/23</a:t>
             </a:fld>
             <a:endParaRPr lang="en-US"/>
           </a:p>
@@ -2415,7 +2419,7 @@
             <a:fld id="{B2F2B4BC-311C-574E-AB1F-5BCC7E00BDAB}" type="datetimeFigureOut">
               <a:rPr lang="en-US" smtClean="0"/>
               <a:pPr/>
-              <a:t>9/10/2019</a:t>
+              <a:t>9/12/23</a:t>
             </a:fld>
             <a:endParaRPr lang="en-US"/>
           </a:p>
@@ -2687,7 +2691,7 @@
             <a:fld id="{B2F2B4BC-311C-574E-AB1F-5BCC7E00BDAB}" type="datetimeFigureOut">
               <a:rPr lang="en-US" smtClean="0"/>
               <a:pPr/>
-              <a:t>9/10/2019</a:t>
+              <a:t>9/12/23</a:t>
             </a:fld>
             <a:endParaRPr lang="en-US"/>
           </a:p>
@@ -2936,7 +2940,7 @@
             <a:fld id="{B2F2B4BC-311C-574E-AB1F-5BCC7E00BDAB}" type="datetimeFigureOut">
               <a:rPr lang="en-US" smtClean="0"/>
               <a:pPr/>
-              <a:t>9/10/2019</a:t>
+              <a:t>9/12/23</a:t>
             </a:fld>
             <a:endParaRPr lang="en-US"/>
           </a:p>
@@ -3144,7 +3148,7 @@
             <a:fld id="{B2F2B4BC-311C-574E-AB1F-5BCC7E00BDAB}" type="datetimeFigureOut">
               <a:rPr lang="en-US" smtClean="0"/>
               <a:pPr/>
-              <a:t>9/10/2019</a:t>
+              <a:t>9/12/23</a:t>
             </a:fld>
             <a:endParaRPr lang="en-US"/>
           </a:p>
@@ -3524,7 +3528,7 @@
           <p:nvPr/>
         </p:nvPicPr>
         <p:blipFill>
-          <a:blip r:embed="rId4"/>
+          <a:blip r:embed="rId3"/>
           <a:srcRect/>
           <a:stretch>
             <a:fillRect/>
@@ -3556,7 +3560,7 @@
           <p:nvPr/>
         </p:nvPicPr>
         <p:blipFill>
-          <a:blip r:embed="rId4"/>
+          <a:blip r:embed="rId3"/>
           <a:srcRect/>
           <a:stretch>
             <a:fillRect/>
@@ -3661,12 +3665,12 @@
           <a:graphicData uri="http://schemas.openxmlformats.org/presentationml/2006/ole">
             <mc:AlternateContent xmlns:mc="http://schemas.openxmlformats.org/markup-compatibility/2006">
               <mc:Choice xmlns:v="urn:schemas-microsoft-com:vml" Requires="v">
-                <p:oleObj spid="_x0000_s45337" r:id="rId5" imgW="723960" imgH="361800" progId="">
+                <p:oleObj r:id="rId4" imgW="723960" imgH="361800" progId="">
                   <p:embed/>
                 </p:oleObj>
               </mc:Choice>
               <mc:Fallback>
-                <p:oleObj r:id="rId5" imgW="723960" imgH="361800" progId="">
+                <p:oleObj r:id="rId4" imgW="723960" imgH="361800" progId="">
                   <p:embed/>
                   <p:pic>
                     <p:nvPicPr>
@@ -3677,7 +3681,7 @@
                       <p:nvPr/>
                     </p:nvPicPr>
                     <p:blipFill>
-                      <a:blip r:embed="rId6">
+                      <a:blip r:embed="rId5">
                         <a:extLst>
                           <a:ext uri="{28A0092B-C50C-407E-A947-70E740481C1C}">
                             <a14:useLocalDpi xmlns:a14="http://schemas.microsoft.com/office/drawing/2010/main" val="0"/>
@@ -3700,7 +3704,7 @@
                       <a:noFill/>
                       <a:extLst>
                         <a:ext uri="{909E8E84-426E-40dd-AFC4-6F175D3DCCD1}">
-                          <a14:hiddenFill xmlns:a14="http://schemas.microsoft.com/office/drawing/2010/main" xmlns="">
+                          <a14:hiddenFill xmlns="" xmlns:a14="http://schemas.microsoft.com/office/drawing/2010/main">
                             <a:blipFill dpi="0" rotWithShape="0">
                               <a:blip/>
                               <a:srcRect/>
@@ -3741,12 +3745,12 @@
           <a:graphicData uri="http://schemas.openxmlformats.org/presentationml/2006/ole">
             <mc:AlternateContent xmlns:mc="http://schemas.openxmlformats.org/markup-compatibility/2006">
               <mc:Choice xmlns:v="urn:schemas-microsoft-com:vml" Requires="v">
-                <p:oleObj spid="_x0000_s45338" r:id="rId7" imgW="76320" imgH="181080" progId="">
+                <p:oleObj r:id="rId6" imgW="76320" imgH="181080" progId="">
                   <p:embed/>
                 </p:oleObj>
               </mc:Choice>
               <mc:Fallback>
-                <p:oleObj r:id="rId7" imgW="76320" imgH="181080" progId="">
+                <p:oleObj r:id="rId6" imgW="76320" imgH="181080" progId="">
                   <p:embed/>
                   <p:pic>
                     <p:nvPicPr>
@@ -3757,7 +3761,7 @@
                       <p:nvPr/>
                     </p:nvPicPr>
                     <p:blipFill>
-                      <a:blip r:embed="rId8">
+                      <a:blip r:embed="rId7">
                         <a:extLst>
                           <a:ext uri="{28A0092B-C50C-407E-A947-70E740481C1C}">
                             <a14:useLocalDpi xmlns:a14="http://schemas.microsoft.com/office/drawing/2010/main" val="0"/>
@@ -3780,7 +3784,7 @@
                       <a:noFill/>
                       <a:extLst>
                         <a:ext uri="{909E8E84-426E-40dd-AFC4-6F175D3DCCD1}">
-                          <a14:hiddenFill xmlns:a14="http://schemas.microsoft.com/office/drawing/2010/main" xmlns="">
+                          <a14:hiddenFill xmlns="" xmlns:a14="http://schemas.microsoft.com/office/drawing/2010/main">
                             <a:blipFill dpi="0" rotWithShape="0">
                               <a:blip/>
                               <a:srcRect/>
@@ -3808,7 +3812,7 @@
           <p:nvPr/>
         </p:nvPicPr>
         <p:blipFill>
-          <a:blip r:embed="rId9"/>
+          <a:blip r:embed="rId8"/>
           <a:stretch>
             <a:fillRect/>
           </a:stretch>
@@ -4632,6 +4636,910 @@
         </p:nvSpPr>
         <p:spPr bwMode="auto">
           <a:xfrm>
+            <a:off x="135468" y="84667"/>
+            <a:ext cx="8991601" cy="1127125"/>
+          </a:xfrm>
+          <a:prstGeom prst="rect">
+            <a:avLst/>
+          </a:prstGeom>
+          <a:noFill/>
+          <a:ln w="9525">
+            <a:noFill/>
+            <a:round/>
+            <a:headEnd/>
+            <a:tailEnd/>
+          </a:ln>
+        </p:spPr>
+        <p:txBody>
+          <a:bodyPr lIns="0" tIns="0" rIns="0" bIns="0" anchor="ctr"/>
+          <a:lstStyle/>
+          <a:p>
+            <a:pPr algn="ctr">
+              <a:buClr>
+                <a:srgbClr val="000000"/>
+              </a:buClr>
+              <a:buSzPct val="100000"/>
+              <a:buFont typeface="Times New Roman" pitchFamily="18" charset="0"/>
+              <a:buNone/>
+              <a:tabLst>
+                <a:tab pos="0" algn="l"/>
+                <a:tab pos="914400" algn="l"/>
+                <a:tab pos="1828800" algn="l"/>
+                <a:tab pos="2743200" algn="l"/>
+                <a:tab pos="3657600" algn="l"/>
+                <a:tab pos="4572000" algn="l"/>
+                <a:tab pos="5486400" algn="l"/>
+                <a:tab pos="6400800" algn="l"/>
+                <a:tab pos="7315200" algn="l"/>
+                <a:tab pos="8229600" algn="l"/>
+                <a:tab pos="9144000" algn="l"/>
+                <a:tab pos="10058400" algn="l"/>
+              </a:tabLst>
+            </a:pPr>
+            <a:r>
+              <a:rPr lang="en-GB" sz="4000" dirty="0">
+                <a:solidFill>
+                  <a:srgbClr val="000000"/>
+                </a:solidFill>
+                <a:latin typeface="Times New Roman" pitchFamily="18" charset="0"/>
+              </a:rPr>
+              <a:t>A Couple of More Clues</a:t>
+            </a:r>
+          </a:p>
+        </p:txBody>
+      </p:sp>
+      <p:sp>
+        <p:nvSpPr>
+          <p:cNvPr id="8" name="Rectangle 5"/>
+          <p:cNvSpPr>
+            <a:spLocks noChangeArrowheads="1"/>
+          </p:cNvSpPr>
+          <p:nvPr/>
+        </p:nvSpPr>
+        <p:spPr bwMode="auto">
+          <a:xfrm>
+            <a:off x="228600" y="1108075"/>
+            <a:ext cx="8686800" cy="2273300"/>
+          </a:xfrm>
+          <a:prstGeom prst="rect">
+            <a:avLst/>
+          </a:prstGeom>
+          <a:noFill/>
+          <a:ln w="9525">
+            <a:noFill/>
+            <a:round/>
+            <a:headEnd/>
+            <a:tailEnd/>
+          </a:ln>
+        </p:spPr>
+        <p:txBody>
+          <a:bodyPr lIns="0" tIns="0" rIns="0" bIns="0"/>
+          <a:lstStyle/>
+          <a:p>
+            <a:pPr marL="430213" indent="-323850">
+              <a:lnSpc>
+                <a:spcPct val="100000"/>
+              </a:lnSpc>
+              <a:spcBef>
+                <a:spcPts val="800"/>
+              </a:spcBef>
+              <a:buFont typeface="Times New Roman" pitchFamily="18" charset="0"/>
+              <a:buChar char="•"/>
+              <a:tabLst>
+                <a:tab pos="430213" algn="l"/>
+                <a:tab pos="1344613" algn="l"/>
+                <a:tab pos="2259013" algn="l"/>
+                <a:tab pos="3173413" algn="l"/>
+                <a:tab pos="4087813" algn="l"/>
+                <a:tab pos="5002213" algn="l"/>
+                <a:tab pos="5916613" algn="l"/>
+                <a:tab pos="6831013" algn="l"/>
+                <a:tab pos="7745413" algn="l"/>
+                <a:tab pos="8659813" algn="l"/>
+                <a:tab pos="9574213" algn="l"/>
+                <a:tab pos="10488613" algn="l"/>
+              </a:tabLst>
+            </a:pPr>
+            <a:r>
+              <a:rPr lang="en-GB" sz="3200" b="1" dirty="0">
+                <a:solidFill>
+                  <a:srgbClr val="000000"/>
+                </a:solidFill>
+                <a:latin typeface="Times New Roman" pitchFamily="18" charset="0"/>
+              </a:rPr>
+              <a:t>Hydrogen Atomic Spectra</a:t>
+            </a:r>
+          </a:p>
+          <a:p>
+            <a:pPr marL="887413" lvl="1" indent="-323850">
+              <a:spcBef>
+                <a:spcPts val="800"/>
+              </a:spcBef>
+              <a:buFont typeface="Times New Roman" pitchFamily="18" charset="0"/>
+              <a:buChar char="•"/>
+              <a:tabLst>
+                <a:tab pos="430213" algn="l"/>
+                <a:tab pos="1344613" algn="l"/>
+                <a:tab pos="2259013" algn="l"/>
+                <a:tab pos="3173413" algn="l"/>
+                <a:tab pos="4087813" algn="l"/>
+                <a:tab pos="5002213" algn="l"/>
+                <a:tab pos="5916613" algn="l"/>
+                <a:tab pos="6831013" algn="l"/>
+                <a:tab pos="7745413" algn="l"/>
+                <a:tab pos="8659813" algn="l"/>
+                <a:tab pos="9574213" algn="l"/>
+                <a:tab pos="10488613" algn="l"/>
+              </a:tabLst>
+            </a:pPr>
+            <a:r>
+              <a:rPr lang="en-GB" sz="2800" dirty="0">
+                <a:solidFill>
+                  <a:srgbClr val="000000"/>
+                </a:solidFill>
+                <a:latin typeface="Times New Roman" pitchFamily="18" charset="0"/>
+              </a:rPr>
+              <a:t>Determine an expression for </a:t>
+            </a:r>
+            <a:r>
+              <a:rPr lang="en-GB" sz="2800" i="1" dirty="0">
+                <a:solidFill>
+                  <a:srgbClr val="000000"/>
+                </a:solidFill>
+                <a:latin typeface="Times New Roman" pitchFamily="18" charset="0"/>
+              </a:rPr>
+              <a:t>n</a:t>
+            </a:r>
+            <a:r>
+              <a:rPr lang="en-GB" sz="2800" baseline="-25000" dirty="0">
+                <a:solidFill>
+                  <a:srgbClr val="000000"/>
+                </a:solidFill>
+                <a:latin typeface="Times New Roman" pitchFamily="18" charset="0"/>
+              </a:rPr>
+              <a:t>2</a:t>
+            </a:r>
+            <a:r>
+              <a:rPr lang="en-GB" sz="2800" dirty="0">
+                <a:solidFill>
+                  <a:srgbClr val="000000"/>
+                </a:solidFill>
+                <a:latin typeface="Times New Roman" pitchFamily="18" charset="0"/>
+              </a:rPr>
+              <a:t> in terms of </a:t>
+            </a:r>
+            <a:r>
+              <a:rPr lang="en-GB" sz="2800" i="1" dirty="0">
+                <a:solidFill>
+                  <a:srgbClr val="000000"/>
+                </a:solidFill>
+                <a:latin typeface="Times New Roman" pitchFamily="18" charset="0"/>
+              </a:rPr>
+              <a:t>n</a:t>
+            </a:r>
+            <a:r>
+              <a:rPr lang="en-GB" sz="2800" baseline="-25000" dirty="0">
+                <a:solidFill>
+                  <a:srgbClr val="000000"/>
+                </a:solidFill>
+                <a:latin typeface="Times New Roman" pitchFamily="18" charset="0"/>
+              </a:rPr>
+              <a:t>1</a:t>
+            </a:r>
+            <a:r>
+              <a:rPr lang="en-GB" sz="2800" dirty="0">
+                <a:solidFill>
+                  <a:srgbClr val="000000"/>
+                </a:solidFill>
+                <a:latin typeface="Times New Roman" pitchFamily="18" charset="0"/>
+              </a:rPr>
+              <a:t> and the excitation wavenumber.</a:t>
+            </a:r>
+          </a:p>
+          <a:p>
+            <a:pPr marL="1344613" lvl="2" indent="-323850">
+              <a:spcBef>
+                <a:spcPts val="800"/>
+              </a:spcBef>
+              <a:buFont typeface="Times New Roman" pitchFamily="18" charset="0"/>
+              <a:buChar char="•"/>
+              <a:tabLst>
+                <a:tab pos="430213" algn="l"/>
+                <a:tab pos="1344613" algn="l"/>
+                <a:tab pos="2259013" algn="l"/>
+                <a:tab pos="3173413" algn="l"/>
+                <a:tab pos="4087813" algn="l"/>
+                <a:tab pos="5002213" algn="l"/>
+                <a:tab pos="5916613" algn="l"/>
+                <a:tab pos="6831013" algn="l"/>
+                <a:tab pos="7745413" algn="l"/>
+                <a:tab pos="8659813" algn="l"/>
+                <a:tab pos="9574213" algn="l"/>
+                <a:tab pos="10488613" algn="l"/>
+              </a:tabLst>
+            </a:pPr>
+            <a:r>
+              <a:rPr lang="en-GB" sz="2800" dirty="0">
+                <a:solidFill>
+                  <a:srgbClr val="000000"/>
+                </a:solidFill>
+                <a:latin typeface="Times New Roman" pitchFamily="18" charset="0"/>
+              </a:rPr>
+              <a:t>What does </a:t>
+            </a:r>
+            <a:r>
+              <a:rPr lang="en-GB" sz="2800" i="1" dirty="0">
+                <a:solidFill>
+                  <a:srgbClr val="000000"/>
+                </a:solidFill>
+                <a:latin typeface="Times New Roman" pitchFamily="18" charset="0"/>
+              </a:rPr>
+              <a:t>n</a:t>
+            </a:r>
+            <a:r>
+              <a:rPr lang="en-GB" sz="2800" baseline="-25000" dirty="0">
+                <a:solidFill>
+                  <a:srgbClr val="000000"/>
+                </a:solidFill>
+                <a:latin typeface="Times New Roman" pitchFamily="18" charset="0"/>
+              </a:rPr>
+              <a:t>2</a:t>
+            </a:r>
+            <a:r>
+              <a:rPr lang="en-GB" sz="2800" dirty="0">
+                <a:solidFill>
+                  <a:srgbClr val="000000"/>
+                </a:solidFill>
+                <a:latin typeface="Times New Roman" pitchFamily="18" charset="0"/>
+              </a:rPr>
+              <a:t> tell you?</a:t>
+            </a:r>
+          </a:p>
+        </p:txBody>
+      </p:sp>
+    </p:spTree>
+    <p:extLst>
+      <p:ext uri="{BB962C8B-B14F-4D97-AF65-F5344CB8AC3E}">
+        <p14:creationId xmlns:p14="http://schemas.microsoft.com/office/powerpoint/2010/main" val="1871758305"/>
+      </p:ext>
+    </p:extLst>
+  </p:cSld>
+  <p:clrMapOvr>
+    <a:masterClrMapping/>
+  </p:clrMapOvr>
+</p:sld>
+</file>
+
+<file path=ppt/slides/slide11.xml><?xml version="1.0" encoding="utf-8"?>
+<p:sld xmlns:a="http://schemas.openxmlformats.org/drawingml/2006/main" xmlns:r="http://schemas.openxmlformats.org/officeDocument/2006/relationships" xmlns:p="http://schemas.openxmlformats.org/presentationml/2006/main">
+  <p:cSld>
+    <p:spTree>
+      <p:nvGrpSpPr>
+        <p:cNvPr id="1" name=""/>
+        <p:cNvGrpSpPr/>
+        <p:nvPr/>
+      </p:nvGrpSpPr>
+      <p:grpSpPr>
+        <a:xfrm>
+          <a:off x="0" y="0"/>
+          <a:ext cx="0" cy="0"/>
+          <a:chOff x="0" y="0"/>
+          <a:chExt cx="0" cy="0"/>
+        </a:xfrm>
+      </p:grpSpPr>
+      <p:pic>
+        <p:nvPicPr>
+          <p:cNvPr id="4" name="Picture 2">
+            <a:extLst>
+              <a:ext uri="{FF2B5EF4-FFF2-40B4-BE49-F238E27FC236}">
+                <a16:creationId xmlns:a16="http://schemas.microsoft.com/office/drawing/2014/main" id="{B69E63EC-3131-9F80-E8D1-731816F1005A}"/>
+              </a:ext>
+            </a:extLst>
+          </p:cNvPr>
+          <p:cNvPicPr>
+            <a:picLocks noChangeAspect="1" noChangeArrowheads="1"/>
+          </p:cNvPicPr>
+          <p:nvPr/>
+        </p:nvPicPr>
+        <p:blipFill>
+          <a:blip r:embed="rId2" cstate="print"/>
+          <a:srcRect/>
+          <a:stretch>
+            <a:fillRect/>
+          </a:stretch>
+        </p:blipFill>
+        <p:spPr bwMode="auto">
+          <a:xfrm>
+            <a:off x="484188" y="76200"/>
+            <a:ext cx="8202612" cy="239712"/>
+          </a:xfrm>
+          <a:prstGeom prst="rect">
+            <a:avLst/>
+          </a:prstGeom>
+          <a:noFill/>
+          <a:ln w="9525">
+            <a:noFill/>
+            <a:round/>
+            <a:headEnd/>
+            <a:tailEnd/>
+          </a:ln>
+        </p:spPr>
+      </p:pic>
+      <p:sp>
+        <p:nvSpPr>
+          <p:cNvPr id="5" name="Rectangle 4">
+            <a:extLst>
+              <a:ext uri="{FF2B5EF4-FFF2-40B4-BE49-F238E27FC236}">
+                <a16:creationId xmlns:a16="http://schemas.microsoft.com/office/drawing/2014/main" id="{65DC2914-AF42-DA65-D7A5-3EB4438781AF}"/>
+              </a:ext>
+            </a:extLst>
+          </p:cNvPr>
+          <p:cNvSpPr>
+            <a:spLocks noChangeArrowheads="1"/>
+          </p:cNvSpPr>
+          <p:nvPr/>
+        </p:nvSpPr>
+        <p:spPr bwMode="auto">
+          <a:xfrm>
+            <a:off x="135468" y="84667"/>
+            <a:ext cx="8991601" cy="1127125"/>
+          </a:xfrm>
+          <a:prstGeom prst="rect">
+            <a:avLst/>
+          </a:prstGeom>
+          <a:noFill/>
+          <a:ln w="9525">
+            <a:noFill/>
+            <a:round/>
+            <a:headEnd/>
+            <a:tailEnd/>
+          </a:ln>
+        </p:spPr>
+        <p:txBody>
+          <a:bodyPr lIns="0" tIns="0" rIns="0" bIns="0" anchor="ctr"/>
+          <a:lstStyle/>
+          <a:p>
+            <a:pPr algn="ctr">
+              <a:buClr>
+                <a:srgbClr val="000000"/>
+              </a:buClr>
+              <a:buSzPct val="100000"/>
+              <a:buFont typeface="Times New Roman" pitchFamily="18" charset="0"/>
+              <a:buNone/>
+              <a:tabLst>
+                <a:tab pos="0" algn="l"/>
+                <a:tab pos="914400" algn="l"/>
+                <a:tab pos="1828800" algn="l"/>
+                <a:tab pos="2743200" algn="l"/>
+                <a:tab pos="3657600" algn="l"/>
+                <a:tab pos="4572000" algn="l"/>
+                <a:tab pos="5486400" algn="l"/>
+                <a:tab pos="6400800" algn="l"/>
+                <a:tab pos="7315200" algn="l"/>
+                <a:tab pos="8229600" algn="l"/>
+                <a:tab pos="9144000" algn="l"/>
+                <a:tab pos="10058400" algn="l"/>
+              </a:tabLst>
+            </a:pPr>
+            <a:r>
+              <a:rPr lang="en-GB" sz="4000" dirty="0">
+                <a:solidFill>
+                  <a:srgbClr val="000000"/>
+                </a:solidFill>
+                <a:latin typeface="Times New Roman" pitchFamily="18" charset="0"/>
+              </a:rPr>
+              <a:t>Example</a:t>
+            </a:r>
+          </a:p>
+        </p:txBody>
+      </p:sp>
+      <p:sp>
+        <p:nvSpPr>
+          <p:cNvPr id="7" name="TextBox 6">
+            <a:extLst>
+              <a:ext uri="{FF2B5EF4-FFF2-40B4-BE49-F238E27FC236}">
+                <a16:creationId xmlns:a16="http://schemas.microsoft.com/office/drawing/2014/main" id="{8035F9A9-3653-BB77-6456-8719B261C125}"/>
+              </a:ext>
+            </a:extLst>
+          </p:cNvPr>
+          <p:cNvSpPr txBox="1"/>
+          <p:nvPr/>
+        </p:nvSpPr>
+        <p:spPr>
+          <a:xfrm>
+            <a:off x="306571" y="1220259"/>
+            <a:ext cx="8530858" cy="3416320"/>
+          </a:xfrm>
+          <a:prstGeom prst="rect">
+            <a:avLst/>
+          </a:prstGeom>
+          <a:noFill/>
+        </p:spPr>
+        <p:txBody>
+          <a:bodyPr wrap="square">
+            <a:spAutoFit/>
+          </a:bodyPr>
+          <a:lstStyle/>
+          <a:p>
+            <a:r>
+              <a:rPr lang="en-US" sz="2400" dirty="0">
+                <a:latin typeface="Times New Roman" panose="02020603050405020304" pitchFamily="18" charset="0"/>
+                <a:cs typeface="Times New Roman" panose="02020603050405020304" pitchFamily="18" charset="0"/>
+              </a:rPr>
+              <a:t>The electron of a hydrogen atom is excited into a higher energy level from a lower energy level. A short time later the electron relaxes down to the </a:t>
+            </a:r>
+            <a:r>
+              <a:rPr lang="en-US" sz="2400" i="1" dirty="0" err="1">
+                <a:effectLst/>
+                <a:latin typeface="Times New Roman" panose="02020603050405020304" pitchFamily="18" charset="0"/>
+                <a:cs typeface="Times New Roman" panose="02020603050405020304" pitchFamily="18" charset="0"/>
+              </a:rPr>
+              <a:t>n</a:t>
+            </a:r>
+            <a:r>
+              <a:rPr lang="en-US" sz="2400" i="1" baseline="-25000" dirty="0" err="1">
+                <a:effectLst/>
+                <a:latin typeface="Times New Roman" panose="02020603050405020304" pitchFamily="18" charset="0"/>
+                <a:cs typeface="Times New Roman" panose="02020603050405020304" pitchFamily="18" charset="0"/>
+              </a:rPr>
+              <a:t>lo</a:t>
+            </a:r>
+            <a:r>
+              <a:rPr lang="en-US" sz="2400" dirty="0">
+                <a:latin typeface="Times New Roman" panose="02020603050405020304" pitchFamily="18" charset="0"/>
+                <a:cs typeface="Times New Roman" panose="02020603050405020304" pitchFamily="18" charset="0"/>
+              </a:rPr>
+              <a:t> = 3 energy level, releasing a photon with a an energy of 1.8147 × 10</a:t>
+            </a:r>
+            <a:r>
+              <a:rPr lang="en-US" sz="2400" baseline="30000" dirty="0">
+                <a:latin typeface="Times New Roman" panose="02020603050405020304" pitchFamily="18" charset="0"/>
+                <a:cs typeface="Times New Roman" panose="02020603050405020304" pitchFamily="18" charset="0"/>
+              </a:rPr>
+              <a:t>-19</a:t>
+            </a:r>
+            <a:r>
+              <a:rPr lang="en-US" sz="2400" dirty="0">
+                <a:latin typeface="Times New Roman" panose="02020603050405020304" pitchFamily="18" charset="0"/>
+                <a:cs typeface="Times New Roman" panose="02020603050405020304" pitchFamily="18" charset="0"/>
+              </a:rPr>
+              <a:t>J. </a:t>
+            </a:r>
+          </a:p>
+          <a:p>
+            <a:endParaRPr lang="en-US" sz="2400" dirty="0">
+              <a:latin typeface="Times New Roman" panose="02020603050405020304" pitchFamily="18" charset="0"/>
+              <a:cs typeface="Times New Roman" panose="02020603050405020304" pitchFamily="18" charset="0"/>
+            </a:endParaRPr>
+          </a:p>
+          <a:p>
+            <a:pPr marL="457200" indent="-457200">
+              <a:buAutoNum type="alphaLcPeriod"/>
+            </a:pPr>
+            <a:r>
+              <a:rPr lang="en-US" sz="2400" dirty="0">
+                <a:latin typeface="Times New Roman" panose="02020603050405020304" pitchFamily="18" charset="0"/>
+                <a:cs typeface="Times New Roman" panose="02020603050405020304" pitchFamily="18" charset="0"/>
+              </a:rPr>
+              <a:t>Compute the quantum number of the energy level the electron relaxes from, </a:t>
+            </a:r>
+            <a:r>
+              <a:rPr lang="en-US" sz="2400" i="1" dirty="0" err="1">
+                <a:effectLst/>
+                <a:latin typeface="Times New Roman" panose="02020603050405020304" pitchFamily="18" charset="0"/>
+                <a:cs typeface="Times New Roman" panose="02020603050405020304" pitchFamily="18" charset="0"/>
+              </a:rPr>
+              <a:t>n</a:t>
+            </a:r>
+            <a:r>
+              <a:rPr lang="en-US" sz="2400" i="1" baseline="-25000" dirty="0" err="1">
+                <a:effectLst/>
+                <a:latin typeface="Times New Roman" panose="02020603050405020304" pitchFamily="18" charset="0"/>
+                <a:cs typeface="Times New Roman" panose="02020603050405020304" pitchFamily="18" charset="0"/>
+              </a:rPr>
+              <a:t>hi</a:t>
+            </a:r>
+            <a:r>
+              <a:rPr lang="en-US" sz="2400" dirty="0">
+                <a:latin typeface="Times New Roman" panose="02020603050405020304" pitchFamily="18" charset="0"/>
+                <a:cs typeface="Times New Roman" panose="02020603050405020304" pitchFamily="18" charset="0"/>
+              </a:rPr>
+              <a:t> </a:t>
+            </a:r>
+          </a:p>
+          <a:p>
+            <a:pPr marL="457200" indent="-457200">
+              <a:buAutoNum type="alphaLcPeriod"/>
+            </a:pPr>
+            <a:r>
+              <a:rPr lang="en-US" sz="2400" dirty="0">
+                <a:latin typeface="Times New Roman" panose="02020603050405020304" pitchFamily="18" charset="0"/>
+                <a:cs typeface="Times New Roman" panose="02020603050405020304" pitchFamily="18" charset="0"/>
+              </a:rPr>
+              <a:t>Compute the wavelength of the released photon. What region of the spectrum is it in?</a:t>
+            </a:r>
+          </a:p>
+        </p:txBody>
+      </p:sp>
+    </p:spTree>
+    <p:extLst>
+      <p:ext uri="{BB962C8B-B14F-4D97-AF65-F5344CB8AC3E}">
+        <p14:creationId xmlns:p14="http://schemas.microsoft.com/office/powerpoint/2010/main" val="1273782025"/>
+      </p:ext>
+    </p:extLst>
+  </p:cSld>
+  <p:clrMapOvr>
+    <a:masterClrMapping/>
+  </p:clrMapOvr>
+</p:sld>
+</file>
+
+<file path=ppt/slides/slide12.xml><?xml version="1.0" encoding="utf-8"?>
+<p:sld xmlns:a="http://schemas.openxmlformats.org/drawingml/2006/main" xmlns:r="http://schemas.openxmlformats.org/officeDocument/2006/relationships" xmlns:p="http://schemas.openxmlformats.org/presentationml/2006/main">
+  <p:cSld>
+    <p:spTree>
+      <p:nvGrpSpPr>
+        <p:cNvPr id="1" name=""/>
+        <p:cNvGrpSpPr/>
+        <p:nvPr/>
+      </p:nvGrpSpPr>
+      <p:grpSpPr>
+        <a:xfrm>
+          <a:off x="0" y="0"/>
+          <a:ext cx="0" cy="0"/>
+          <a:chOff x="0" y="0"/>
+          <a:chExt cx="0" cy="0"/>
+        </a:xfrm>
+      </p:grpSpPr>
+      <p:sp>
+        <p:nvSpPr>
+          <p:cNvPr id="4" name="Rectangle 3">
+            <a:extLst>
+              <a:ext uri="{FF2B5EF4-FFF2-40B4-BE49-F238E27FC236}">
+                <a16:creationId xmlns:a16="http://schemas.microsoft.com/office/drawing/2014/main" id="{A0AE2A77-3CE5-7C6E-BE65-2FDF6ADBFCCF}"/>
+              </a:ext>
+            </a:extLst>
+          </p:cNvPr>
+          <p:cNvSpPr/>
+          <p:nvPr/>
+        </p:nvSpPr>
+        <p:spPr>
+          <a:xfrm>
+            <a:off x="318294" y="1490008"/>
+            <a:ext cx="8534399" cy="3170099"/>
+          </a:xfrm>
+          <a:prstGeom prst="rect">
+            <a:avLst/>
+          </a:prstGeom>
+          <a:solidFill>
+            <a:srgbClr val="000C78"/>
+          </a:solidFill>
+        </p:spPr>
+        <p:txBody>
+          <a:bodyPr wrap="square">
+            <a:spAutoFit/>
+          </a:bodyPr>
+          <a:lstStyle/>
+          <a:p>
+            <a:r>
+              <a:rPr lang="en-US" sz="2000" dirty="0">
+                <a:solidFill>
+                  <a:schemeClr val="bg1"/>
+                </a:solidFill>
+                <a:latin typeface="Courier"/>
+                <a:cs typeface="Courier"/>
+              </a:rPr>
+              <a:t>library(che302r)</a:t>
+            </a:r>
+          </a:p>
+          <a:p>
+            <a:endParaRPr lang="en-US" sz="2000" dirty="0">
+              <a:solidFill>
+                <a:schemeClr val="bg1"/>
+              </a:solidFill>
+              <a:latin typeface="Courier"/>
+              <a:cs typeface="Courier"/>
+            </a:endParaRPr>
+          </a:p>
+          <a:p>
+            <a:r>
+              <a:rPr lang="en-US" sz="2000" dirty="0">
+                <a:solidFill>
+                  <a:schemeClr val="bg1"/>
+                </a:solidFill>
+                <a:latin typeface="Courier"/>
+                <a:cs typeface="Courier"/>
+              </a:rPr>
+              <a:t>Eph       &lt;- 1.8147e-19</a:t>
+            </a:r>
+          </a:p>
+          <a:p>
+            <a:r>
+              <a:rPr lang="en-US" sz="2000" dirty="0" err="1">
+                <a:solidFill>
+                  <a:schemeClr val="bg1"/>
+                </a:solidFill>
+                <a:latin typeface="Courier"/>
+                <a:cs typeface="Courier"/>
+              </a:rPr>
+              <a:t>RH.joules</a:t>
+            </a:r>
+            <a:r>
+              <a:rPr lang="en-US" sz="2000" dirty="0">
+                <a:solidFill>
+                  <a:schemeClr val="bg1"/>
+                </a:solidFill>
+                <a:latin typeface="Courier"/>
+                <a:cs typeface="Courier"/>
+              </a:rPr>
+              <a:t> &lt;- 2.177641e-18 </a:t>
+            </a:r>
+            <a:r>
+              <a:rPr lang="en-US" sz="2000" dirty="0">
+                <a:solidFill>
+                  <a:srgbClr val="FFFF00"/>
+                </a:solidFill>
+                <a:latin typeface="Courier"/>
+                <a:cs typeface="Courier"/>
+              </a:rPr>
+              <a:t># Rydberg const in Joules</a:t>
+            </a:r>
+          </a:p>
+          <a:p>
+            <a:endParaRPr lang="en-US" sz="2000" dirty="0">
+              <a:solidFill>
+                <a:srgbClr val="FFFF00"/>
+              </a:solidFill>
+              <a:latin typeface="Courier"/>
+              <a:cs typeface="Courier"/>
+            </a:endParaRPr>
+          </a:p>
+          <a:p>
+            <a:r>
+              <a:rPr lang="en-US" sz="2000" dirty="0" err="1">
+                <a:solidFill>
+                  <a:schemeClr val="bg1"/>
+                </a:solidFill>
+                <a:latin typeface="Courier"/>
+                <a:cs typeface="Courier"/>
+              </a:rPr>
+              <a:t>nhi</a:t>
+            </a:r>
+            <a:r>
+              <a:rPr lang="en-US" sz="2000" dirty="0">
+                <a:solidFill>
+                  <a:schemeClr val="bg1"/>
+                </a:solidFill>
+                <a:latin typeface="Courier"/>
+                <a:cs typeface="Courier"/>
+              </a:rPr>
+              <a:t>       &lt;- sqrt( 1/( 1/(nlo^2) - (Eph/</a:t>
+            </a:r>
+            <a:r>
+              <a:rPr lang="en-US" sz="2000" dirty="0" err="1">
+                <a:solidFill>
+                  <a:schemeClr val="bg1"/>
+                </a:solidFill>
+                <a:latin typeface="Courier"/>
+                <a:cs typeface="Courier"/>
+              </a:rPr>
+              <a:t>RH.joules</a:t>
+            </a:r>
+            <a:r>
+              <a:rPr lang="en-US" sz="2000" dirty="0">
+                <a:solidFill>
+                  <a:schemeClr val="bg1"/>
+                </a:solidFill>
+                <a:latin typeface="Courier"/>
+                <a:cs typeface="Courier"/>
+              </a:rPr>
+              <a:t>) ) )</a:t>
+            </a:r>
+          </a:p>
+          <a:p>
+            <a:r>
+              <a:rPr lang="en-US" sz="2000" dirty="0" err="1">
+                <a:solidFill>
+                  <a:schemeClr val="bg1"/>
+                </a:solidFill>
+                <a:latin typeface="Courier"/>
+                <a:cs typeface="Courier"/>
+              </a:rPr>
+              <a:t>nhi</a:t>
+            </a:r>
+            <a:endParaRPr lang="en-US" sz="2000" dirty="0">
+              <a:solidFill>
+                <a:schemeClr val="bg1"/>
+              </a:solidFill>
+              <a:latin typeface="Courier"/>
+              <a:cs typeface="Courier"/>
+            </a:endParaRPr>
+          </a:p>
+          <a:p>
+            <a:endParaRPr lang="en-US" sz="2000" dirty="0">
+              <a:solidFill>
+                <a:schemeClr val="bg1"/>
+              </a:solidFill>
+              <a:latin typeface="Courier"/>
+              <a:cs typeface="Courier"/>
+            </a:endParaRPr>
+          </a:p>
+          <a:p>
+            <a:r>
+              <a:rPr lang="en-US" sz="2000" dirty="0">
+                <a:solidFill>
+                  <a:schemeClr val="bg1"/>
+                </a:solidFill>
+                <a:latin typeface="Courier"/>
+                <a:cs typeface="Courier"/>
+              </a:rPr>
+              <a:t>lambda &lt;- h * cl/Eph</a:t>
+            </a:r>
+          </a:p>
+          <a:p>
+            <a:r>
+              <a:rPr lang="en-US" sz="2000" dirty="0">
+                <a:solidFill>
+                  <a:schemeClr val="bg1"/>
+                </a:solidFill>
+                <a:latin typeface="Courier"/>
+                <a:cs typeface="Courier"/>
+              </a:rPr>
+              <a:t>lambda * 1e9              </a:t>
+            </a:r>
+            <a:r>
+              <a:rPr lang="en-US" sz="2000" dirty="0">
+                <a:solidFill>
+                  <a:srgbClr val="FFFF00"/>
+                </a:solidFill>
+                <a:latin typeface="Courier"/>
+                <a:cs typeface="Courier"/>
+              </a:rPr>
+              <a:t># Wavelength of photon in nm</a:t>
+            </a:r>
+          </a:p>
+        </p:txBody>
+      </p:sp>
+      <p:pic>
+        <p:nvPicPr>
+          <p:cNvPr id="5" name="Picture 2">
+            <a:extLst>
+              <a:ext uri="{FF2B5EF4-FFF2-40B4-BE49-F238E27FC236}">
+                <a16:creationId xmlns:a16="http://schemas.microsoft.com/office/drawing/2014/main" id="{8ACDF6A8-70F0-446E-FDAD-E68DDF0F7A3B}"/>
+              </a:ext>
+            </a:extLst>
+          </p:cNvPr>
+          <p:cNvPicPr>
+            <a:picLocks noChangeAspect="1" noChangeArrowheads="1"/>
+          </p:cNvPicPr>
+          <p:nvPr/>
+        </p:nvPicPr>
+        <p:blipFill>
+          <a:blip r:embed="rId2" cstate="print"/>
+          <a:srcRect/>
+          <a:stretch>
+            <a:fillRect/>
+          </a:stretch>
+        </p:blipFill>
+        <p:spPr bwMode="auto">
+          <a:xfrm>
+            <a:off x="484188" y="76200"/>
+            <a:ext cx="8202612" cy="239712"/>
+          </a:xfrm>
+          <a:prstGeom prst="rect">
+            <a:avLst/>
+          </a:prstGeom>
+          <a:noFill/>
+          <a:ln w="9525">
+            <a:noFill/>
+            <a:round/>
+            <a:headEnd/>
+            <a:tailEnd/>
+          </a:ln>
+        </p:spPr>
+      </p:pic>
+      <p:pic>
+        <p:nvPicPr>
+          <p:cNvPr id="3" name="Picture 2">
+            <a:extLst>
+              <a:ext uri="{FF2B5EF4-FFF2-40B4-BE49-F238E27FC236}">
+                <a16:creationId xmlns:a16="http://schemas.microsoft.com/office/drawing/2014/main" id="{28D6FF6B-9C24-2E49-4E1A-0FE114751C90}"/>
+              </a:ext>
+            </a:extLst>
+          </p:cNvPr>
+          <p:cNvPicPr>
+            <a:picLocks noChangeAspect="1"/>
+          </p:cNvPicPr>
+          <p:nvPr/>
+        </p:nvPicPr>
+        <p:blipFill>
+          <a:blip r:embed="rId3"/>
+          <a:stretch>
+            <a:fillRect/>
+          </a:stretch>
+        </p:blipFill>
+        <p:spPr>
+          <a:xfrm>
+            <a:off x="1730689" y="5169507"/>
+            <a:ext cx="5893638" cy="1329392"/>
+          </a:xfrm>
+          <a:prstGeom prst="rect">
+            <a:avLst/>
+          </a:prstGeom>
+        </p:spPr>
+      </p:pic>
+    </p:spTree>
+    <p:extLst>
+      <p:ext uri="{BB962C8B-B14F-4D97-AF65-F5344CB8AC3E}">
+        <p14:creationId xmlns:p14="http://schemas.microsoft.com/office/powerpoint/2010/main" val="3278631412"/>
+      </p:ext>
+    </p:extLst>
+  </p:cSld>
+  <p:clrMapOvr>
+    <a:masterClrMapping/>
+  </p:clrMapOvr>
+</p:sld>
+</file>
+
+<file path=ppt/slides/slide13.xml><?xml version="1.0" encoding="utf-8"?>
+<p:sld xmlns:a="http://schemas.openxmlformats.org/drawingml/2006/main" xmlns:r="http://schemas.openxmlformats.org/officeDocument/2006/relationships" xmlns:p="http://schemas.openxmlformats.org/presentationml/2006/main">
+  <p:cSld>
+    <p:spTree>
+      <p:nvGrpSpPr>
+        <p:cNvPr id="1" name=""/>
+        <p:cNvGrpSpPr/>
+        <p:nvPr/>
+      </p:nvGrpSpPr>
+      <p:grpSpPr>
+        <a:xfrm>
+          <a:off x="0" y="0"/>
+          <a:ext cx="0" cy="0"/>
+          <a:chOff x="0" y="0"/>
+          <a:chExt cx="0" cy="0"/>
+        </a:xfrm>
+      </p:grpSpPr>
+      <p:pic>
+        <p:nvPicPr>
+          <p:cNvPr id="4" name="Picture 2"/>
+          <p:cNvPicPr>
+            <a:picLocks noChangeAspect="1" noChangeArrowheads="1"/>
+          </p:cNvPicPr>
+          <p:nvPr/>
+        </p:nvPicPr>
+        <p:blipFill>
+          <a:blip r:embed="rId2" cstate="print"/>
+          <a:srcRect/>
+          <a:stretch>
+            <a:fillRect/>
+          </a:stretch>
+        </p:blipFill>
+        <p:spPr bwMode="auto">
+          <a:xfrm>
+            <a:off x="484188" y="76200"/>
+            <a:ext cx="8202612" cy="239712"/>
+          </a:xfrm>
+          <a:prstGeom prst="rect">
+            <a:avLst/>
+          </a:prstGeom>
+          <a:noFill/>
+          <a:ln w="9525">
+            <a:noFill/>
+            <a:round/>
+            <a:headEnd/>
+            <a:tailEnd/>
+          </a:ln>
+        </p:spPr>
+      </p:pic>
+      <p:sp>
+        <p:nvSpPr>
+          <p:cNvPr id="5" name="Rectangle 4"/>
+          <p:cNvSpPr>
+            <a:spLocks noChangeArrowheads="1"/>
+          </p:cNvSpPr>
+          <p:nvPr/>
+        </p:nvSpPr>
+        <p:spPr bwMode="auto">
+          <a:xfrm>
             <a:off x="135468" y="497417"/>
             <a:ext cx="8991601" cy="1127125"/>
           </a:xfrm>
@@ -5325,7 +6233,7 @@
 </p:sld>
 </file>
 
-<file path=ppt/slides/slide11.xml><?xml version="1.0" encoding="utf-8"?>
+<file path=ppt/slides/slide14.xml><?xml version="1.0" encoding="utf-8"?>
 <p:sld xmlns:a="http://schemas.openxmlformats.org/drawingml/2006/main" xmlns:r="http://schemas.openxmlformats.org/officeDocument/2006/relationships" xmlns:p="http://schemas.openxmlformats.org/presentationml/2006/main">
   <p:cSld>
     <p:spTree>
@@ -6586,7 +7494,591 @@
 </p:sld>
 </file>
 
-<file path=ppt/slides/slide12.xml><?xml version="1.0" encoding="utf-8"?>
+<file path=ppt/slides/slide15.xml><?xml version="1.0" encoding="utf-8"?>
+<p:sld xmlns:a="http://schemas.openxmlformats.org/drawingml/2006/main" xmlns:r="http://schemas.openxmlformats.org/officeDocument/2006/relationships" xmlns:p="http://schemas.openxmlformats.org/presentationml/2006/main">
+  <p:cSld>
+    <p:spTree>
+      <p:nvGrpSpPr>
+        <p:cNvPr id="1" name=""/>
+        <p:cNvGrpSpPr/>
+        <p:nvPr/>
+      </p:nvGrpSpPr>
+      <p:grpSpPr>
+        <a:xfrm>
+          <a:off x="0" y="0"/>
+          <a:ext cx="0" cy="0"/>
+          <a:chOff x="0" y="0"/>
+          <a:chExt cx="0" cy="0"/>
+        </a:xfrm>
+      </p:grpSpPr>
+      <p:pic>
+        <p:nvPicPr>
+          <p:cNvPr id="4" name="Picture 2">
+            <a:extLst>
+              <a:ext uri="{FF2B5EF4-FFF2-40B4-BE49-F238E27FC236}">
+                <a16:creationId xmlns:a16="http://schemas.microsoft.com/office/drawing/2014/main" id="{B69E63EC-3131-9F80-E8D1-731816F1005A}"/>
+              </a:ext>
+            </a:extLst>
+          </p:cNvPr>
+          <p:cNvPicPr>
+            <a:picLocks noChangeAspect="1" noChangeArrowheads="1"/>
+          </p:cNvPicPr>
+          <p:nvPr/>
+        </p:nvPicPr>
+        <p:blipFill>
+          <a:blip r:embed="rId2" cstate="print"/>
+          <a:srcRect/>
+          <a:stretch>
+            <a:fillRect/>
+          </a:stretch>
+        </p:blipFill>
+        <p:spPr bwMode="auto">
+          <a:xfrm>
+            <a:off x="484188" y="76200"/>
+            <a:ext cx="8202612" cy="239712"/>
+          </a:xfrm>
+          <a:prstGeom prst="rect">
+            <a:avLst/>
+          </a:prstGeom>
+          <a:noFill/>
+          <a:ln w="9525">
+            <a:noFill/>
+            <a:round/>
+            <a:headEnd/>
+            <a:tailEnd/>
+          </a:ln>
+        </p:spPr>
+      </p:pic>
+      <p:sp>
+        <p:nvSpPr>
+          <p:cNvPr id="5" name="Rectangle 4">
+            <a:extLst>
+              <a:ext uri="{FF2B5EF4-FFF2-40B4-BE49-F238E27FC236}">
+                <a16:creationId xmlns:a16="http://schemas.microsoft.com/office/drawing/2014/main" id="{65DC2914-AF42-DA65-D7A5-3EB4438781AF}"/>
+              </a:ext>
+            </a:extLst>
+          </p:cNvPr>
+          <p:cNvSpPr>
+            <a:spLocks noChangeArrowheads="1"/>
+          </p:cNvSpPr>
+          <p:nvPr/>
+        </p:nvSpPr>
+        <p:spPr bwMode="auto">
+          <a:xfrm>
+            <a:off x="135468" y="84667"/>
+            <a:ext cx="8991601" cy="1127125"/>
+          </a:xfrm>
+          <a:prstGeom prst="rect">
+            <a:avLst/>
+          </a:prstGeom>
+          <a:noFill/>
+          <a:ln w="9525">
+            <a:noFill/>
+            <a:round/>
+            <a:headEnd/>
+            <a:tailEnd/>
+          </a:ln>
+        </p:spPr>
+        <p:txBody>
+          <a:bodyPr lIns="0" tIns="0" rIns="0" bIns="0" anchor="ctr"/>
+          <a:lstStyle/>
+          <a:p>
+            <a:pPr algn="ctr">
+              <a:buClr>
+                <a:srgbClr val="000000"/>
+              </a:buClr>
+              <a:buSzPct val="100000"/>
+              <a:buFont typeface="Times New Roman" pitchFamily="18" charset="0"/>
+              <a:buNone/>
+              <a:tabLst>
+                <a:tab pos="0" algn="l"/>
+                <a:tab pos="914400" algn="l"/>
+                <a:tab pos="1828800" algn="l"/>
+                <a:tab pos="2743200" algn="l"/>
+                <a:tab pos="3657600" algn="l"/>
+                <a:tab pos="4572000" algn="l"/>
+                <a:tab pos="5486400" algn="l"/>
+                <a:tab pos="6400800" algn="l"/>
+                <a:tab pos="7315200" algn="l"/>
+                <a:tab pos="8229600" algn="l"/>
+                <a:tab pos="9144000" algn="l"/>
+                <a:tab pos="10058400" algn="l"/>
+              </a:tabLst>
+            </a:pPr>
+            <a:r>
+              <a:rPr lang="en-GB" sz="4000" dirty="0">
+                <a:solidFill>
+                  <a:srgbClr val="000000"/>
+                </a:solidFill>
+                <a:latin typeface="Times New Roman" pitchFamily="18" charset="0"/>
+              </a:rPr>
+              <a:t>Example</a:t>
+            </a:r>
+          </a:p>
+        </p:txBody>
+      </p:sp>
+      <p:sp>
+        <p:nvSpPr>
+          <p:cNvPr id="2" name="TextBox 1">
+            <a:extLst>
+              <a:ext uri="{FF2B5EF4-FFF2-40B4-BE49-F238E27FC236}">
+                <a16:creationId xmlns:a16="http://schemas.microsoft.com/office/drawing/2014/main" id="{FDF65E8F-4938-AFEC-921A-0111FAE51AEB}"/>
+              </a:ext>
+            </a:extLst>
+          </p:cNvPr>
+          <p:cNvSpPr txBox="1"/>
+          <p:nvPr/>
+        </p:nvSpPr>
+        <p:spPr>
+          <a:xfrm>
+            <a:off x="689100" y="1359876"/>
+            <a:ext cx="8232161" cy="830997"/>
+          </a:xfrm>
+          <a:prstGeom prst="rect">
+            <a:avLst/>
+          </a:prstGeom>
+          <a:noFill/>
+        </p:spPr>
+        <p:txBody>
+          <a:bodyPr wrap="square" rtlCol="0">
+            <a:spAutoFit/>
+          </a:bodyPr>
+          <a:lstStyle/>
+          <a:p>
+            <a:r>
+              <a:rPr lang="en-US" sz="2400" dirty="0">
+                <a:latin typeface="Times New Roman" panose="02020603050405020304" pitchFamily="18" charset="0"/>
+                <a:cs typeface="Times New Roman" panose="02020603050405020304" pitchFamily="18" charset="0"/>
+              </a:rPr>
+              <a:t>On average, electrons in a neon light travel at about 1 × 10</a:t>
+            </a:r>
+            <a:r>
+              <a:rPr lang="en-US" sz="2400" baseline="30000" dirty="0">
+                <a:latin typeface="Times New Roman" panose="02020603050405020304" pitchFamily="18" charset="0"/>
+                <a:cs typeface="Times New Roman" panose="02020603050405020304" pitchFamily="18" charset="0"/>
+              </a:rPr>
+              <a:t>6</a:t>
+            </a:r>
+            <a:r>
+              <a:rPr lang="en-US" sz="2400" dirty="0">
+                <a:latin typeface="Times New Roman" panose="02020603050405020304" pitchFamily="18" charset="0"/>
+                <a:cs typeface="Times New Roman" panose="02020603050405020304" pitchFamily="18" charset="0"/>
+              </a:rPr>
+              <a:t>m/s. Compute the wavelength of these electrons. </a:t>
+            </a:r>
+          </a:p>
+        </p:txBody>
+      </p:sp>
+      <p:pic>
+        <p:nvPicPr>
+          <p:cNvPr id="3" name="Picture 2">
+            <a:extLst>
+              <a:ext uri="{FF2B5EF4-FFF2-40B4-BE49-F238E27FC236}">
+                <a16:creationId xmlns:a16="http://schemas.microsoft.com/office/drawing/2014/main" id="{C1EC630E-F658-6D0D-FB39-122F11A81331}"/>
+              </a:ext>
+            </a:extLst>
+          </p:cNvPr>
+          <p:cNvPicPr>
+            <a:picLocks noChangeAspect="1"/>
+          </p:cNvPicPr>
+          <p:nvPr/>
+        </p:nvPicPr>
+        <p:blipFill>
+          <a:blip r:embed="rId3"/>
+          <a:stretch>
+            <a:fillRect/>
+          </a:stretch>
+        </p:blipFill>
+        <p:spPr>
+          <a:xfrm>
+            <a:off x="3190101" y="5849814"/>
+            <a:ext cx="2790786" cy="794727"/>
+          </a:xfrm>
+          <a:prstGeom prst="rect">
+            <a:avLst/>
+          </a:prstGeom>
+        </p:spPr>
+      </p:pic>
+      <p:sp>
+        <p:nvSpPr>
+          <p:cNvPr id="6" name="Rectangle 5">
+            <a:extLst>
+              <a:ext uri="{FF2B5EF4-FFF2-40B4-BE49-F238E27FC236}">
+                <a16:creationId xmlns:a16="http://schemas.microsoft.com/office/drawing/2014/main" id="{640CA0C8-31D8-DD49-3A83-364CA362BB52}"/>
+              </a:ext>
+            </a:extLst>
+          </p:cNvPr>
+          <p:cNvSpPr/>
+          <p:nvPr/>
+        </p:nvSpPr>
+        <p:spPr>
+          <a:xfrm>
+            <a:off x="875791" y="2778210"/>
+            <a:ext cx="7517930" cy="2677656"/>
+          </a:xfrm>
+          <a:prstGeom prst="rect">
+            <a:avLst/>
+          </a:prstGeom>
+          <a:solidFill>
+            <a:srgbClr val="000C78"/>
+          </a:solidFill>
+        </p:spPr>
+        <p:txBody>
+          <a:bodyPr wrap="square">
+            <a:spAutoFit/>
+          </a:bodyPr>
+          <a:lstStyle/>
+          <a:p>
+            <a:r>
+              <a:rPr lang="en-US" sz="2400" dirty="0">
+                <a:solidFill>
+                  <a:schemeClr val="bg1"/>
+                </a:solidFill>
+                <a:latin typeface="Courier"/>
+                <a:cs typeface="Courier"/>
+              </a:rPr>
+              <a:t>library(che302r)</a:t>
+            </a:r>
+          </a:p>
+          <a:p>
+            <a:endParaRPr lang="en-US" sz="2400" dirty="0">
+              <a:solidFill>
+                <a:schemeClr val="bg1"/>
+              </a:solidFill>
+              <a:latin typeface="Courier"/>
+              <a:cs typeface="Courier"/>
+            </a:endParaRPr>
+          </a:p>
+          <a:p>
+            <a:r>
+              <a:rPr lang="en-US" sz="2400" dirty="0" err="1">
+                <a:solidFill>
+                  <a:schemeClr val="bg1"/>
+                </a:solidFill>
+                <a:latin typeface="Courier"/>
+                <a:cs typeface="Courier"/>
+              </a:rPr>
+              <a:t>m.electron</a:t>
+            </a:r>
+            <a:r>
+              <a:rPr lang="en-US" sz="2400" dirty="0">
+                <a:solidFill>
+                  <a:schemeClr val="bg1"/>
+                </a:solidFill>
+                <a:latin typeface="Courier"/>
+                <a:cs typeface="Courier"/>
+              </a:rPr>
+              <a:t> &lt;- 9.109384e-31</a:t>
+            </a:r>
+          </a:p>
+          <a:p>
+            <a:r>
+              <a:rPr lang="en-US" sz="2400" dirty="0" err="1">
+                <a:solidFill>
+                  <a:schemeClr val="bg1"/>
+                </a:solidFill>
+                <a:latin typeface="Courier"/>
+                <a:cs typeface="Courier"/>
+              </a:rPr>
+              <a:t>v.electron</a:t>
+            </a:r>
+            <a:r>
+              <a:rPr lang="en-US" sz="2400" dirty="0">
+                <a:solidFill>
+                  <a:schemeClr val="bg1"/>
+                </a:solidFill>
+                <a:latin typeface="Courier"/>
+                <a:cs typeface="Courier"/>
+              </a:rPr>
+              <a:t> &lt;- 1e6</a:t>
+            </a:r>
+          </a:p>
+          <a:p>
+            <a:endParaRPr lang="en-US" sz="2400" dirty="0">
+              <a:solidFill>
+                <a:schemeClr val="bg1"/>
+              </a:solidFill>
+              <a:latin typeface="Courier"/>
+              <a:cs typeface="Courier"/>
+            </a:endParaRPr>
+          </a:p>
+          <a:p>
+            <a:r>
+              <a:rPr lang="en-US" sz="2400" dirty="0">
+                <a:solidFill>
+                  <a:schemeClr val="bg1"/>
+                </a:solidFill>
+                <a:latin typeface="Courier"/>
+                <a:cs typeface="Courier"/>
+              </a:rPr>
+              <a:t>lambda &lt;- h/(</a:t>
+            </a:r>
+            <a:r>
+              <a:rPr lang="en-US" sz="2400" dirty="0" err="1">
+                <a:solidFill>
+                  <a:schemeClr val="bg1"/>
+                </a:solidFill>
+                <a:latin typeface="Courier"/>
+                <a:cs typeface="Courier"/>
+              </a:rPr>
+              <a:t>m.electron</a:t>
+            </a:r>
+            <a:r>
+              <a:rPr lang="en-US" sz="2400" dirty="0">
+                <a:solidFill>
+                  <a:schemeClr val="bg1"/>
+                </a:solidFill>
+                <a:latin typeface="Courier"/>
+                <a:cs typeface="Courier"/>
+              </a:rPr>
+              <a:t> * </a:t>
+            </a:r>
+            <a:r>
+              <a:rPr lang="en-US" sz="2400" dirty="0" err="1">
+                <a:solidFill>
+                  <a:schemeClr val="bg1"/>
+                </a:solidFill>
+                <a:latin typeface="Courier"/>
+                <a:cs typeface="Courier"/>
+              </a:rPr>
+              <a:t>v.electron</a:t>
+            </a:r>
+            <a:r>
+              <a:rPr lang="en-US" sz="2400" dirty="0">
+                <a:solidFill>
+                  <a:schemeClr val="bg1"/>
+                </a:solidFill>
+                <a:latin typeface="Courier"/>
+                <a:cs typeface="Courier"/>
+              </a:rPr>
+              <a:t>)</a:t>
+            </a:r>
+          </a:p>
+          <a:p>
+            <a:r>
+              <a:rPr lang="en-US" sz="2400" dirty="0">
+                <a:solidFill>
+                  <a:schemeClr val="bg1"/>
+                </a:solidFill>
+                <a:latin typeface="Courier"/>
+                <a:cs typeface="Courier"/>
+              </a:rPr>
+              <a:t>lambda</a:t>
+            </a:r>
+          </a:p>
+        </p:txBody>
+      </p:sp>
+    </p:spTree>
+    <p:extLst>
+      <p:ext uri="{BB962C8B-B14F-4D97-AF65-F5344CB8AC3E}">
+        <p14:creationId xmlns:p14="http://schemas.microsoft.com/office/powerpoint/2010/main" val="1533919727"/>
+      </p:ext>
+    </p:extLst>
+  </p:cSld>
+  <p:clrMapOvr>
+    <a:masterClrMapping/>
+  </p:clrMapOvr>
+  <p:timing>
+    <p:tnLst>
+      <p:par>
+        <p:cTn id="1" dur="indefinite" restart="never" nodeType="tmRoot">
+          <p:childTnLst>
+            <p:seq concurrent="1" nextAc="seek">
+              <p:cTn id="2" dur="indefinite" nodeType="mainSeq">
+                <p:childTnLst>
+                  <p:par>
+                    <p:cTn id="3" fill="hold">
+                      <p:stCondLst>
+                        <p:cond delay="indefinite"/>
+                      </p:stCondLst>
+                      <p:childTnLst>
+                        <p:par>
+                          <p:cTn id="4" fill="hold">
+                            <p:stCondLst>
+                              <p:cond delay="0"/>
+                            </p:stCondLst>
+                            <p:childTnLst>
+                              <p:par>
+                                <p:cTn id="5" presetID="2" presetClass="entr" presetSubtype="4" fill="hold" nodeType="clickEffect">
+                                  <p:stCondLst>
+                                    <p:cond delay="0"/>
+                                  </p:stCondLst>
+                                  <p:childTnLst>
+                                    <p:set>
+                                      <p:cBhvr>
+                                        <p:cTn id="6" dur="1" fill="hold">
+                                          <p:stCondLst>
+                                            <p:cond delay="0"/>
+                                          </p:stCondLst>
+                                        </p:cTn>
+                                        <p:tgtEl>
+                                          <p:spTgt spid="3"/>
+                                        </p:tgtEl>
+                                        <p:attrNameLst>
+                                          <p:attrName>style.visibility</p:attrName>
+                                        </p:attrNameLst>
+                                      </p:cBhvr>
+                                      <p:to>
+                                        <p:strVal val="visible"/>
+                                      </p:to>
+                                    </p:set>
+                                    <p:anim calcmode="lin" valueType="num">
+                                      <p:cBhvr additive="base">
+                                        <p:cTn id="7" dur="500" fill="hold"/>
+                                        <p:tgtEl>
+                                          <p:spTgt spid="3"/>
+                                        </p:tgtEl>
+                                        <p:attrNameLst>
+                                          <p:attrName>ppt_x</p:attrName>
+                                        </p:attrNameLst>
+                                      </p:cBhvr>
+                                      <p:tavLst>
+                                        <p:tav tm="0">
+                                          <p:val>
+                                            <p:strVal val="#ppt_x"/>
+                                          </p:val>
+                                        </p:tav>
+                                        <p:tav tm="100000">
+                                          <p:val>
+                                            <p:strVal val="#ppt_x"/>
+                                          </p:val>
+                                        </p:tav>
+                                      </p:tavLst>
+                                    </p:anim>
+                                    <p:anim calcmode="lin" valueType="num">
+                                      <p:cBhvr additive="base">
+                                        <p:cTn id="8" dur="500" fill="hold"/>
+                                        <p:tgtEl>
+                                          <p:spTgt spid="3"/>
+                                        </p:tgtEl>
+                                        <p:attrNameLst>
+                                          <p:attrName>ppt_y</p:attrName>
+                                        </p:attrNameLst>
+                                      </p:cBhvr>
+                                      <p:tavLst>
+                                        <p:tav tm="0">
+                                          <p:val>
+                                            <p:strVal val="1+#ppt_h/2"/>
+                                          </p:val>
+                                        </p:tav>
+                                        <p:tav tm="100000">
+                                          <p:val>
+                                            <p:strVal val="#ppt_y"/>
+                                          </p:val>
+                                        </p:tav>
+                                      </p:tavLst>
+                                    </p:anim>
+                                  </p:childTnLst>
+                                </p:cTn>
+                              </p:par>
+                              <p:par>
+                                <p:cTn id="9" presetID="2" presetClass="entr" presetSubtype="4" fill="hold" grpId="0" nodeType="withEffect">
+                                  <p:stCondLst>
+                                    <p:cond delay="0"/>
+                                  </p:stCondLst>
+                                  <p:childTnLst>
+                                    <p:set>
+                                      <p:cBhvr>
+                                        <p:cTn id="10" dur="1" fill="hold">
+                                          <p:stCondLst>
+                                            <p:cond delay="0"/>
+                                          </p:stCondLst>
+                                        </p:cTn>
+                                        <p:tgtEl>
+                                          <p:spTgt spid="6"/>
+                                        </p:tgtEl>
+                                        <p:attrNameLst>
+                                          <p:attrName>style.visibility</p:attrName>
+                                        </p:attrNameLst>
+                                      </p:cBhvr>
+                                      <p:to>
+                                        <p:strVal val="visible"/>
+                                      </p:to>
+                                    </p:set>
+                                    <p:anim calcmode="lin" valueType="num">
+                                      <p:cBhvr additive="base">
+                                        <p:cTn id="11" dur="500" fill="hold"/>
+                                        <p:tgtEl>
+                                          <p:spTgt spid="6"/>
+                                        </p:tgtEl>
+                                        <p:attrNameLst>
+                                          <p:attrName>ppt_x</p:attrName>
+                                        </p:attrNameLst>
+                                      </p:cBhvr>
+                                      <p:tavLst>
+                                        <p:tav tm="0">
+                                          <p:val>
+                                            <p:strVal val="#ppt_x"/>
+                                          </p:val>
+                                        </p:tav>
+                                        <p:tav tm="100000">
+                                          <p:val>
+                                            <p:strVal val="#ppt_x"/>
+                                          </p:val>
+                                        </p:tav>
+                                      </p:tavLst>
+                                    </p:anim>
+                                    <p:anim calcmode="lin" valueType="num">
+                                      <p:cBhvr additive="base">
+                                        <p:cTn id="12" dur="500" fill="hold"/>
+                                        <p:tgtEl>
+                                          <p:spTgt spid="6"/>
+                                        </p:tgtEl>
+                                        <p:attrNameLst>
+                                          <p:attrName>ppt_y</p:attrName>
+                                        </p:attrNameLst>
+                                      </p:cBhvr>
+                                      <p:tavLst>
+                                        <p:tav tm="0">
+                                          <p:val>
+                                            <p:strVal val="1+#ppt_h/2"/>
+                                          </p:val>
+                                        </p:tav>
+                                        <p:tav tm="100000">
+                                          <p:val>
+                                            <p:strVal val="#ppt_y"/>
+                                          </p:val>
+                                        </p:tav>
+                                      </p:tavLst>
+                                    </p:anim>
+                                  </p:childTnLst>
+                                </p:cTn>
+                              </p:par>
+                            </p:childTnLst>
+                          </p:cTn>
+                        </p:par>
+                      </p:childTnLst>
+                    </p:cTn>
+                  </p:par>
+                </p:childTnLst>
+              </p:cTn>
+              <p:prevCondLst>
+                <p:cond evt="onPrev" delay="0">
+                  <p:tgtEl>
+                    <p:sldTgt/>
+                  </p:tgtEl>
+                </p:cond>
+              </p:prevCondLst>
+              <p:nextCondLst>
+                <p:cond evt="onNext" delay="0">
+                  <p:tgtEl>
+                    <p:sldTgt/>
+                  </p:tgtEl>
+                </p:cond>
+              </p:nextCondLst>
+            </p:seq>
+          </p:childTnLst>
+        </p:cTn>
+      </p:par>
+    </p:tnLst>
+    <p:bldLst>
+      <p:bldP spid="6" grpId="0" animBg="1"/>
+    </p:bldLst>
+  </p:timing>
+</p:sld>
+</file>
+
+<file path=ppt/slides/slide16.xml><?xml version="1.0" encoding="utf-8"?>
 <p:sld xmlns:a="http://schemas.openxmlformats.org/drawingml/2006/main" xmlns:r="http://schemas.openxmlformats.org/officeDocument/2006/relationships" xmlns:p="http://schemas.openxmlformats.org/presentationml/2006/main">
   <p:cSld>
     <p:spTree>
@@ -7696,7 +9188,7 @@
 </p:sld>
 </file>
 
-<file path=ppt/slides/slide13.xml><?xml version="1.0" encoding="utf-8"?>
+<file path=ppt/slides/slide17.xml><?xml version="1.0" encoding="utf-8"?>
 <p:sld xmlns:a="http://schemas.openxmlformats.org/drawingml/2006/main" xmlns:r="http://schemas.openxmlformats.org/officeDocument/2006/relationships" xmlns:p="http://schemas.openxmlformats.org/presentationml/2006/main">
   <p:cSld>
     <p:spTree>
@@ -8170,7 +9662,7 @@
 </p:sld>
 </file>
 
-<file path=ppt/slides/slide14.xml><?xml version="1.0" encoding="utf-8"?>
+<file path=ppt/slides/slide18.xml><?xml version="1.0" encoding="utf-8"?>
 <p:sld xmlns:a="http://schemas.openxmlformats.org/drawingml/2006/main" xmlns:r="http://schemas.openxmlformats.org/officeDocument/2006/relationships" xmlns:p="http://schemas.openxmlformats.org/presentationml/2006/main">
   <p:cSld>
     <p:spTree>
@@ -8809,7 +10301,7 @@
 </p:sld>
 </file>
 
-<file path=ppt/slides/slide15.xml><?xml version="1.0" encoding="utf-8"?>
+<file path=ppt/slides/slide19.xml><?xml version="1.0" encoding="utf-8"?>
 <p:sld xmlns:a="http://schemas.openxmlformats.org/drawingml/2006/main" xmlns:r="http://schemas.openxmlformats.org/officeDocument/2006/relationships" xmlns:p="http://schemas.openxmlformats.org/presentationml/2006/main">
   <p:cSld>
     <p:spTree>
@@ -9235,7 +10727,338 @@
 </p:sld>
 </file>
 
-<file path=ppt/slides/slide16.xml><?xml version="1.0" encoding="utf-8"?>
+<file path=ppt/slides/slide2.xml><?xml version="1.0" encoding="utf-8"?>
+<p:sld xmlns:a="http://schemas.openxmlformats.org/drawingml/2006/main" xmlns:r="http://schemas.openxmlformats.org/officeDocument/2006/relationships" xmlns:p="http://schemas.openxmlformats.org/presentationml/2006/main">
+  <p:cSld>
+    <p:spTree>
+      <p:nvGrpSpPr>
+        <p:cNvPr id="1" name=""/>
+        <p:cNvGrpSpPr/>
+        <p:nvPr/>
+      </p:nvGrpSpPr>
+      <p:grpSpPr>
+        <a:xfrm>
+          <a:off x="0" y="0"/>
+          <a:ext cx="0" cy="0"/>
+          <a:chOff x="0" y="0"/>
+          <a:chExt cx="0" cy="0"/>
+        </a:xfrm>
+      </p:grpSpPr>
+      <p:pic>
+        <p:nvPicPr>
+          <p:cNvPr id="4" name="Picture 2"/>
+          <p:cNvPicPr>
+            <a:picLocks noChangeAspect="1" noChangeArrowheads="1"/>
+          </p:cNvPicPr>
+          <p:nvPr/>
+        </p:nvPicPr>
+        <p:blipFill>
+          <a:blip r:embed="rId2" cstate="print"/>
+          <a:srcRect/>
+          <a:stretch>
+            <a:fillRect/>
+          </a:stretch>
+        </p:blipFill>
+        <p:spPr bwMode="auto">
+          <a:xfrm>
+            <a:off x="484188" y="76200"/>
+            <a:ext cx="8202612" cy="239712"/>
+          </a:xfrm>
+          <a:prstGeom prst="rect">
+            <a:avLst/>
+          </a:prstGeom>
+          <a:noFill/>
+          <a:ln w="9525">
+            <a:noFill/>
+            <a:round/>
+            <a:headEnd/>
+            <a:tailEnd/>
+          </a:ln>
+        </p:spPr>
+      </p:pic>
+      <p:sp>
+        <p:nvSpPr>
+          <p:cNvPr id="5" name="Rectangle 4"/>
+          <p:cNvSpPr>
+            <a:spLocks noChangeArrowheads="1"/>
+          </p:cNvSpPr>
+          <p:nvPr/>
+        </p:nvSpPr>
+        <p:spPr bwMode="auto">
+          <a:xfrm>
+            <a:off x="135468" y="84667"/>
+            <a:ext cx="8991601" cy="1127125"/>
+          </a:xfrm>
+          <a:prstGeom prst="rect">
+            <a:avLst/>
+          </a:prstGeom>
+          <a:noFill/>
+          <a:ln w="9525">
+            <a:noFill/>
+            <a:round/>
+            <a:headEnd/>
+            <a:tailEnd/>
+          </a:ln>
+        </p:spPr>
+        <p:txBody>
+          <a:bodyPr lIns="0" tIns="0" rIns="0" bIns="0" anchor="ctr"/>
+          <a:lstStyle/>
+          <a:p>
+            <a:pPr algn="ctr">
+              <a:buClr>
+                <a:srgbClr val="000000"/>
+              </a:buClr>
+              <a:buSzPct val="100000"/>
+              <a:buFont typeface="Times New Roman" pitchFamily="18" charset="0"/>
+              <a:buNone/>
+              <a:tabLst>
+                <a:tab pos="0" algn="l"/>
+                <a:tab pos="914400" algn="l"/>
+                <a:tab pos="1828800" algn="l"/>
+                <a:tab pos="2743200" algn="l"/>
+                <a:tab pos="3657600" algn="l"/>
+                <a:tab pos="4572000" algn="l"/>
+                <a:tab pos="5486400" algn="l"/>
+                <a:tab pos="6400800" algn="l"/>
+                <a:tab pos="7315200" algn="l"/>
+                <a:tab pos="8229600" algn="l"/>
+                <a:tab pos="9144000" algn="l"/>
+                <a:tab pos="10058400" algn="l"/>
+              </a:tabLst>
+            </a:pPr>
+            <a:r>
+              <a:rPr lang="en-GB" sz="4000" dirty="0">
+                <a:solidFill>
+                  <a:srgbClr val="000000"/>
+                </a:solidFill>
+                <a:latin typeface="Times New Roman" pitchFamily="18" charset="0"/>
+              </a:rPr>
+              <a:t>A Couple of More Clues</a:t>
+            </a:r>
+          </a:p>
+        </p:txBody>
+      </p:sp>
+      <p:sp>
+        <p:nvSpPr>
+          <p:cNvPr id="8" name="Rectangle 5"/>
+          <p:cNvSpPr>
+            <a:spLocks noChangeArrowheads="1"/>
+          </p:cNvSpPr>
+          <p:nvPr/>
+        </p:nvSpPr>
+        <p:spPr bwMode="auto">
+          <a:xfrm>
+            <a:off x="228600" y="1457325"/>
+            <a:ext cx="8686800" cy="4432300"/>
+          </a:xfrm>
+          <a:prstGeom prst="rect">
+            <a:avLst/>
+          </a:prstGeom>
+          <a:noFill/>
+          <a:ln w="9525">
+            <a:noFill/>
+            <a:round/>
+            <a:headEnd/>
+            <a:tailEnd/>
+          </a:ln>
+        </p:spPr>
+        <p:txBody>
+          <a:bodyPr lIns="0" tIns="0" rIns="0" bIns="0"/>
+          <a:lstStyle/>
+          <a:p>
+            <a:pPr marL="430213" indent="-323850">
+              <a:lnSpc>
+                <a:spcPct val="100000"/>
+              </a:lnSpc>
+              <a:spcBef>
+                <a:spcPts val="800"/>
+              </a:spcBef>
+              <a:buFont typeface="Times New Roman" pitchFamily="18" charset="0"/>
+              <a:buChar char="•"/>
+              <a:tabLst>
+                <a:tab pos="430213" algn="l"/>
+                <a:tab pos="1344613" algn="l"/>
+                <a:tab pos="2259013" algn="l"/>
+                <a:tab pos="3173413" algn="l"/>
+                <a:tab pos="4087813" algn="l"/>
+                <a:tab pos="5002213" algn="l"/>
+                <a:tab pos="5916613" algn="l"/>
+                <a:tab pos="6831013" algn="l"/>
+                <a:tab pos="7745413" algn="l"/>
+                <a:tab pos="8659813" algn="l"/>
+                <a:tab pos="9574213" algn="l"/>
+                <a:tab pos="10488613" algn="l"/>
+              </a:tabLst>
+            </a:pPr>
+            <a:r>
+              <a:rPr lang="en-GB" sz="3600" b="1" dirty="0">
+                <a:solidFill>
+                  <a:srgbClr val="000000"/>
+                </a:solidFill>
+                <a:latin typeface="Times New Roman" pitchFamily="18" charset="0"/>
+              </a:rPr>
+              <a:t>Photoelectric Effect</a:t>
+            </a:r>
+            <a:r>
+              <a:rPr lang="en-GB" sz="3600" dirty="0">
+                <a:solidFill>
+                  <a:srgbClr val="000000"/>
+                </a:solidFill>
+                <a:latin typeface="Times New Roman" pitchFamily="18" charset="0"/>
+              </a:rPr>
+              <a:t>: Light wave behave like particles!</a:t>
+            </a:r>
+          </a:p>
+          <a:p>
+            <a:pPr marL="887413" lvl="1" indent="-323850">
+              <a:spcBef>
+                <a:spcPts val="800"/>
+              </a:spcBef>
+              <a:buFont typeface="Times New Roman" pitchFamily="18" charset="0"/>
+              <a:buChar char="•"/>
+              <a:tabLst>
+                <a:tab pos="430213" algn="l"/>
+                <a:tab pos="1344613" algn="l"/>
+                <a:tab pos="2259013" algn="l"/>
+                <a:tab pos="3173413" algn="l"/>
+                <a:tab pos="4087813" algn="l"/>
+                <a:tab pos="5002213" algn="l"/>
+                <a:tab pos="5916613" algn="l"/>
+                <a:tab pos="6831013" algn="l"/>
+                <a:tab pos="7745413" algn="l"/>
+                <a:tab pos="8659813" algn="l"/>
+                <a:tab pos="9574213" algn="l"/>
+                <a:tab pos="10488613" algn="l"/>
+              </a:tabLst>
+            </a:pPr>
+            <a:r>
+              <a:rPr lang="en-GB" sz="3200" dirty="0">
+                <a:solidFill>
+                  <a:srgbClr val="000000"/>
+                </a:solidFill>
+                <a:latin typeface="Times New Roman" pitchFamily="18" charset="0"/>
+              </a:rPr>
+              <a:t>Light shines on metal</a:t>
+            </a:r>
+          </a:p>
+          <a:p>
+            <a:pPr marL="887413" lvl="1" indent="-323850">
+              <a:spcBef>
+                <a:spcPts val="800"/>
+              </a:spcBef>
+              <a:buFont typeface="Times New Roman" pitchFamily="18" charset="0"/>
+              <a:buChar char="•"/>
+              <a:tabLst>
+                <a:tab pos="430213" algn="l"/>
+                <a:tab pos="1344613" algn="l"/>
+                <a:tab pos="2259013" algn="l"/>
+                <a:tab pos="3173413" algn="l"/>
+                <a:tab pos="4087813" algn="l"/>
+                <a:tab pos="5002213" algn="l"/>
+                <a:tab pos="5916613" algn="l"/>
+                <a:tab pos="6831013" algn="l"/>
+                <a:tab pos="7745413" algn="l"/>
+                <a:tab pos="8659813" algn="l"/>
+                <a:tab pos="9574213" algn="l"/>
+                <a:tab pos="10488613" algn="l"/>
+              </a:tabLst>
+            </a:pPr>
+            <a:r>
+              <a:rPr lang="en-GB" sz="3200" dirty="0">
+                <a:solidFill>
+                  <a:srgbClr val="000000"/>
+                </a:solidFill>
+                <a:latin typeface="Times New Roman" pitchFamily="18" charset="0"/>
+              </a:rPr>
+              <a:t>Classical predictions:</a:t>
+            </a:r>
+          </a:p>
+          <a:p>
+            <a:pPr marL="1344613" lvl="2" indent="-323850">
+              <a:spcBef>
+                <a:spcPts val="800"/>
+              </a:spcBef>
+              <a:buFont typeface="Times New Roman" pitchFamily="18" charset="0"/>
+              <a:buChar char="•"/>
+              <a:tabLst>
+                <a:tab pos="430213" algn="l"/>
+                <a:tab pos="1344613" algn="l"/>
+                <a:tab pos="2259013" algn="l"/>
+                <a:tab pos="3173413" algn="l"/>
+                <a:tab pos="4087813" algn="l"/>
+                <a:tab pos="5002213" algn="l"/>
+                <a:tab pos="5916613" algn="l"/>
+                <a:tab pos="6831013" algn="l"/>
+                <a:tab pos="7745413" algn="l"/>
+                <a:tab pos="8659813" algn="l"/>
+                <a:tab pos="9574213" algn="l"/>
+                <a:tab pos="10488613" algn="l"/>
+              </a:tabLst>
+            </a:pPr>
+            <a:r>
+              <a:rPr lang="en-GB" sz="2800" dirty="0">
+                <a:solidFill>
+                  <a:srgbClr val="000000"/>
+                </a:solidFill>
+                <a:latin typeface="Times New Roman" pitchFamily="18" charset="0"/>
+              </a:rPr>
+              <a:t>Electrons (e-) should “wiggle” with same frequency as light.</a:t>
+            </a:r>
+            <a:endParaRPr lang="en-GB" sz="3200" dirty="0">
+              <a:solidFill>
+                <a:srgbClr val="000000"/>
+              </a:solidFill>
+              <a:latin typeface="Times New Roman" pitchFamily="18" charset="0"/>
+            </a:endParaRPr>
+          </a:p>
+          <a:p>
+            <a:pPr marL="1344613" lvl="2" indent="-323850">
+              <a:spcBef>
+                <a:spcPts val="800"/>
+              </a:spcBef>
+              <a:buFont typeface="Times New Roman" pitchFamily="18" charset="0"/>
+              <a:buChar char="•"/>
+              <a:tabLst>
+                <a:tab pos="430213" algn="l"/>
+                <a:tab pos="1344613" algn="l"/>
+                <a:tab pos="2259013" algn="l"/>
+                <a:tab pos="3173413" algn="l"/>
+                <a:tab pos="4087813" algn="l"/>
+                <a:tab pos="5002213" algn="l"/>
+                <a:tab pos="5916613" algn="l"/>
+                <a:tab pos="6831013" algn="l"/>
+                <a:tab pos="7745413" algn="l"/>
+                <a:tab pos="8659813" algn="l"/>
+                <a:tab pos="9574213" algn="l"/>
+                <a:tab pos="10488613" algn="l"/>
+              </a:tabLst>
+            </a:pPr>
+            <a:r>
+              <a:rPr lang="en-GB" sz="2800" dirty="0">
+                <a:solidFill>
+                  <a:srgbClr val="000000"/>
+                </a:solidFill>
+                <a:latin typeface="Times New Roman" pitchFamily="18" charset="0"/>
+              </a:rPr>
+              <a:t>More intense the light, the more e- should oscillate and get kicked out.</a:t>
+            </a:r>
+          </a:p>
+        </p:txBody>
+      </p:sp>
+    </p:spTree>
+    <p:extLst>
+      <p:ext uri="{BB962C8B-B14F-4D97-AF65-F5344CB8AC3E}">
+        <p14:creationId xmlns:p14="http://schemas.microsoft.com/office/powerpoint/2010/main" val="3273103297"/>
+      </p:ext>
+    </p:extLst>
+  </p:cSld>
+  <p:clrMapOvr>
+    <a:masterClrMapping/>
+  </p:clrMapOvr>
+</p:sld>
+</file>
+
+<file path=ppt/slides/slide20.xml><?xml version="1.0" encoding="utf-8"?>
 <p:sld xmlns:a="http://schemas.openxmlformats.org/drawingml/2006/main" xmlns:r="http://schemas.openxmlformats.org/officeDocument/2006/relationships" xmlns:p="http://schemas.openxmlformats.org/presentationml/2006/main">
   <p:cSld>
     <p:spTree>
@@ -9925,7 +11748,7 @@
 </p:sld>
 </file>
 
-<file path=ppt/slides/slide17.xml><?xml version="1.0" encoding="utf-8"?>
+<file path=ppt/slides/slide21.xml><?xml version="1.0" encoding="utf-8"?>
 <p:sld xmlns:a="http://schemas.openxmlformats.org/drawingml/2006/main" xmlns:r="http://schemas.openxmlformats.org/officeDocument/2006/relationships" xmlns:p="http://schemas.openxmlformats.org/presentationml/2006/main">
   <p:cSld>
     <p:spTree>
@@ -10846,7 +12669,7 @@
 </p:sld>
 </file>
 
-<file path=ppt/slides/slide18.xml><?xml version="1.0" encoding="utf-8"?>
+<file path=ppt/slides/slide22.xml><?xml version="1.0" encoding="utf-8"?>
 <p:sld xmlns:a="http://schemas.openxmlformats.org/drawingml/2006/main" xmlns:r="http://schemas.openxmlformats.org/officeDocument/2006/relationships" xmlns:p="http://schemas.openxmlformats.org/presentationml/2006/main">
   <p:cSld>
     <p:spTree>
@@ -11653,7 +13476,7 @@
 </p:sld>
 </file>
 
-<file path=ppt/slides/slide19.xml><?xml version="1.0" encoding="utf-8"?>
+<file path=ppt/slides/slide23.xml><?xml version="1.0" encoding="utf-8"?>
 <p:sld xmlns:a="http://schemas.openxmlformats.org/drawingml/2006/main" xmlns:r="http://schemas.openxmlformats.org/officeDocument/2006/relationships" xmlns:p="http://schemas.openxmlformats.org/presentationml/2006/main">
   <p:cSld>
     <p:spTree>
@@ -12193,338 +14016,7 @@
 </p:sld>
 </file>
 
-<file path=ppt/slides/slide2.xml><?xml version="1.0" encoding="utf-8"?>
-<p:sld xmlns:a="http://schemas.openxmlformats.org/drawingml/2006/main" xmlns:r="http://schemas.openxmlformats.org/officeDocument/2006/relationships" xmlns:p="http://schemas.openxmlformats.org/presentationml/2006/main">
-  <p:cSld>
-    <p:spTree>
-      <p:nvGrpSpPr>
-        <p:cNvPr id="1" name=""/>
-        <p:cNvGrpSpPr/>
-        <p:nvPr/>
-      </p:nvGrpSpPr>
-      <p:grpSpPr>
-        <a:xfrm>
-          <a:off x="0" y="0"/>
-          <a:ext cx="0" cy="0"/>
-          <a:chOff x="0" y="0"/>
-          <a:chExt cx="0" cy="0"/>
-        </a:xfrm>
-      </p:grpSpPr>
-      <p:pic>
-        <p:nvPicPr>
-          <p:cNvPr id="4" name="Picture 2"/>
-          <p:cNvPicPr>
-            <a:picLocks noChangeAspect="1" noChangeArrowheads="1"/>
-          </p:cNvPicPr>
-          <p:nvPr/>
-        </p:nvPicPr>
-        <p:blipFill>
-          <a:blip r:embed="rId2" cstate="print"/>
-          <a:srcRect/>
-          <a:stretch>
-            <a:fillRect/>
-          </a:stretch>
-        </p:blipFill>
-        <p:spPr bwMode="auto">
-          <a:xfrm>
-            <a:off x="484188" y="76200"/>
-            <a:ext cx="8202612" cy="239712"/>
-          </a:xfrm>
-          <a:prstGeom prst="rect">
-            <a:avLst/>
-          </a:prstGeom>
-          <a:noFill/>
-          <a:ln w="9525">
-            <a:noFill/>
-            <a:round/>
-            <a:headEnd/>
-            <a:tailEnd/>
-          </a:ln>
-        </p:spPr>
-      </p:pic>
-      <p:sp>
-        <p:nvSpPr>
-          <p:cNvPr id="5" name="Rectangle 4"/>
-          <p:cNvSpPr>
-            <a:spLocks noChangeArrowheads="1"/>
-          </p:cNvSpPr>
-          <p:nvPr/>
-        </p:nvSpPr>
-        <p:spPr bwMode="auto">
-          <a:xfrm>
-            <a:off x="135468" y="84667"/>
-            <a:ext cx="8991601" cy="1127125"/>
-          </a:xfrm>
-          <a:prstGeom prst="rect">
-            <a:avLst/>
-          </a:prstGeom>
-          <a:noFill/>
-          <a:ln w="9525">
-            <a:noFill/>
-            <a:round/>
-            <a:headEnd/>
-            <a:tailEnd/>
-          </a:ln>
-        </p:spPr>
-        <p:txBody>
-          <a:bodyPr lIns="0" tIns="0" rIns="0" bIns="0" anchor="ctr"/>
-          <a:lstStyle/>
-          <a:p>
-            <a:pPr algn="ctr">
-              <a:buClr>
-                <a:srgbClr val="000000"/>
-              </a:buClr>
-              <a:buSzPct val="100000"/>
-              <a:buFont typeface="Times New Roman" pitchFamily="18" charset="0"/>
-              <a:buNone/>
-              <a:tabLst>
-                <a:tab pos="0" algn="l"/>
-                <a:tab pos="914400" algn="l"/>
-                <a:tab pos="1828800" algn="l"/>
-                <a:tab pos="2743200" algn="l"/>
-                <a:tab pos="3657600" algn="l"/>
-                <a:tab pos="4572000" algn="l"/>
-                <a:tab pos="5486400" algn="l"/>
-                <a:tab pos="6400800" algn="l"/>
-                <a:tab pos="7315200" algn="l"/>
-                <a:tab pos="8229600" algn="l"/>
-                <a:tab pos="9144000" algn="l"/>
-                <a:tab pos="10058400" algn="l"/>
-              </a:tabLst>
-            </a:pPr>
-            <a:r>
-              <a:rPr lang="en-GB" sz="4000" dirty="0">
-                <a:solidFill>
-                  <a:srgbClr val="000000"/>
-                </a:solidFill>
-                <a:latin typeface="Times New Roman" pitchFamily="18" charset="0"/>
-              </a:rPr>
-              <a:t>A Couple of More Clues</a:t>
-            </a:r>
-          </a:p>
-        </p:txBody>
-      </p:sp>
-      <p:sp>
-        <p:nvSpPr>
-          <p:cNvPr id="8" name="Rectangle 5"/>
-          <p:cNvSpPr>
-            <a:spLocks noChangeArrowheads="1"/>
-          </p:cNvSpPr>
-          <p:nvPr/>
-        </p:nvSpPr>
-        <p:spPr bwMode="auto">
-          <a:xfrm>
-            <a:off x="228600" y="1457325"/>
-            <a:ext cx="8686800" cy="4432300"/>
-          </a:xfrm>
-          <a:prstGeom prst="rect">
-            <a:avLst/>
-          </a:prstGeom>
-          <a:noFill/>
-          <a:ln w="9525">
-            <a:noFill/>
-            <a:round/>
-            <a:headEnd/>
-            <a:tailEnd/>
-          </a:ln>
-        </p:spPr>
-        <p:txBody>
-          <a:bodyPr lIns="0" tIns="0" rIns="0" bIns="0"/>
-          <a:lstStyle/>
-          <a:p>
-            <a:pPr marL="430213" indent="-323850">
-              <a:lnSpc>
-                <a:spcPct val="100000"/>
-              </a:lnSpc>
-              <a:spcBef>
-                <a:spcPts val="800"/>
-              </a:spcBef>
-              <a:buFont typeface="Times New Roman" pitchFamily="18" charset="0"/>
-              <a:buChar char="•"/>
-              <a:tabLst>
-                <a:tab pos="430213" algn="l"/>
-                <a:tab pos="1344613" algn="l"/>
-                <a:tab pos="2259013" algn="l"/>
-                <a:tab pos="3173413" algn="l"/>
-                <a:tab pos="4087813" algn="l"/>
-                <a:tab pos="5002213" algn="l"/>
-                <a:tab pos="5916613" algn="l"/>
-                <a:tab pos="6831013" algn="l"/>
-                <a:tab pos="7745413" algn="l"/>
-                <a:tab pos="8659813" algn="l"/>
-                <a:tab pos="9574213" algn="l"/>
-                <a:tab pos="10488613" algn="l"/>
-              </a:tabLst>
-            </a:pPr>
-            <a:r>
-              <a:rPr lang="en-GB" sz="3600" b="1" dirty="0">
-                <a:solidFill>
-                  <a:srgbClr val="000000"/>
-                </a:solidFill>
-                <a:latin typeface="Times New Roman" pitchFamily="18" charset="0"/>
-              </a:rPr>
-              <a:t>Photoelectric Effect</a:t>
-            </a:r>
-            <a:r>
-              <a:rPr lang="en-GB" sz="3600" dirty="0">
-                <a:solidFill>
-                  <a:srgbClr val="000000"/>
-                </a:solidFill>
-                <a:latin typeface="Times New Roman" pitchFamily="18" charset="0"/>
-              </a:rPr>
-              <a:t>: Light wave behave like particles!</a:t>
-            </a:r>
-          </a:p>
-          <a:p>
-            <a:pPr marL="887413" lvl="1" indent="-323850">
-              <a:spcBef>
-                <a:spcPts val="800"/>
-              </a:spcBef>
-              <a:buFont typeface="Times New Roman" pitchFamily="18" charset="0"/>
-              <a:buChar char="•"/>
-              <a:tabLst>
-                <a:tab pos="430213" algn="l"/>
-                <a:tab pos="1344613" algn="l"/>
-                <a:tab pos="2259013" algn="l"/>
-                <a:tab pos="3173413" algn="l"/>
-                <a:tab pos="4087813" algn="l"/>
-                <a:tab pos="5002213" algn="l"/>
-                <a:tab pos="5916613" algn="l"/>
-                <a:tab pos="6831013" algn="l"/>
-                <a:tab pos="7745413" algn="l"/>
-                <a:tab pos="8659813" algn="l"/>
-                <a:tab pos="9574213" algn="l"/>
-                <a:tab pos="10488613" algn="l"/>
-              </a:tabLst>
-            </a:pPr>
-            <a:r>
-              <a:rPr lang="en-GB" sz="3200" dirty="0">
-                <a:solidFill>
-                  <a:srgbClr val="000000"/>
-                </a:solidFill>
-                <a:latin typeface="Times New Roman" pitchFamily="18" charset="0"/>
-              </a:rPr>
-              <a:t>Light shines on metal</a:t>
-            </a:r>
-          </a:p>
-          <a:p>
-            <a:pPr marL="887413" lvl="1" indent="-323850">
-              <a:spcBef>
-                <a:spcPts val="800"/>
-              </a:spcBef>
-              <a:buFont typeface="Times New Roman" pitchFamily="18" charset="0"/>
-              <a:buChar char="•"/>
-              <a:tabLst>
-                <a:tab pos="430213" algn="l"/>
-                <a:tab pos="1344613" algn="l"/>
-                <a:tab pos="2259013" algn="l"/>
-                <a:tab pos="3173413" algn="l"/>
-                <a:tab pos="4087813" algn="l"/>
-                <a:tab pos="5002213" algn="l"/>
-                <a:tab pos="5916613" algn="l"/>
-                <a:tab pos="6831013" algn="l"/>
-                <a:tab pos="7745413" algn="l"/>
-                <a:tab pos="8659813" algn="l"/>
-                <a:tab pos="9574213" algn="l"/>
-                <a:tab pos="10488613" algn="l"/>
-              </a:tabLst>
-            </a:pPr>
-            <a:r>
-              <a:rPr lang="en-GB" sz="3200" dirty="0">
-                <a:solidFill>
-                  <a:srgbClr val="000000"/>
-                </a:solidFill>
-                <a:latin typeface="Times New Roman" pitchFamily="18" charset="0"/>
-              </a:rPr>
-              <a:t>Classical predictions:</a:t>
-            </a:r>
-          </a:p>
-          <a:p>
-            <a:pPr marL="1344613" lvl="2" indent="-323850">
-              <a:spcBef>
-                <a:spcPts val="800"/>
-              </a:spcBef>
-              <a:buFont typeface="Times New Roman" pitchFamily="18" charset="0"/>
-              <a:buChar char="•"/>
-              <a:tabLst>
-                <a:tab pos="430213" algn="l"/>
-                <a:tab pos="1344613" algn="l"/>
-                <a:tab pos="2259013" algn="l"/>
-                <a:tab pos="3173413" algn="l"/>
-                <a:tab pos="4087813" algn="l"/>
-                <a:tab pos="5002213" algn="l"/>
-                <a:tab pos="5916613" algn="l"/>
-                <a:tab pos="6831013" algn="l"/>
-                <a:tab pos="7745413" algn="l"/>
-                <a:tab pos="8659813" algn="l"/>
-                <a:tab pos="9574213" algn="l"/>
-                <a:tab pos="10488613" algn="l"/>
-              </a:tabLst>
-            </a:pPr>
-            <a:r>
-              <a:rPr lang="en-GB" sz="2800" dirty="0">
-                <a:solidFill>
-                  <a:srgbClr val="000000"/>
-                </a:solidFill>
-                <a:latin typeface="Times New Roman" pitchFamily="18" charset="0"/>
-              </a:rPr>
-              <a:t>Electrons (e-) should “wiggle” with same frequency as light.</a:t>
-            </a:r>
-            <a:endParaRPr lang="en-GB" sz="3200" dirty="0">
-              <a:solidFill>
-                <a:srgbClr val="000000"/>
-              </a:solidFill>
-              <a:latin typeface="Times New Roman" pitchFamily="18" charset="0"/>
-            </a:endParaRPr>
-          </a:p>
-          <a:p>
-            <a:pPr marL="1344613" lvl="2" indent="-323850">
-              <a:spcBef>
-                <a:spcPts val="800"/>
-              </a:spcBef>
-              <a:buFont typeface="Times New Roman" pitchFamily="18" charset="0"/>
-              <a:buChar char="•"/>
-              <a:tabLst>
-                <a:tab pos="430213" algn="l"/>
-                <a:tab pos="1344613" algn="l"/>
-                <a:tab pos="2259013" algn="l"/>
-                <a:tab pos="3173413" algn="l"/>
-                <a:tab pos="4087813" algn="l"/>
-                <a:tab pos="5002213" algn="l"/>
-                <a:tab pos="5916613" algn="l"/>
-                <a:tab pos="6831013" algn="l"/>
-                <a:tab pos="7745413" algn="l"/>
-                <a:tab pos="8659813" algn="l"/>
-                <a:tab pos="9574213" algn="l"/>
-                <a:tab pos="10488613" algn="l"/>
-              </a:tabLst>
-            </a:pPr>
-            <a:r>
-              <a:rPr lang="en-GB" sz="2800" dirty="0">
-                <a:solidFill>
-                  <a:srgbClr val="000000"/>
-                </a:solidFill>
-                <a:latin typeface="Times New Roman" pitchFamily="18" charset="0"/>
-              </a:rPr>
-              <a:t>More intense the light, the more e- should oscillate and get kicked out.</a:t>
-            </a:r>
-          </a:p>
-        </p:txBody>
-      </p:sp>
-    </p:spTree>
-    <p:extLst>
-      <p:ext uri="{BB962C8B-B14F-4D97-AF65-F5344CB8AC3E}">
-        <p14:creationId xmlns:p14="http://schemas.microsoft.com/office/powerpoint/2010/main" val="3273103297"/>
-      </p:ext>
-    </p:extLst>
-  </p:cSld>
-  <p:clrMapOvr>
-    <a:masterClrMapping/>
-  </p:clrMapOvr>
-</p:sld>
-</file>
-
-<file path=ppt/slides/slide20.xml><?xml version="1.0" encoding="utf-8"?>
+<file path=ppt/slides/slide24.xml><?xml version="1.0" encoding="utf-8"?>
 <p:sld xmlns:a="http://schemas.openxmlformats.org/drawingml/2006/main" xmlns:r="http://schemas.openxmlformats.org/officeDocument/2006/relationships" xmlns:p="http://schemas.openxmlformats.org/presentationml/2006/main">
   <p:cSld>
     <p:spTree>
@@ -13077,7 +14569,7 @@
 </p:sld>
 </file>
 
-<file path=ppt/slides/slide21.xml><?xml version="1.0" encoding="utf-8"?>
+<file path=ppt/slides/slide25.xml><?xml version="1.0" encoding="utf-8"?>
 <p:sld xmlns:a="http://schemas.openxmlformats.org/drawingml/2006/main" xmlns:r="http://schemas.openxmlformats.org/officeDocument/2006/relationships" xmlns:p="http://schemas.openxmlformats.org/presentationml/2006/main">
   <p:cSld>
     <p:spTree>
@@ -13553,7 +15045,7 @@
 </p:sld>
 </file>
 
-<file path=ppt/slides/slide22.xml><?xml version="1.0" encoding="utf-8"?>
+<file path=ppt/slides/slide26.xml><?xml version="1.0" encoding="utf-8"?>
 <p:sld xmlns:a="http://schemas.openxmlformats.org/drawingml/2006/main" xmlns:r="http://schemas.openxmlformats.org/officeDocument/2006/relationships" xmlns:p="http://schemas.openxmlformats.org/presentationml/2006/main">
   <p:cSld>
     <p:spTree>
@@ -14279,7 +15771,7 @@
 </p:sld>
 </file>
 
-<file path=ppt/slides/slide23.xml><?xml version="1.0" encoding="utf-8"?>
+<file path=ppt/slides/slide27.xml><?xml version="1.0" encoding="utf-8"?>
 <p:sld xmlns:a="http://schemas.openxmlformats.org/drawingml/2006/main" xmlns:r="http://schemas.openxmlformats.org/officeDocument/2006/relationships" xmlns:p="http://schemas.openxmlformats.org/presentationml/2006/main">
   <p:cSld>
     <p:spTree>
@@ -18741,6 +20233,345 @@
           <a:chExt cx="0" cy="0"/>
         </a:xfrm>
       </p:grpSpPr>
+      <p:sp>
+        <p:nvSpPr>
+          <p:cNvPr id="4" name="Rectangle 3">
+            <a:extLst>
+              <a:ext uri="{FF2B5EF4-FFF2-40B4-BE49-F238E27FC236}">
+                <a16:creationId xmlns:a16="http://schemas.microsoft.com/office/drawing/2014/main" id="{A0AE2A77-3CE5-7C6E-BE65-2FDF6ADBFCCF}"/>
+              </a:ext>
+            </a:extLst>
+          </p:cNvPr>
+          <p:cNvSpPr/>
+          <p:nvPr/>
+        </p:nvSpPr>
+        <p:spPr>
+          <a:xfrm>
+            <a:off x="613141" y="1306756"/>
+            <a:ext cx="8002719" cy="3477875"/>
+          </a:xfrm>
+          <a:prstGeom prst="rect">
+            <a:avLst/>
+          </a:prstGeom>
+          <a:solidFill>
+            <a:srgbClr val="000C78"/>
+          </a:solidFill>
+        </p:spPr>
+        <p:txBody>
+          <a:bodyPr wrap="square">
+            <a:spAutoFit/>
+          </a:bodyPr>
+          <a:lstStyle/>
+          <a:p>
+            <a:r>
+              <a:rPr lang="en-US" sz="2000" dirty="0">
+                <a:solidFill>
+                  <a:schemeClr val="bg1"/>
+                </a:solidFill>
+                <a:latin typeface="Courier"/>
+                <a:cs typeface="Courier"/>
+              </a:rPr>
+              <a:t>library(che302r)</a:t>
+            </a:r>
+          </a:p>
+          <a:p>
+            <a:endParaRPr lang="en-US" sz="2000" dirty="0">
+              <a:solidFill>
+                <a:schemeClr val="bg1"/>
+              </a:solidFill>
+              <a:latin typeface="Courier"/>
+              <a:cs typeface="Courier"/>
+            </a:endParaRPr>
+          </a:p>
+          <a:p>
+            <a:r>
+              <a:rPr lang="en-US" sz="2000" dirty="0">
+                <a:solidFill>
+                  <a:schemeClr val="bg1"/>
+                </a:solidFill>
+                <a:latin typeface="Courier"/>
+                <a:cs typeface="Courier"/>
+              </a:rPr>
+              <a:t>Phi  &lt;- 4.73               </a:t>
+            </a:r>
+            <a:r>
+              <a:rPr lang="en-US" sz="2000" dirty="0">
+                <a:solidFill>
+                  <a:srgbClr val="FFFF00"/>
+                </a:solidFill>
+                <a:latin typeface="Courier"/>
+                <a:cs typeface="Courier"/>
+              </a:rPr>
+              <a:t># Work function in eV</a:t>
+            </a:r>
+          </a:p>
+          <a:p>
+            <a:r>
+              <a:rPr lang="en-US" sz="2000" dirty="0">
+                <a:solidFill>
+                  <a:schemeClr val="bg1"/>
+                </a:solidFill>
+                <a:latin typeface="Courier"/>
+                <a:cs typeface="Courier"/>
+              </a:rPr>
+              <a:t>lambda &lt;- 0.1e-9           </a:t>
+            </a:r>
+            <a:r>
+              <a:rPr lang="en-US" sz="2000" dirty="0">
+                <a:solidFill>
+                  <a:srgbClr val="FFFF00"/>
+                </a:solidFill>
+                <a:latin typeface="Courier"/>
+                <a:cs typeface="Courier"/>
+              </a:rPr>
+              <a:t># Photon wavelength</a:t>
+            </a:r>
+          </a:p>
+          <a:p>
+            <a:r>
+              <a:rPr lang="en-US" sz="2000" dirty="0">
+                <a:solidFill>
+                  <a:schemeClr val="bg1"/>
+                </a:solidFill>
+                <a:latin typeface="Courier"/>
+                <a:cs typeface="Courier"/>
+              </a:rPr>
+              <a:t>me &lt;- 9.1093837015e-31     </a:t>
+            </a:r>
+            <a:r>
+              <a:rPr lang="en-US" sz="2000" dirty="0">
+                <a:solidFill>
+                  <a:srgbClr val="FFFF00"/>
+                </a:solidFill>
+                <a:latin typeface="Courier"/>
+                <a:cs typeface="Courier"/>
+              </a:rPr>
+              <a:t># Mass e-</a:t>
+            </a:r>
+          </a:p>
+          <a:p>
+            <a:endParaRPr lang="en-US" sz="2000" dirty="0">
+              <a:solidFill>
+                <a:schemeClr val="bg1"/>
+              </a:solidFill>
+              <a:latin typeface="Courier"/>
+              <a:cs typeface="Courier"/>
+            </a:endParaRPr>
+          </a:p>
+          <a:p>
+            <a:r>
+              <a:rPr lang="en-US" sz="2000" dirty="0" err="1">
+                <a:solidFill>
+                  <a:schemeClr val="bg1"/>
+                </a:solidFill>
+                <a:latin typeface="Courier"/>
+                <a:cs typeface="Courier"/>
+              </a:rPr>
+              <a:t>PhiJ</a:t>
+            </a:r>
+            <a:r>
+              <a:rPr lang="en-US" sz="2000" dirty="0">
+                <a:solidFill>
+                  <a:schemeClr val="bg1"/>
+                </a:solidFill>
+                <a:latin typeface="Courier"/>
+                <a:cs typeface="Courier"/>
+              </a:rPr>
+              <a:t> &lt;- Phi * 1.602177e-19 </a:t>
+            </a:r>
+            <a:r>
+              <a:rPr lang="en-US" sz="2000" dirty="0">
+                <a:solidFill>
+                  <a:srgbClr val="FFFF00"/>
+                </a:solidFill>
+                <a:latin typeface="Courier"/>
+                <a:cs typeface="Courier"/>
+              </a:rPr>
+              <a:t># Convert to J</a:t>
+            </a:r>
+          </a:p>
+          <a:p>
+            <a:r>
+              <a:rPr lang="en-US" sz="2000" dirty="0">
+                <a:solidFill>
+                  <a:schemeClr val="bg1"/>
+                </a:solidFill>
+                <a:latin typeface="Courier"/>
+                <a:cs typeface="Courier"/>
+              </a:rPr>
+              <a:t>Eph  &lt;- h * cl/lambda</a:t>
+            </a:r>
+          </a:p>
+          <a:p>
+            <a:endParaRPr lang="en-US" sz="2000" dirty="0">
+              <a:solidFill>
+                <a:schemeClr val="bg1"/>
+              </a:solidFill>
+              <a:latin typeface="Courier"/>
+              <a:cs typeface="Courier"/>
+            </a:endParaRPr>
+          </a:p>
+          <a:p>
+            <a:r>
+              <a:rPr lang="en-US" sz="2000" dirty="0" err="1">
+                <a:solidFill>
+                  <a:schemeClr val="bg1"/>
+                </a:solidFill>
+                <a:latin typeface="Courier"/>
+                <a:cs typeface="Courier"/>
+              </a:rPr>
+              <a:t>ve</a:t>
+            </a:r>
+            <a:r>
+              <a:rPr lang="en-US" sz="2000" dirty="0">
+                <a:solidFill>
+                  <a:schemeClr val="bg1"/>
+                </a:solidFill>
+                <a:latin typeface="Courier"/>
+                <a:cs typeface="Courier"/>
+              </a:rPr>
+              <a:t> &lt;- sqrt(2*(Eph - </a:t>
+            </a:r>
+            <a:r>
+              <a:rPr lang="en-US" sz="2000" dirty="0" err="1">
+                <a:solidFill>
+                  <a:schemeClr val="bg1"/>
+                </a:solidFill>
+                <a:latin typeface="Courier"/>
+                <a:cs typeface="Courier"/>
+              </a:rPr>
+              <a:t>PhiJ</a:t>
+            </a:r>
+            <a:r>
+              <a:rPr lang="en-US" sz="2000" dirty="0">
+                <a:solidFill>
+                  <a:schemeClr val="bg1"/>
+                </a:solidFill>
+                <a:latin typeface="Courier"/>
+                <a:cs typeface="Courier"/>
+              </a:rPr>
+              <a:t>)/me)</a:t>
+            </a:r>
+          </a:p>
+          <a:p>
+            <a:r>
+              <a:rPr lang="en-US" sz="2000" dirty="0" err="1">
+                <a:solidFill>
+                  <a:schemeClr val="bg1"/>
+                </a:solidFill>
+                <a:latin typeface="Courier"/>
+                <a:cs typeface="Courier"/>
+              </a:rPr>
+              <a:t>ve</a:t>
+            </a:r>
+            <a:endParaRPr lang="en-US" sz="2000" dirty="0">
+              <a:solidFill>
+                <a:schemeClr val="bg1"/>
+              </a:solidFill>
+              <a:latin typeface="Courier"/>
+              <a:cs typeface="Courier"/>
+            </a:endParaRPr>
+          </a:p>
+        </p:txBody>
+      </p:sp>
+      <p:pic>
+        <p:nvPicPr>
+          <p:cNvPr id="5" name="Picture 2">
+            <a:extLst>
+              <a:ext uri="{FF2B5EF4-FFF2-40B4-BE49-F238E27FC236}">
+                <a16:creationId xmlns:a16="http://schemas.microsoft.com/office/drawing/2014/main" id="{8ACDF6A8-70F0-446E-FDAD-E68DDF0F7A3B}"/>
+              </a:ext>
+            </a:extLst>
+          </p:cNvPr>
+          <p:cNvPicPr>
+            <a:picLocks noChangeAspect="1" noChangeArrowheads="1"/>
+          </p:cNvPicPr>
+          <p:nvPr/>
+        </p:nvPicPr>
+        <p:blipFill>
+          <a:blip r:embed="rId2" cstate="print"/>
+          <a:srcRect/>
+          <a:stretch>
+            <a:fillRect/>
+          </a:stretch>
+        </p:blipFill>
+        <p:spPr bwMode="auto">
+          <a:xfrm>
+            <a:off x="484188" y="76200"/>
+            <a:ext cx="8202612" cy="239712"/>
+          </a:xfrm>
+          <a:prstGeom prst="rect">
+            <a:avLst/>
+          </a:prstGeom>
+          <a:noFill/>
+          <a:ln w="9525">
+            <a:noFill/>
+            <a:round/>
+            <a:headEnd/>
+            <a:tailEnd/>
+          </a:ln>
+        </p:spPr>
+      </p:pic>
+      <p:pic>
+        <p:nvPicPr>
+          <p:cNvPr id="6" name="Picture 5">
+            <a:extLst>
+              <a:ext uri="{FF2B5EF4-FFF2-40B4-BE49-F238E27FC236}">
+                <a16:creationId xmlns:a16="http://schemas.microsoft.com/office/drawing/2014/main" id="{F96DD883-31E5-6D5D-18ED-C242732023D6}"/>
+              </a:ext>
+            </a:extLst>
+          </p:cNvPr>
+          <p:cNvPicPr>
+            <a:picLocks noChangeAspect="1"/>
+          </p:cNvPicPr>
+          <p:nvPr/>
+        </p:nvPicPr>
+        <p:blipFill>
+          <a:blip r:embed="rId3"/>
+          <a:stretch>
+            <a:fillRect/>
+          </a:stretch>
+        </p:blipFill>
+        <p:spPr>
+          <a:xfrm>
+            <a:off x="2741246" y="5171981"/>
+            <a:ext cx="3184394" cy="1206988"/>
+          </a:xfrm>
+          <a:prstGeom prst="rect">
+            <a:avLst/>
+          </a:prstGeom>
+        </p:spPr>
+      </p:pic>
+    </p:spTree>
+    <p:extLst>
+      <p:ext uri="{BB962C8B-B14F-4D97-AF65-F5344CB8AC3E}">
+        <p14:creationId xmlns:p14="http://schemas.microsoft.com/office/powerpoint/2010/main" val="3127380851"/>
+      </p:ext>
+    </p:extLst>
+  </p:cSld>
+  <p:clrMapOvr>
+    <a:masterClrMapping/>
+  </p:clrMapOvr>
+</p:sld>
+</file>
+
+<file path=ppt/slides/slide6.xml><?xml version="1.0" encoding="utf-8"?>
+<p:sld xmlns:a="http://schemas.openxmlformats.org/drawingml/2006/main" xmlns:r="http://schemas.openxmlformats.org/officeDocument/2006/relationships" xmlns:p="http://schemas.openxmlformats.org/presentationml/2006/main">
+  <p:cSld>
+    <p:spTree>
+      <p:nvGrpSpPr>
+        <p:cNvPr id="1" name=""/>
+        <p:cNvGrpSpPr/>
+        <p:nvPr/>
+      </p:nvGrpSpPr>
+      <p:grpSpPr>
+        <a:xfrm>
+          <a:off x="0" y="0"/>
+          <a:ext cx="0" cy="0"/>
+          <a:chOff x="0" y="0"/>
+          <a:chExt cx="0" cy="0"/>
+        </a:xfrm>
+      </p:grpSpPr>
       <p:pic>
         <p:nvPicPr>
           <p:cNvPr id="4" name="Picture 2"/>
@@ -18750,7 +20581,7 @@
           <p:nvPr/>
         </p:nvPicPr>
         <p:blipFill>
-          <a:blip r:embed="rId3" cstate="print"/>
+          <a:blip r:embed="rId2" cstate="print"/>
           <a:srcRect/>
           <a:stretch>
             <a:fillRect/>
@@ -18994,12 +20825,12 @@
           <a:graphicData uri="http://schemas.openxmlformats.org/presentationml/2006/ole">
             <mc:AlternateContent xmlns:mc="http://schemas.openxmlformats.org/markup-compatibility/2006">
               <mc:Choice xmlns:v="urn:schemas-microsoft-com:vml" Requires="v">
-                <p:oleObj spid="_x0000_s1138" r:id="rId4" imgW="723960" imgH="361800" progId="">
+                <p:oleObj r:id="rId3" imgW="723960" imgH="361800" progId="">
                   <p:embed/>
                 </p:oleObj>
               </mc:Choice>
               <mc:Fallback>
-                <p:oleObj r:id="rId4" imgW="723960" imgH="361800" progId="">
+                <p:oleObj r:id="rId3" imgW="723960" imgH="361800" progId="">
                   <p:embed/>
                   <p:pic>
                     <p:nvPicPr>
@@ -19010,7 +20841,7 @@
                       <p:nvPr/>
                     </p:nvPicPr>
                     <p:blipFill>
-                      <a:blip r:embed="rId5">
+                      <a:blip r:embed="rId4">
                         <a:extLst>
                           <a:ext uri="{28A0092B-C50C-407E-A947-70E740481C1C}">
                             <a14:useLocalDpi xmlns:a14="http://schemas.microsoft.com/office/drawing/2010/main" val="0"/>
@@ -19033,7 +20864,7 @@
                       <a:noFill/>
                       <a:extLst>
                         <a:ext uri="{909E8E84-426E-40dd-AFC4-6F175D3DCCD1}">
-                          <a14:hiddenFill xmlns:a14="http://schemas.microsoft.com/office/drawing/2010/main" xmlns="">
+                          <a14:hiddenFill xmlns="" xmlns:a14="http://schemas.microsoft.com/office/drawing/2010/main">
                             <a:blipFill dpi="0" rotWithShape="0">
                               <a:blip/>
                               <a:srcRect/>
@@ -19074,12 +20905,12 @@
           <a:graphicData uri="http://schemas.openxmlformats.org/presentationml/2006/ole">
             <mc:AlternateContent xmlns:mc="http://schemas.openxmlformats.org/markup-compatibility/2006">
               <mc:Choice xmlns:v="urn:schemas-microsoft-com:vml" Requires="v">
-                <p:oleObj spid="_x0000_s1139" r:id="rId6" imgW="76320" imgH="181080" progId="">
+                <p:oleObj r:id="rId5" imgW="76320" imgH="181080" progId="">
                   <p:embed/>
                 </p:oleObj>
               </mc:Choice>
               <mc:Fallback>
-                <p:oleObj r:id="rId6" imgW="76320" imgH="181080" progId="">
+                <p:oleObj r:id="rId5" imgW="76320" imgH="181080" progId="">
                   <p:embed/>
                   <p:pic>
                     <p:nvPicPr>
@@ -19090,7 +20921,7 @@
                       <p:nvPr/>
                     </p:nvPicPr>
                     <p:blipFill>
-                      <a:blip r:embed="rId7">
+                      <a:blip r:embed="rId6">
                         <a:extLst>
                           <a:ext uri="{28A0092B-C50C-407E-A947-70E740481C1C}">
                             <a14:useLocalDpi xmlns:a14="http://schemas.microsoft.com/office/drawing/2010/main" val="0"/>
@@ -19113,7 +20944,7 @@
                       <a:noFill/>
                       <a:extLst>
                         <a:ext uri="{909E8E84-426E-40dd-AFC4-6F175D3DCCD1}">
-                          <a14:hiddenFill xmlns:a14="http://schemas.microsoft.com/office/drawing/2010/main" xmlns="">
+                          <a14:hiddenFill xmlns="" xmlns:a14="http://schemas.microsoft.com/office/drawing/2010/main">
                             <a:blipFill dpi="0" rotWithShape="0">
                               <a:blip/>
                               <a:srcRect/>
@@ -19141,7 +20972,7 @@
           <p:nvPr/>
         </p:nvPicPr>
         <p:blipFill>
-          <a:blip r:embed="rId8"/>
+          <a:blip r:embed="rId7"/>
           <a:stretch>
             <a:fillRect/>
           </a:stretch>
@@ -20153,7 +21984,7 @@
 </p:sld>
 </file>
 
-<file path=ppt/slides/slide6.xml><?xml version="1.0" encoding="utf-8"?>
+<file path=ppt/slides/slide7.xml><?xml version="1.0" encoding="utf-8"?>
 <p:sld xmlns:a="http://schemas.openxmlformats.org/drawingml/2006/main" xmlns:r="http://schemas.openxmlformats.org/officeDocument/2006/relationships" xmlns:p="http://schemas.openxmlformats.org/presentationml/2006/main">
   <p:cSld>
     <p:spTree>
@@ -20541,7 +22372,7 @@
 </p:sld>
 </file>
 
-<file path=ppt/slides/slide7.xml><?xml version="1.0" encoding="utf-8"?>
+<file path=ppt/slides/slide8.xml><?xml version="1.0" encoding="utf-8"?>
 <p:sld xmlns:a="http://schemas.openxmlformats.org/drawingml/2006/main" xmlns:r="http://schemas.openxmlformats.org/officeDocument/2006/relationships" xmlns:p="http://schemas.openxmlformats.org/presentationml/2006/main">
   <p:cSld>
     <p:spTree>
@@ -21262,7 +23093,7 @@
 </p:sld>
 </file>
 
-<file path=ppt/slides/slide8.xml><?xml version="1.0" encoding="utf-8"?>
+<file path=ppt/slides/slide9.xml><?xml version="1.0" encoding="utf-8"?>
 <p:sld xmlns:a="http://schemas.openxmlformats.org/drawingml/2006/main" xmlns:r="http://schemas.openxmlformats.org/officeDocument/2006/relationships" xmlns:p="http://schemas.openxmlformats.org/presentationml/2006/main">
   <p:cSld>
     <p:spTree>
@@ -22822,339 +24653,6 @@
 </p:sld>
 </file>
 
-<file path=ppt/slides/slide9.xml><?xml version="1.0" encoding="utf-8"?>
-<p:sld xmlns:a="http://schemas.openxmlformats.org/drawingml/2006/main" xmlns:r="http://schemas.openxmlformats.org/officeDocument/2006/relationships" xmlns:p="http://schemas.openxmlformats.org/presentationml/2006/main">
-  <p:cSld>
-    <p:spTree>
-      <p:nvGrpSpPr>
-        <p:cNvPr id="1" name=""/>
-        <p:cNvGrpSpPr/>
-        <p:nvPr/>
-      </p:nvGrpSpPr>
-      <p:grpSpPr>
-        <a:xfrm>
-          <a:off x="0" y="0"/>
-          <a:ext cx="0" cy="0"/>
-          <a:chOff x="0" y="0"/>
-          <a:chExt cx="0" cy="0"/>
-        </a:xfrm>
-      </p:grpSpPr>
-      <p:pic>
-        <p:nvPicPr>
-          <p:cNvPr id="4" name="Picture 2"/>
-          <p:cNvPicPr>
-            <a:picLocks noChangeAspect="1" noChangeArrowheads="1"/>
-          </p:cNvPicPr>
-          <p:nvPr/>
-        </p:nvPicPr>
-        <p:blipFill>
-          <a:blip r:embed="rId2" cstate="print"/>
-          <a:srcRect/>
-          <a:stretch>
-            <a:fillRect/>
-          </a:stretch>
-        </p:blipFill>
-        <p:spPr bwMode="auto">
-          <a:xfrm>
-            <a:off x="484188" y="76200"/>
-            <a:ext cx="8202612" cy="239712"/>
-          </a:xfrm>
-          <a:prstGeom prst="rect">
-            <a:avLst/>
-          </a:prstGeom>
-          <a:noFill/>
-          <a:ln w="9525">
-            <a:noFill/>
-            <a:round/>
-            <a:headEnd/>
-            <a:tailEnd/>
-          </a:ln>
-        </p:spPr>
-      </p:pic>
-      <p:sp>
-        <p:nvSpPr>
-          <p:cNvPr id="5" name="Rectangle 4"/>
-          <p:cNvSpPr>
-            <a:spLocks noChangeArrowheads="1"/>
-          </p:cNvSpPr>
-          <p:nvPr/>
-        </p:nvSpPr>
-        <p:spPr bwMode="auto">
-          <a:xfrm>
-            <a:off x="135468" y="84667"/>
-            <a:ext cx="8991601" cy="1127125"/>
-          </a:xfrm>
-          <a:prstGeom prst="rect">
-            <a:avLst/>
-          </a:prstGeom>
-          <a:noFill/>
-          <a:ln w="9525">
-            <a:noFill/>
-            <a:round/>
-            <a:headEnd/>
-            <a:tailEnd/>
-          </a:ln>
-        </p:spPr>
-        <p:txBody>
-          <a:bodyPr lIns="0" tIns="0" rIns="0" bIns="0" anchor="ctr"/>
-          <a:lstStyle/>
-          <a:p>
-            <a:pPr algn="ctr">
-              <a:buClr>
-                <a:srgbClr val="000000"/>
-              </a:buClr>
-              <a:buSzPct val="100000"/>
-              <a:buFont typeface="Times New Roman" pitchFamily="18" charset="0"/>
-              <a:buNone/>
-              <a:tabLst>
-                <a:tab pos="0" algn="l"/>
-                <a:tab pos="914400" algn="l"/>
-                <a:tab pos="1828800" algn="l"/>
-                <a:tab pos="2743200" algn="l"/>
-                <a:tab pos="3657600" algn="l"/>
-                <a:tab pos="4572000" algn="l"/>
-                <a:tab pos="5486400" algn="l"/>
-                <a:tab pos="6400800" algn="l"/>
-                <a:tab pos="7315200" algn="l"/>
-                <a:tab pos="8229600" algn="l"/>
-                <a:tab pos="9144000" algn="l"/>
-                <a:tab pos="10058400" algn="l"/>
-              </a:tabLst>
-            </a:pPr>
-            <a:r>
-              <a:rPr lang="en-GB" sz="4000" dirty="0">
-                <a:solidFill>
-                  <a:srgbClr val="000000"/>
-                </a:solidFill>
-                <a:latin typeface="Times New Roman" pitchFamily="18" charset="0"/>
-              </a:rPr>
-              <a:t>A Couple of More Clues</a:t>
-            </a:r>
-          </a:p>
-        </p:txBody>
-      </p:sp>
-      <p:sp>
-        <p:nvSpPr>
-          <p:cNvPr id="8" name="Rectangle 5"/>
-          <p:cNvSpPr>
-            <a:spLocks noChangeArrowheads="1"/>
-          </p:cNvSpPr>
-          <p:nvPr/>
-        </p:nvSpPr>
-        <p:spPr bwMode="auto">
-          <a:xfrm>
-            <a:off x="228600" y="1108075"/>
-            <a:ext cx="8686800" cy="2273300"/>
-          </a:xfrm>
-          <a:prstGeom prst="rect">
-            <a:avLst/>
-          </a:prstGeom>
-          <a:noFill/>
-          <a:ln w="9525">
-            <a:noFill/>
-            <a:round/>
-            <a:headEnd/>
-            <a:tailEnd/>
-          </a:ln>
-        </p:spPr>
-        <p:txBody>
-          <a:bodyPr lIns="0" tIns="0" rIns="0" bIns="0"/>
-          <a:lstStyle/>
-          <a:p>
-            <a:pPr marL="430213" indent="-323850">
-              <a:lnSpc>
-                <a:spcPct val="100000"/>
-              </a:lnSpc>
-              <a:spcBef>
-                <a:spcPts val="800"/>
-              </a:spcBef>
-              <a:buFont typeface="Times New Roman" pitchFamily="18" charset="0"/>
-              <a:buChar char="•"/>
-              <a:tabLst>
-                <a:tab pos="430213" algn="l"/>
-                <a:tab pos="1344613" algn="l"/>
-                <a:tab pos="2259013" algn="l"/>
-                <a:tab pos="3173413" algn="l"/>
-                <a:tab pos="4087813" algn="l"/>
-                <a:tab pos="5002213" algn="l"/>
-                <a:tab pos="5916613" algn="l"/>
-                <a:tab pos="6831013" algn="l"/>
-                <a:tab pos="7745413" algn="l"/>
-                <a:tab pos="8659813" algn="l"/>
-                <a:tab pos="9574213" algn="l"/>
-                <a:tab pos="10488613" algn="l"/>
-              </a:tabLst>
-            </a:pPr>
-            <a:r>
-              <a:rPr lang="en-GB" sz="3200" b="1" dirty="0">
-                <a:solidFill>
-                  <a:srgbClr val="000000"/>
-                </a:solidFill>
-                <a:latin typeface="Times New Roman" pitchFamily="18" charset="0"/>
-              </a:rPr>
-              <a:t>Hydrogen Atomic Spectra</a:t>
-            </a:r>
-          </a:p>
-          <a:p>
-            <a:pPr marL="887413" lvl="1" indent="-323850">
-              <a:spcBef>
-                <a:spcPts val="800"/>
-              </a:spcBef>
-              <a:buFont typeface="Times New Roman" pitchFamily="18" charset="0"/>
-              <a:buChar char="•"/>
-              <a:tabLst>
-                <a:tab pos="430213" algn="l"/>
-                <a:tab pos="1344613" algn="l"/>
-                <a:tab pos="2259013" algn="l"/>
-                <a:tab pos="3173413" algn="l"/>
-                <a:tab pos="4087813" algn="l"/>
-                <a:tab pos="5002213" algn="l"/>
-                <a:tab pos="5916613" algn="l"/>
-                <a:tab pos="6831013" algn="l"/>
-                <a:tab pos="7745413" algn="l"/>
-                <a:tab pos="8659813" algn="l"/>
-                <a:tab pos="9574213" algn="l"/>
-                <a:tab pos="10488613" algn="l"/>
-              </a:tabLst>
-            </a:pPr>
-            <a:r>
-              <a:rPr lang="en-GB" sz="2800" dirty="0">
-                <a:solidFill>
-                  <a:srgbClr val="000000"/>
-                </a:solidFill>
-                <a:latin typeface="Times New Roman" pitchFamily="18" charset="0"/>
-              </a:rPr>
-              <a:t>Determine an expression for </a:t>
-            </a:r>
-            <a:r>
-              <a:rPr lang="en-GB" sz="2800" i="1" dirty="0">
-                <a:solidFill>
-                  <a:srgbClr val="000000"/>
-                </a:solidFill>
-                <a:latin typeface="Times New Roman" pitchFamily="18" charset="0"/>
-              </a:rPr>
-              <a:t>n</a:t>
-            </a:r>
-            <a:r>
-              <a:rPr lang="en-GB" sz="2800" baseline="-25000" dirty="0">
-                <a:solidFill>
-                  <a:srgbClr val="000000"/>
-                </a:solidFill>
-                <a:latin typeface="Times New Roman" pitchFamily="18" charset="0"/>
-              </a:rPr>
-              <a:t>2</a:t>
-            </a:r>
-            <a:r>
-              <a:rPr lang="en-GB" sz="2800" dirty="0">
-                <a:solidFill>
-                  <a:srgbClr val="000000"/>
-                </a:solidFill>
-                <a:latin typeface="Times New Roman" pitchFamily="18" charset="0"/>
-              </a:rPr>
-              <a:t> in terms of </a:t>
-            </a:r>
-            <a:r>
-              <a:rPr lang="en-GB" sz="2800" i="1" dirty="0">
-                <a:solidFill>
-                  <a:srgbClr val="000000"/>
-                </a:solidFill>
-                <a:latin typeface="Times New Roman" pitchFamily="18" charset="0"/>
-              </a:rPr>
-              <a:t>n</a:t>
-            </a:r>
-            <a:r>
-              <a:rPr lang="en-GB" sz="2800" baseline="-25000" dirty="0">
-                <a:solidFill>
-                  <a:srgbClr val="000000"/>
-                </a:solidFill>
-                <a:latin typeface="Times New Roman" pitchFamily="18" charset="0"/>
-              </a:rPr>
-              <a:t>1</a:t>
-            </a:r>
-            <a:r>
-              <a:rPr lang="en-GB" sz="2800" dirty="0">
-                <a:solidFill>
-                  <a:srgbClr val="000000"/>
-                </a:solidFill>
-                <a:latin typeface="Times New Roman" pitchFamily="18" charset="0"/>
-              </a:rPr>
-              <a:t> and the excitation wavenumber.</a:t>
-            </a:r>
-          </a:p>
-          <a:p>
-            <a:pPr marL="1344613" lvl="2" indent="-323850">
-              <a:spcBef>
-                <a:spcPts val="800"/>
-              </a:spcBef>
-              <a:buFont typeface="Times New Roman" pitchFamily="18" charset="0"/>
-              <a:buChar char="•"/>
-              <a:tabLst>
-                <a:tab pos="430213" algn="l"/>
-                <a:tab pos="1344613" algn="l"/>
-                <a:tab pos="2259013" algn="l"/>
-                <a:tab pos="3173413" algn="l"/>
-                <a:tab pos="4087813" algn="l"/>
-                <a:tab pos="5002213" algn="l"/>
-                <a:tab pos="5916613" algn="l"/>
-                <a:tab pos="6831013" algn="l"/>
-                <a:tab pos="7745413" algn="l"/>
-                <a:tab pos="8659813" algn="l"/>
-                <a:tab pos="9574213" algn="l"/>
-                <a:tab pos="10488613" algn="l"/>
-              </a:tabLst>
-            </a:pPr>
-            <a:r>
-              <a:rPr lang="en-GB" sz="2800" dirty="0">
-                <a:solidFill>
-                  <a:srgbClr val="000000"/>
-                </a:solidFill>
-                <a:latin typeface="Times New Roman" pitchFamily="18" charset="0"/>
-              </a:rPr>
-              <a:t>What does </a:t>
-            </a:r>
-            <a:r>
-              <a:rPr lang="en-GB" sz="2800" i="1" dirty="0">
-                <a:solidFill>
-                  <a:srgbClr val="000000"/>
-                </a:solidFill>
-                <a:latin typeface="Times New Roman" pitchFamily="18" charset="0"/>
-              </a:rPr>
-              <a:t>n</a:t>
-            </a:r>
-            <a:r>
-              <a:rPr lang="en-GB" sz="2800" baseline="-25000" dirty="0">
-                <a:solidFill>
-                  <a:srgbClr val="000000"/>
-                </a:solidFill>
-                <a:latin typeface="Times New Roman" pitchFamily="18" charset="0"/>
-              </a:rPr>
-              <a:t>2</a:t>
-            </a:r>
-            <a:r>
-              <a:rPr lang="en-GB" sz="2800" dirty="0">
-                <a:solidFill>
-                  <a:srgbClr val="000000"/>
-                </a:solidFill>
-                <a:latin typeface="Times New Roman" pitchFamily="18" charset="0"/>
-              </a:rPr>
-              <a:t> tell you?</a:t>
-            </a:r>
-          </a:p>
-        </p:txBody>
-      </p:sp>
-    </p:spTree>
-    <p:extLst>
-      <p:ext uri="{BB962C8B-B14F-4D97-AF65-F5344CB8AC3E}">
-        <p14:creationId xmlns:p14="http://schemas.microsoft.com/office/powerpoint/2010/main" val="1871758305"/>
-      </p:ext>
-    </p:extLst>
-  </p:cSld>
-  <p:clrMapOvr>
-    <a:masterClrMapping/>
-  </p:clrMapOvr>
-</p:sld>
-</file>
-
 <file path=ppt/theme/theme1.xml><?xml version="1.0" encoding="utf-8"?>
 <a:theme xmlns:a="http://schemas.openxmlformats.org/drawingml/2006/main" name="Office Theme">
   <a:themeElements>

--- a/Notes/3_Quantum_TheoryII.pptx
+++ b/Notes/3_Quantum_TheoryII.pptx
@@ -242,7 +242,7 @@
           <a:p>
             <a:fld id="{47B5508F-B9DA-3A4B-92BF-6A4138802024}" type="datetimeFigureOut">
               <a:rPr lang="en-US" smtClean="0"/>
-              <a:t>1/29/25</a:t>
+              <a:t>2/3/25</a:t>
             </a:fld>
             <a:endParaRPr lang="en-US"/>
           </a:p>
@@ -678,6 +678,9 @@
             </a:r>
           </a:p>
           <a:p>
+            <a:endParaRPr lang="en-US" dirty="0"/>
+          </a:p>
+          <a:p>
             <a:r>
               <a:rPr lang="en-US" dirty="0"/>
               <a:t>Cf. http://</a:t>
@@ -692,6 +695,28 @@
             </a:r>
             <a:r>
               <a:rPr lang="en-US" dirty="0" err="1"/>
+              <a:t>light.html</a:t>
+            </a:r>
+            <a:endParaRPr lang="en-US" dirty="0"/>
+          </a:p>
+          <a:p>
+            <a:endParaRPr lang="en-US" dirty="0"/>
+          </a:p>
+          <a:p>
+            <a:r>
+              <a:rPr lang="en-US" dirty="0"/>
+              <a:t>Cf. http://</a:t>
+            </a:r>
+            <a:r>
+              <a:rPr lang="en-US" dirty="0" err="1"/>
+              <a:t>www.physicsbootcamp.org</a:t>
+            </a:r>
+            <a:r>
+              <a:rPr lang="en-US" dirty="0"/>
+              <a:t>/section-diffraction-through-a-double-slit-</a:t>
+            </a:r>
+            <a:r>
+              <a:rPr lang="en-US"/>
               <a:t>light.html</a:t>
             </a:r>
             <a:endParaRPr lang="en-US" dirty="0"/>
@@ -1098,7 +1123,7 @@
             <a:fld id="{B2F2B4BC-311C-574E-AB1F-5BCC7E00BDAB}" type="datetimeFigureOut">
               <a:rPr lang="en-US" smtClean="0"/>
               <a:pPr/>
-              <a:t>1/29/25</a:t>
+              <a:t>2/3/25</a:t>
             </a:fld>
             <a:endParaRPr lang="en-US"/>
           </a:p>
@@ -1263,7 +1288,7 @@
             <a:fld id="{B2F2B4BC-311C-574E-AB1F-5BCC7E00BDAB}" type="datetimeFigureOut">
               <a:rPr lang="en-US" smtClean="0"/>
               <a:pPr/>
-              <a:t>1/29/25</a:t>
+              <a:t>2/3/25</a:t>
             </a:fld>
             <a:endParaRPr lang="en-US"/>
           </a:p>
@@ -1438,7 +1463,7 @@
             <a:fld id="{B2F2B4BC-311C-574E-AB1F-5BCC7E00BDAB}" type="datetimeFigureOut">
               <a:rPr lang="en-US" smtClean="0"/>
               <a:pPr/>
-              <a:t>1/29/25</a:t>
+              <a:t>2/3/25</a:t>
             </a:fld>
             <a:endParaRPr lang="en-US"/>
           </a:p>
@@ -1603,7 +1628,7 @@
             <a:fld id="{B2F2B4BC-311C-574E-AB1F-5BCC7E00BDAB}" type="datetimeFigureOut">
               <a:rPr lang="en-US" smtClean="0"/>
               <a:pPr/>
-              <a:t>1/29/25</a:t>
+              <a:t>2/3/25</a:t>
             </a:fld>
             <a:endParaRPr lang="en-US"/>
           </a:p>
@@ -1845,7 +1870,7 @@
             <a:fld id="{B2F2B4BC-311C-574E-AB1F-5BCC7E00BDAB}" type="datetimeFigureOut">
               <a:rPr lang="en-US" smtClean="0"/>
               <a:pPr/>
-              <a:t>1/29/25</a:t>
+              <a:t>2/3/25</a:t>
             </a:fld>
             <a:endParaRPr lang="en-US"/>
           </a:p>
@@ -2127,7 +2152,7 @@
             <a:fld id="{B2F2B4BC-311C-574E-AB1F-5BCC7E00BDAB}" type="datetimeFigureOut">
               <a:rPr lang="en-US" smtClean="0"/>
               <a:pPr/>
-              <a:t>1/29/25</a:t>
+              <a:t>2/3/25</a:t>
             </a:fld>
             <a:endParaRPr lang="en-US"/>
           </a:p>
@@ -2543,7 +2568,7 @@
             <a:fld id="{B2F2B4BC-311C-574E-AB1F-5BCC7E00BDAB}" type="datetimeFigureOut">
               <a:rPr lang="en-US" smtClean="0"/>
               <a:pPr/>
-              <a:t>1/29/25</a:t>
+              <a:t>2/3/25</a:t>
             </a:fld>
             <a:endParaRPr lang="en-US"/>
           </a:p>
@@ -2657,7 +2682,7 @@
             <a:fld id="{B2F2B4BC-311C-574E-AB1F-5BCC7E00BDAB}" type="datetimeFigureOut">
               <a:rPr lang="en-US" smtClean="0"/>
               <a:pPr/>
-              <a:t>1/29/25</a:t>
+              <a:t>2/3/25</a:t>
             </a:fld>
             <a:endParaRPr lang="en-US"/>
           </a:p>
@@ -2749,7 +2774,7 @@
             <a:fld id="{B2F2B4BC-311C-574E-AB1F-5BCC7E00BDAB}" type="datetimeFigureOut">
               <a:rPr lang="en-US" smtClean="0"/>
               <a:pPr/>
-              <a:t>1/29/25</a:t>
+              <a:t>2/3/25</a:t>
             </a:fld>
             <a:endParaRPr lang="en-US"/>
           </a:p>
@@ -3021,7 +3046,7 @@
             <a:fld id="{B2F2B4BC-311C-574E-AB1F-5BCC7E00BDAB}" type="datetimeFigureOut">
               <a:rPr lang="en-US" smtClean="0"/>
               <a:pPr/>
-              <a:t>1/29/25</a:t>
+              <a:t>2/3/25</a:t>
             </a:fld>
             <a:endParaRPr lang="en-US"/>
           </a:p>
@@ -3270,7 +3295,7 @@
             <a:fld id="{B2F2B4BC-311C-574E-AB1F-5BCC7E00BDAB}" type="datetimeFigureOut">
               <a:rPr lang="en-US" smtClean="0"/>
               <a:pPr/>
-              <a:t>1/29/25</a:t>
+              <a:t>2/3/25</a:t>
             </a:fld>
             <a:endParaRPr lang="en-US"/>
           </a:p>
@@ -3478,7 +3503,7 @@
             <a:fld id="{B2F2B4BC-311C-574E-AB1F-5BCC7E00BDAB}" type="datetimeFigureOut">
               <a:rPr lang="en-US" smtClean="0"/>
               <a:pPr/>
-              <a:t>1/29/25</a:t>
+              <a:t>2/3/25</a:t>
             </a:fld>
             <a:endParaRPr lang="en-US"/>
           </a:p>
@@ -7596,7 +7621,21 @@
                 <a:latin typeface="Times New Roman" panose="02020603050405020304" pitchFamily="18" charset="0"/>
                 <a:cs typeface="Times New Roman" panose="02020603050405020304" pitchFamily="18" charset="0"/>
               </a:rPr>
-              <a:t> of interference pattern (minima) occur for </a:t>
+              <a:t> of interference pattern (minima) for a </a:t>
+            </a:r>
+            <a:r>
+              <a:rPr lang="en-US" sz="2200" b="1" dirty="0">
+                <a:latin typeface="Times New Roman" panose="02020603050405020304" pitchFamily="18" charset="0"/>
+                <a:cs typeface="Times New Roman" panose="02020603050405020304" pitchFamily="18" charset="0"/>
+              </a:rPr>
+              <a:t>double slit</a:t>
+            </a:r>
+            <a:r>
+              <a:rPr lang="en-US" sz="2200" dirty="0">
+                <a:latin typeface="Times New Roman" panose="02020603050405020304" pitchFamily="18" charset="0"/>
+                <a:cs typeface="Times New Roman" panose="02020603050405020304" pitchFamily="18" charset="0"/>
+              </a:rPr>
+              <a:t> occur for </a:t>
             </a:r>
             <a:r>
               <a:rPr lang="en-US" sz="2200" i="1" dirty="0" err="1">
@@ -7658,7 +7697,7 @@
         </p:blipFill>
         <p:spPr>
           <a:xfrm>
-            <a:off x="5330144" y="1423562"/>
+            <a:off x="5639239" y="1603868"/>
             <a:ext cx="2117240" cy="294707"/>
           </a:xfrm>
           <a:prstGeom prst="rect">
@@ -7763,7 +7802,7 @@
         </p:nvSpPr>
         <p:spPr>
           <a:xfrm>
-            <a:off x="5225968" y="1363691"/>
+            <a:off x="5535063" y="1543997"/>
             <a:ext cx="3536065" cy="698862"/>
           </a:xfrm>
           <a:prstGeom prst="rect">
@@ -7871,7 +7910,7 @@
         </p:blipFill>
         <p:spPr>
           <a:xfrm>
-            <a:off x="5330144" y="1717325"/>
+            <a:off x="5639239" y="1897631"/>
             <a:ext cx="3377184" cy="294707"/>
           </a:xfrm>
           <a:prstGeom prst="rect">
@@ -8216,6 +8255,84 @@
           </a:prstGeom>
         </p:spPr>
       </p:pic>
+      <p:sp>
+        <p:nvSpPr>
+          <p:cNvPr id="24" name="TextBox 23">
+            <a:extLst>
+              <a:ext uri="{FF2B5EF4-FFF2-40B4-BE49-F238E27FC236}">
+                <a16:creationId xmlns:a16="http://schemas.microsoft.com/office/drawing/2014/main" id="{5437D00D-3A35-E9EA-FBBE-DC660F1653FB}"/>
+              </a:ext>
+            </a:extLst>
+          </p:cNvPr>
+          <p:cNvSpPr txBox="1"/>
+          <p:nvPr/>
+        </p:nvSpPr>
+        <p:spPr>
+          <a:xfrm>
+            <a:off x="7634312" y="1236595"/>
+            <a:ext cx="1574082" cy="338554"/>
+          </a:xfrm>
+          <a:prstGeom prst="rect">
+            <a:avLst/>
+          </a:prstGeom>
+          <a:noFill/>
+        </p:spPr>
+        <p:txBody>
+          <a:bodyPr wrap="square">
+            <a:spAutoFit/>
+          </a:bodyPr>
+          <a:lstStyle/>
+          <a:p>
+            <a:r>
+              <a:rPr lang="en-US" sz="1600" b="1" dirty="0">
+                <a:latin typeface="Times New Roman" panose="02020603050405020304" pitchFamily="18" charset="0"/>
+                <a:cs typeface="Times New Roman" panose="02020603050405020304" pitchFamily="18" charset="0"/>
+              </a:rPr>
+              <a:t>Bragg equation</a:t>
+            </a:r>
+            <a:endParaRPr lang="en-US" sz="1600" dirty="0"/>
+          </a:p>
+        </p:txBody>
+      </p:sp>
+      <p:sp>
+        <p:nvSpPr>
+          <p:cNvPr id="27" name="TextBox 26">
+            <a:extLst>
+              <a:ext uri="{FF2B5EF4-FFF2-40B4-BE49-F238E27FC236}">
+                <a16:creationId xmlns:a16="http://schemas.microsoft.com/office/drawing/2014/main" id="{7EAB59B5-A0F2-234C-7620-A465E0A6E880}"/>
+              </a:ext>
+            </a:extLst>
+          </p:cNvPr>
+          <p:cNvSpPr txBox="1"/>
+          <p:nvPr/>
+        </p:nvSpPr>
+        <p:spPr>
+          <a:xfrm>
+            <a:off x="6898113" y="5722704"/>
+            <a:ext cx="1988310" cy="338554"/>
+          </a:xfrm>
+          <a:prstGeom prst="rect">
+            <a:avLst/>
+          </a:prstGeom>
+          <a:noFill/>
+        </p:spPr>
+        <p:txBody>
+          <a:bodyPr wrap="square">
+            <a:spAutoFit/>
+          </a:bodyPr>
+          <a:lstStyle/>
+          <a:p>
+            <a:r>
+              <a:rPr lang="en-US" sz="1600" b="1" dirty="0">
+                <a:latin typeface="Times New Roman" panose="02020603050405020304" pitchFamily="18" charset="0"/>
+                <a:cs typeface="Times New Roman" panose="02020603050405020304" pitchFamily="18" charset="0"/>
+              </a:rPr>
+              <a:t>double slit intensity</a:t>
+            </a:r>
+            <a:endParaRPr lang="en-US" sz="1600" dirty="0"/>
+          </a:p>
+        </p:txBody>
+      </p:sp>
     </p:spTree>
     <p:extLst>
       <p:ext uri="{BB962C8B-B14F-4D97-AF65-F5344CB8AC3E}">
@@ -9413,6 +9530,79 @@
                                   </p:childTnLst>
                                 </p:cTn>
                               </p:par>
+                              <p:par>
+                                <p:cTn id="73" presetID="2" presetClass="entr" presetSubtype="4" fill="hold" grpId="0" nodeType="withEffect">
+                                  <p:stCondLst>
+                                    <p:cond delay="0"/>
+                                  </p:stCondLst>
+                                  <p:childTnLst>
+                                    <p:set>
+                                      <p:cBhvr>
+                                        <p:cTn id="74" dur="1" fill="hold">
+                                          <p:stCondLst>
+                                            <p:cond delay="0"/>
+                                          </p:stCondLst>
+                                        </p:cTn>
+                                        <p:tgtEl>
+                                          <p:spTgt spid="24"/>
+                                        </p:tgtEl>
+                                        <p:attrNameLst>
+                                          <p:attrName>style.visibility</p:attrName>
+                                        </p:attrNameLst>
+                                      </p:cBhvr>
+                                      <p:to>
+                                        <p:strVal val="visible"/>
+                                      </p:to>
+                                    </p:set>
+                                    <p:anim calcmode="lin" valueType="num">
+                                      <p:cBhvr additive="base">
+                                        <p:cTn id="75" dur="500" fill="hold"/>
+                                        <p:tgtEl>
+                                          <p:spTgt spid="24"/>
+                                        </p:tgtEl>
+                                        <p:attrNameLst>
+                                          <p:attrName>ppt_x</p:attrName>
+                                        </p:attrNameLst>
+                                      </p:cBhvr>
+                                      <p:tavLst>
+                                        <p:tav tm="0">
+                                          <p:val>
+                                            <p:strVal val="#ppt_x"/>
+                                          </p:val>
+                                        </p:tav>
+                                        <p:tav tm="100000">
+                                          <p:val>
+                                            <p:strVal val="#ppt_x"/>
+                                          </p:val>
+                                        </p:tav>
+                                      </p:tavLst>
+                                    </p:anim>
+                                    <p:anim calcmode="lin" valueType="num">
+                                      <p:cBhvr additive="base">
+                                        <p:cTn id="76" dur="500" fill="hold"/>
+                                        <p:tgtEl>
+                                          <p:spTgt spid="24"/>
+                                        </p:tgtEl>
+                                        <p:attrNameLst>
+                                          <p:attrName>ppt_y</p:attrName>
+                                        </p:attrNameLst>
+                                      </p:cBhvr>
+                                      <p:tavLst>
+                                        <p:tav tm="0">
+                                          <p:val>
+                                            <p:strVal val="1+#ppt_h/2"/>
+                                          </p:val>
+                                        </p:tav>
+                                        <p:tav tm="100000">
+                                          <p:val>
+                                            <p:strVal val="#ppt_y"/>
+                                          </p:val>
+                                        </p:tav>
+                                      </p:tavLst>
+                                    </p:anim>
+                                  </p:childTnLst>
+                                </p:cTn>
+                              </p:par>
                             </p:childTnLst>
                           </p:cTn>
                         </p:par>
@@ -9420,92 +9610,19 @@
                     </p:cTn>
                   </p:par>
                   <p:par>
-                    <p:cTn id="73" fill="hold">
+                    <p:cTn id="77" fill="hold">
                       <p:stCondLst>
                         <p:cond delay="indefinite"/>
                       </p:stCondLst>
                       <p:childTnLst>
                         <p:par>
-                          <p:cTn id="74" fill="hold">
+                          <p:cTn id="78" fill="hold">
                             <p:stCondLst>
                               <p:cond delay="0"/>
                             </p:stCondLst>
                             <p:childTnLst>
                               <p:par>
-                                <p:cTn id="75" presetID="2" presetClass="entr" presetSubtype="4" fill="hold" grpId="0" nodeType="clickEffect">
-                                  <p:stCondLst>
-                                    <p:cond delay="0"/>
-                                  </p:stCondLst>
-                                  <p:childTnLst>
-                                    <p:set>
-                                      <p:cBhvr>
-                                        <p:cTn id="76" dur="1" fill="hold">
-                                          <p:stCondLst>
-                                            <p:cond delay="0"/>
-                                          </p:stCondLst>
-                                        </p:cTn>
-                                        <p:tgtEl>
-                                          <p:spTgt spid="29"/>
-                                        </p:tgtEl>
-                                        <p:attrNameLst>
-                                          <p:attrName>style.visibility</p:attrName>
-                                        </p:attrNameLst>
-                                      </p:cBhvr>
-                                      <p:to>
-                                        <p:strVal val="visible"/>
-                                      </p:to>
-                                    </p:set>
-                                    <p:anim calcmode="lin" valueType="num">
-                                      <p:cBhvr additive="base">
-                                        <p:cTn id="77" dur="500" fill="hold"/>
-                                        <p:tgtEl>
-                                          <p:spTgt spid="29"/>
-                                        </p:tgtEl>
-                                        <p:attrNameLst>
-                                          <p:attrName>ppt_x</p:attrName>
-                                        </p:attrNameLst>
-                                      </p:cBhvr>
-                                      <p:tavLst>
-                                        <p:tav tm="0">
-                                          <p:val>
-                                            <p:strVal val="#ppt_x"/>
-                                          </p:val>
-                                        </p:tav>
-                                        <p:tav tm="100000">
-                                          <p:val>
-                                            <p:strVal val="#ppt_x"/>
-                                          </p:val>
-                                        </p:tav>
-                                      </p:tavLst>
-                                    </p:anim>
-                                    <p:anim calcmode="lin" valueType="num">
-                                      <p:cBhvr additive="base">
-                                        <p:cTn id="78" dur="500" fill="hold"/>
-                                        <p:tgtEl>
-                                          <p:spTgt spid="29"/>
-                                        </p:tgtEl>
-                                        <p:attrNameLst>
-                                          <p:attrName>ppt_y</p:attrName>
-                                        </p:attrNameLst>
-                                      </p:cBhvr>
-                                      <p:tavLst>
-                                        <p:tav tm="0">
-                                          <p:val>
-                                            <p:strVal val="1+#ppt_h/2"/>
-                                          </p:val>
-                                        </p:tav>
-                                        <p:tav tm="100000">
-                                          <p:val>
-                                            <p:strVal val="#ppt_y"/>
-                                          </p:val>
-                                        </p:tav>
-                                      </p:tavLst>
-                                    </p:anim>
-                                  </p:childTnLst>
-                                </p:cTn>
-                              </p:par>
-                              <p:par>
-                                <p:cTn id="79" presetID="2" presetClass="entr" presetSubtype="4" fill="hold" nodeType="withEffect">
+                                <p:cTn id="79" presetID="2" presetClass="entr" presetSubtype="4" fill="hold" grpId="0" nodeType="clickEffect">
                                   <p:stCondLst>
                                     <p:cond delay="0"/>
                                   </p:stCondLst>
@@ -9518,7 +9635,7 @@
                                           </p:stCondLst>
                                         </p:cTn>
                                         <p:tgtEl>
-                                          <p:spTgt spid="30"/>
+                                          <p:spTgt spid="29"/>
                                         </p:tgtEl>
                                         <p:attrNameLst>
                                           <p:attrName>style.visibility</p:attrName>
@@ -9532,7 +9649,7 @@
                                       <p:cBhvr additive="base">
                                         <p:cTn id="81" dur="500" fill="hold"/>
                                         <p:tgtEl>
-                                          <p:spTgt spid="30"/>
+                                          <p:spTgt spid="29"/>
                                         </p:tgtEl>
                                         <p:attrNameLst>
                                           <p:attrName>ppt_x</p:attrName>
@@ -9555,7 +9672,7 @@
                                       <p:cBhvr additive="base">
                                         <p:cTn id="82" dur="500" fill="hold"/>
                                         <p:tgtEl>
-                                          <p:spTgt spid="30"/>
+                                          <p:spTgt spid="29"/>
                                         </p:tgtEl>
                                         <p:attrNameLst>
                                           <p:attrName>ppt_y</p:attrName>
@@ -9591,7 +9708,7 @@
                                           </p:stCondLst>
                                         </p:cTn>
                                         <p:tgtEl>
-                                          <p:spTgt spid="18"/>
+                                          <p:spTgt spid="30"/>
                                         </p:tgtEl>
                                         <p:attrNameLst>
                                           <p:attrName>style.visibility</p:attrName>
@@ -9605,7 +9722,7 @@
                                       <p:cBhvr additive="base">
                                         <p:cTn id="85" dur="500" fill="hold"/>
                                         <p:tgtEl>
-                                          <p:spTgt spid="18"/>
+                                          <p:spTgt spid="30"/>
                                         </p:tgtEl>
                                         <p:attrNameLst>
                                           <p:attrName>ppt_x</p:attrName>
@@ -9628,7 +9745,153 @@
                                       <p:cBhvr additive="base">
                                         <p:cTn id="86" dur="500" fill="hold"/>
                                         <p:tgtEl>
+                                          <p:spTgt spid="30"/>
+                                        </p:tgtEl>
+                                        <p:attrNameLst>
+                                          <p:attrName>ppt_y</p:attrName>
+                                        </p:attrNameLst>
+                                      </p:cBhvr>
+                                      <p:tavLst>
+                                        <p:tav tm="0">
+                                          <p:val>
+                                            <p:strVal val="1+#ppt_h/2"/>
+                                          </p:val>
+                                        </p:tav>
+                                        <p:tav tm="100000">
+                                          <p:val>
+                                            <p:strVal val="#ppt_y"/>
+                                          </p:val>
+                                        </p:tav>
+                                      </p:tavLst>
+                                    </p:anim>
+                                  </p:childTnLst>
+                                </p:cTn>
+                              </p:par>
+                              <p:par>
+                                <p:cTn id="87" presetID="2" presetClass="entr" presetSubtype="4" fill="hold" nodeType="withEffect">
+                                  <p:stCondLst>
+                                    <p:cond delay="0"/>
+                                  </p:stCondLst>
+                                  <p:childTnLst>
+                                    <p:set>
+                                      <p:cBhvr>
+                                        <p:cTn id="88" dur="1" fill="hold">
+                                          <p:stCondLst>
+                                            <p:cond delay="0"/>
+                                          </p:stCondLst>
+                                        </p:cTn>
+                                        <p:tgtEl>
                                           <p:spTgt spid="18"/>
+                                        </p:tgtEl>
+                                        <p:attrNameLst>
+                                          <p:attrName>style.visibility</p:attrName>
+                                        </p:attrNameLst>
+                                      </p:cBhvr>
+                                      <p:to>
+                                        <p:strVal val="visible"/>
+                                      </p:to>
+                                    </p:set>
+                                    <p:anim calcmode="lin" valueType="num">
+                                      <p:cBhvr additive="base">
+                                        <p:cTn id="89" dur="500" fill="hold"/>
+                                        <p:tgtEl>
+                                          <p:spTgt spid="18"/>
+                                        </p:tgtEl>
+                                        <p:attrNameLst>
+                                          <p:attrName>ppt_x</p:attrName>
+                                        </p:attrNameLst>
+                                      </p:cBhvr>
+                                      <p:tavLst>
+                                        <p:tav tm="0">
+                                          <p:val>
+                                            <p:strVal val="#ppt_x"/>
+                                          </p:val>
+                                        </p:tav>
+                                        <p:tav tm="100000">
+                                          <p:val>
+                                            <p:strVal val="#ppt_x"/>
+                                          </p:val>
+                                        </p:tav>
+                                      </p:tavLst>
+                                    </p:anim>
+                                    <p:anim calcmode="lin" valueType="num">
+                                      <p:cBhvr additive="base">
+                                        <p:cTn id="90" dur="500" fill="hold"/>
+                                        <p:tgtEl>
+                                          <p:spTgt spid="18"/>
+                                        </p:tgtEl>
+                                        <p:attrNameLst>
+                                          <p:attrName>ppt_y</p:attrName>
+                                        </p:attrNameLst>
+                                      </p:cBhvr>
+                                      <p:tavLst>
+                                        <p:tav tm="0">
+                                          <p:val>
+                                            <p:strVal val="1+#ppt_h/2"/>
+                                          </p:val>
+                                        </p:tav>
+                                        <p:tav tm="100000">
+                                          <p:val>
+                                            <p:strVal val="#ppt_y"/>
+                                          </p:val>
+                                        </p:tav>
+                                      </p:tavLst>
+                                    </p:anim>
+                                  </p:childTnLst>
+                                </p:cTn>
+                              </p:par>
+                              <p:par>
+                                <p:cTn id="91" presetID="2" presetClass="entr" presetSubtype="4" fill="hold" grpId="0" nodeType="withEffect">
+                                  <p:stCondLst>
+                                    <p:cond delay="0"/>
+                                  </p:stCondLst>
+                                  <p:childTnLst>
+                                    <p:set>
+                                      <p:cBhvr>
+                                        <p:cTn id="92" dur="1" fill="hold">
+                                          <p:stCondLst>
+                                            <p:cond delay="0"/>
+                                          </p:stCondLst>
+                                        </p:cTn>
+                                        <p:tgtEl>
+                                          <p:spTgt spid="27"/>
+                                        </p:tgtEl>
+                                        <p:attrNameLst>
+                                          <p:attrName>style.visibility</p:attrName>
+                                        </p:attrNameLst>
+                                      </p:cBhvr>
+                                      <p:to>
+                                        <p:strVal val="visible"/>
+                                      </p:to>
+                                    </p:set>
+                                    <p:anim calcmode="lin" valueType="num">
+                                      <p:cBhvr additive="base">
+                                        <p:cTn id="93" dur="500" fill="hold"/>
+                                        <p:tgtEl>
+                                          <p:spTgt spid="27"/>
+                                        </p:tgtEl>
+                                        <p:attrNameLst>
+                                          <p:attrName>ppt_x</p:attrName>
+                                        </p:attrNameLst>
+                                      </p:cBhvr>
+                                      <p:tavLst>
+                                        <p:tav tm="0">
+                                          <p:val>
+                                            <p:strVal val="#ppt_x"/>
+                                          </p:val>
+                                        </p:tav>
+                                        <p:tav tm="100000">
+                                          <p:val>
+                                            <p:strVal val="#ppt_x"/>
+                                          </p:val>
+                                        </p:tav>
+                                      </p:tavLst>
+                                    </p:anim>
+                                    <p:anim calcmode="lin" valueType="num">
+                                      <p:cBhvr additive="base">
+                                        <p:cTn id="94" dur="500" fill="hold"/>
+                                        <p:tgtEl>
+                                          <p:spTgt spid="27"/>
                                         </p:tgtEl>
                                         <p:attrNameLst>
                                           <p:attrName>ppt_y</p:attrName>
@@ -9657,26 +9920,26 @@
                     </p:cTn>
                   </p:par>
                   <p:par>
-                    <p:cTn id="87" fill="hold">
+                    <p:cTn id="95" fill="hold">
                       <p:stCondLst>
                         <p:cond delay="indefinite"/>
                       </p:stCondLst>
                       <p:childTnLst>
                         <p:par>
-                          <p:cTn id="88" fill="hold">
+                          <p:cTn id="96" fill="hold">
                             <p:stCondLst>
                               <p:cond delay="0"/>
                             </p:stCondLst>
                             <p:childTnLst>
                               <p:par>
-                                <p:cTn id="89" presetID="2" presetClass="entr" presetSubtype="4" fill="hold" grpId="0" nodeType="clickEffect">
+                                <p:cTn id="97" presetID="2" presetClass="entr" presetSubtype="4" fill="hold" grpId="0" nodeType="clickEffect">
                                   <p:stCondLst>
                                     <p:cond delay="0"/>
                                   </p:stCondLst>
                                   <p:childTnLst>
                                     <p:set>
                                       <p:cBhvr>
-                                        <p:cTn id="90" dur="1" fill="hold">
+                                        <p:cTn id="98" dur="1" fill="hold">
                                           <p:stCondLst>
                                             <p:cond delay="0"/>
                                           </p:stCondLst>
@@ -9694,7 +9957,7 @@
                                     </p:set>
                                     <p:anim calcmode="lin" valueType="num">
                                       <p:cBhvr additive="base">
-                                        <p:cTn id="91" dur="500" fill="hold"/>
+                                        <p:cTn id="99" dur="500" fill="hold"/>
                                         <p:tgtEl>
                                           <p:spTgt spid="34"/>
                                         </p:tgtEl>
@@ -9717,7 +9980,7 @@
                                     </p:anim>
                                     <p:anim calcmode="lin" valueType="num">
                                       <p:cBhvr additive="base">
-                                        <p:cTn id="92" dur="500" fill="hold"/>
+                                        <p:cTn id="100" dur="500" fill="hold"/>
                                         <p:tgtEl>
                                           <p:spTgt spid="34"/>
                                         </p:tgtEl>
@@ -9742,14 +10005,14 @@
                                 </p:cTn>
                               </p:par>
                               <p:par>
-                                <p:cTn id="93" presetID="2" presetClass="entr" presetSubtype="4" fill="hold" grpId="0" nodeType="withEffect">
+                                <p:cTn id="101" presetID="2" presetClass="entr" presetSubtype="4" fill="hold" grpId="0" nodeType="withEffect">
                                   <p:stCondLst>
                                     <p:cond delay="0"/>
                                   </p:stCondLst>
                                   <p:childTnLst>
                                     <p:set>
                                       <p:cBhvr>
-                                        <p:cTn id="94" dur="1" fill="hold">
+                                        <p:cTn id="102" dur="1" fill="hold">
                                           <p:stCondLst>
                                             <p:cond delay="0"/>
                                           </p:stCondLst>
@@ -9767,7 +10030,7 @@
                                     </p:set>
                                     <p:anim calcmode="lin" valueType="num">
                                       <p:cBhvr additive="base">
-                                        <p:cTn id="95" dur="500" fill="hold"/>
+                                        <p:cTn id="103" dur="500" fill="hold"/>
                                         <p:tgtEl>
                                           <p:spTgt spid="33"/>
                                         </p:tgtEl>
@@ -9790,7 +10053,7 @@
                                     </p:anim>
                                     <p:anim calcmode="lin" valueType="num">
                                       <p:cBhvr additive="base">
-                                        <p:cTn id="96" dur="500" fill="hold"/>
+                                        <p:cTn id="104" dur="500" fill="hold"/>
                                         <p:tgtEl>
                                           <p:spTgt spid="33"/>
                                         </p:tgtEl>
@@ -9853,6 +10116,8 @@
       <p:bldP spid="29" grpId="0"/>
       <p:bldP spid="33" grpId="0" animBg="1"/>
       <p:bldP spid="34" grpId="0" animBg="1"/>
+      <p:bldP spid="24" grpId="0"/>
+      <p:bldP spid="27" grpId="0"/>
     </p:bldLst>
   </p:timing>
 </p:sld>
@@ -11186,6 +11451,45 @@
           <a:p>
             <a:pPr algn="ctr"/>
             <a:endParaRPr lang="en-US" dirty="0"/>
+          </a:p>
+        </p:txBody>
+      </p:sp>
+      <p:sp>
+        <p:nvSpPr>
+          <p:cNvPr id="2" name="TextBox 1">
+            <a:extLst>
+              <a:ext uri="{FF2B5EF4-FFF2-40B4-BE49-F238E27FC236}">
+                <a16:creationId xmlns:a16="http://schemas.microsoft.com/office/drawing/2014/main" id="{CDA5E2D4-7619-DC6A-5D8A-205E062C4E53}"/>
+              </a:ext>
+            </a:extLst>
+          </p:cNvPr>
+          <p:cNvSpPr txBox="1"/>
+          <p:nvPr/>
+        </p:nvSpPr>
+        <p:spPr>
+          <a:xfrm>
+            <a:off x="7115518" y="2645546"/>
+            <a:ext cx="1988310" cy="338554"/>
+          </a:xfrm>
+          <a:prstGeom prst="rect">
+            <a:avLst/>
+          </a:prstGeom>
+          <a:noFill/>
+        </p:spPr>
+        <p:txBody>
+          <a:bodyPr wrap="square">
+            <a:spAutoFit/>
+          </a:bodyPr>
+          <a:lstStyle/>
+          <a:p>
+            <a:r>
+              <a:rPr lang="en-US" sz="1600" b="1" dirty="0">
+                <a:latin typeface="Times New Roman" panose="02020603050405020304" pitchFamily="18" charset="0"/>
+                <a:cs typeface="Times New Roman" panose="02020603050405020304" pitchFamily="18" charset="0"/>
+              </a:rPr>
+              <a:t>single slit intensity</a:t>
+            </a:r>
+            <a:endParaRPr lang="en-US" sz="1600" dirty="0"/>
           </a:p>
         </p:txBody>
       </p:sp>
@@ -36714,12 +37018,22 @@
             <a:r>
               <a:rPr lang="en-US" sz="2000" dirty="0">
                 <a:solidFill>
+                  <a:schemeClr val="accent6"/>
+                </a:solidFill>
+                <a:latin typeface="Courier"/>
+                <a:cs typeface="Courier"/>
+              </a:rPr>
+              <a:t>library</a:t>
+            </a:r>
+            <a:r>
+              <a:rPr lang="en-US" sz="2000" dirty="0">
+                <a:solidFill>
                   <a:schemeClr val="bg1"/>
                 </a:solidFill>
                 <a:latin typeface="Courier"/>
                 <a:cs typeface="Courier"/>
               </a:rPr>
-              <a:t>library(che302r)</a:t>
+              <a:t>(che302r)</a:t>
             </a:r>
           </a:p>
           <a:p>
@@ -38502,12 +38816,22 @@
             <a:r>
               <a:rPr lang="en-US" sz="2400" dirty="0">
                 <a:solidFill>
+                  <a:schemeClr val="accent6"/>
+                </a:solidFill>
+                <a:latin typeface="Courier"/>
+                <a:cs typeface="Courier"/>
+              </a:rPr>
+              <a:t>library</a:t>
+            </a:r>
+            <a:r>
+              <a:rPr lang="en-US" sz="2400" dirty="0">
+                <a:solidFill>
                   <a:schemeClr val="bg1"/>
                 </a:solidFill>
                 <a:latin typeface="Courier"/>
                 <a:cs typeface="Courier"/>
               </a:rPr>
-              <a:t>library(che302r)</a:t>
+              <a:t>(che302r)</a:t>
             </a:r>
           </a:p>
           <a:p>

--- a/Notes/3_Quantum_TheoryII.pptx
+++ b/Notes/3_Quantum_TheoryII.pptx
@@ -242,7 +242,7 @@
           <a:p>
             <a:fld id="{47B5508F-B9DA-3A4B-92BF-6A4138802024}" type="datetimeFigureOut">
               <a:rPr lang="en-US" smtClean="0"/>
-              <a:t>2/3/25</a:t>
+              <a:t>2/13/25</a:t>
             </a:fld>
             <a:endParaRPr lang="en-US"/>
           </a:p>
@@ -1123,7 +1123,7 @@
             <a:fld id="{B2F2B4BC-311C-574E-AB1F-5BCC7E00BDAB}" type="datetimeFigureOut">
               <a:rPr lang="en-US" smtClean="0"/>
               <a:pPr/>
-              <a:t>2/3/25</a:t>
+              <a:t>2/13/25</a:t>
             </a:fld>
             <a:endParaRPr lang="en-US"/>
           </a:p>
@@ -1288,7 +1288,7 @@
             <a:fld id="{B2F2B4BC-311C-574E-AB1F-5BCC7E00BDAB}" type="datetimeFigureOut">
               <a:rPr lang="en-US" smtClean="0"/>
               <a:pPr/>
-              <a:t>2/3/25</a:t>
+              <a:t>2/13/25</a:t>
             </a:fld>
             <a:endParaRPr lang="en-US"/>
           </a:p>
@@ -1463,7 +1463,7 @@
             <a:fld id="{B2F2B4BC-311C-574E-AB1F-5BCC7E00BDAB}" type="datetimeFigureOut">
               <a:rPr lang="en-US" smtClean="0"/>
               <a:pPr/>
-              <a:t>2/3/25</a:t>
+              <a:t>2/13/25</a:t>
             </a:fld>
             <a:endParaRPr lang="en-US"/>
           </a:p>
@@ -1628,7 +1628,7 @@
             <a:fld id="{B2F2B4BC-311C-574E-AB1F-5BCC7E00BDAB}" type="datetimeFigureOut">
               <a:rPr lang="en-US" smtClean="0"/>
               <a:pPr/>
-              <a:t>2/3/25</a:t>
+              <a:t>2/13/25</a:t>
             </a:fld>
             <a:endParaRPr lang="en-US"/>
           </a:p>
@@ -1870,7 +1870,7 @@
             <a:fld id="{B2F2B4BC-311C-574E-AB1F-5BCC7E00BDAB}" type="datetimeFigureOut">
               <a:rPr lang="en-US" smtClean="0"/>
               <a:pPr/>
-              <a:t>2/3/25</a:t>
+              <a:t>2/13/25</a:t>
             </a:fld>
             <a:endParaRPr lang="en-US"/>
           </a:p>
@@ -2152,7 +2152,7 @@
             <a:fld id="{B2F2B4BC-311C-574E-AB1F-5BCC7E00BDAB}" type="datetimeFigureOut">
               <a:rPr lang="en-US" smtClean="0"/>
               <a:pPr/>
-              <a:t>2/3/25</a:t>
+              <a:t>2/13/25</a:t>
             </a:fld>
             <a:endParaRPr lang="en-US"/>
           </a:p>
@@ -2568,7 +2568,7 @@
             <a:fld id="{B2F2B4BC-311C-574E-AB1F-5BCC7E00BDAB}" type="datetimeFigureOut">
               <a:rPr lang="en-US" smtClean="0"/>
               <a:pPr/>
-              <a:t>2/3/25</a:t>
+              <a:t>2/13/25</a:t>
             </a:fld>
             <a:endParaRPr lang="en-US"/>
           </a:p>
@@ -2682,7 +2682,7 @@
             <a:fld id="{B2F2B4BC-311C-574E-AB1F-5BCC7E00BDAB}" type="datetimeFigureOut">
               <a:rPr lang="en-US" smtClean="0"/>
               <a:pPr/>
-              <a:t>2/3/25</a:t>
+              <a:t>2/13/25</a:t>
             </a:fld>
             <a:endParaRPr lang="en-US"/>
           </a:p>
@@ -2774,7 +2774,7 @@
             <a:fld id="{B2F2B4BC-311C-574E-AB1F-5BCC7E00BDAB}" type="datetimeFigureOut">
               <a:rPr lang="en-US" smtClean="0"/>
               <a:pPr/>
-              <a:t>2/3/25</a:t>
+              <a:t>2/13/25</a:t>
             </a:fld>
             <a:endParaRPr lang="en-US"/>
           </a:p>
@@ -3046,7 +3046,7 @@
             <a:fld id="{B2F2B4BC-311C-574E-AB1F-5BCC7E00BDAB}" type="datetimeFigureOut">
               <a:rPr lang="en-US" smtClean="0"/>
               <a:pPr/>
-              <a:t>2/3/25</a:t>
+              <a:t>2/13/25</a:t>
             </a:fld>
             <a:endParaRPr lang="en-US"/>
           </a:p>
@@ -3295,7 +3295,7 @@
             <a:fld id="{B2F2B4BC-311C-574E-AB1F-5BCC7E00BDAB}" type="datetimeFigureOut">
               <a:rPr lang="en-US" smtClean="0"/>
               <a:pPr/>
-              <a:t>2/3/25</a:t>
+              <a:t>2/13/25</a:t>
             </a:fld>
             <a:endParaRPr lang="en-US"/>
           </a:p>
@@ -3503,7 +3503,7 @@
             <a:fld id="{B2F2B4BC-311C-574E-AB1F-5BCC7E00BDAB}" type="datetimeFigureOut">
               <a:rPr lang="en-US" smtClean="0"/>
               <a:pPr/>
-              <a:t>2/3/25</a:t>
+              <a:t>2/13/25</a:t>
             </a:fld>
             <a:endParaRPr lang="en-US"/>
           </a:p>
@@ -4059,7 +4059,7 @@
                       <a:noFill/>
                       <a:extLst>
                         <a:ext uri="{909E8E84-426E-40dd-AFC4-6F175D3DCCD1}">
-                          <a14:hiddenFill xmlns="" xmlns:a14="http://schemas.microsoft.com/office/drawing/2010/main">
+                          <a14:hiddenFill xmlns:a14="http://schemas.microsoft.com/office/drawing/2010/main" xmlns="">
                             <a:blipFill dpi="0" rotWithShape="0">
                               <a:blip/>
                               <a:srcRect/>
@@ -4139,7 +4139,7 @@
                       <a:noFill/>
                       <a:extLst>
                         <a:ext uri="{909E8E84-426E-40dd-AFC4-6F175D3DCCD1}">
-                          <a14:hiddenFill xmlns="" xmlns:a14="http://schemas.microsoft.com/office/drawing/2010/main">
+                          <a14:hiddenFill xmlns:a14="http://schemas.microsoft.com/office/drawing/2010/main" xmlns="">
                             <a:blipFill dpi="0" rotWithShape="0">
                               <a:blip/>
                               <a:srcRect/>
@@ -5301,7 +5301,7 @@
                       <a:noFill/>
                       <a:extLst>
                         <a:ext uri="{909E8E84-426E-40dd-AFC4-6F175D3DCCD1}">
-                          <a14:hiddenFill xmlns="" xmlns:a14="http://schemas.microsoft.com/office/drawing/2010/main">
+                          <a14:hiddenFill xmlns:a14="http://schemas.microsoft.com/office/drawing/2010/main" xmlns="">
                             <a:blipFill dpi="0" rotWithShape="0">
                               <a:blip/>
                               <a:srcRect/>
@@ -5381,7 +5381,7 @@
                       <a:noFill/>
                       <a:extLst>
                         <a:ext uri="{909E8E84-426E-40dd-AFC4-6F175D3DCCD1}">
-                          <a14:hiddenFill xmlns="" xmlns:a14="http://schemas.microsoft.com/office/drawing/2010/main">
+                          <a14:hiddenFill xmlns:a14="http://schemas.microsoft.com/office/drawing/2010/main" xmlns="">
                             <a:blipFill dpi="0" rotWithShape="0">
                               <a:blip/>
                               <a:srcRect/>
@@ -28466,7 +28466,7 @@
                 <a:latin typeface="Symbol" charset="2"/>
                 <a:cs typeface="Symbol" charset="2"/>
               </a:rPr>
-              <a:t> (…</a:t>
+              <a:t> (</a:t>
             </a:r>
             <a:r>
               <a:rPr lang="en-GB" sz="3200" dirty="0">
@@ -39481,7 +39481,7 @@
                       <a:noFill/>
                       <a:extLst>
                         <a:ext uri="{909E8E84-426E-40dd-AFC4-6F175D3DCCD1}">
-                          <a14:hiddenFill xmlns="" xmlns:a14="http://schemas.microsoft.com/office/drawing/2010/main">
+                          <a14:hiddenFill xmlns:a14="http://schemas.microsoft.com/office/drawing/2010/main" xmlns="">
                             <a:blipFill dpi="0" rotWithShape="0">
                               <a:blip/>
                               <a:srcRect/>
@@ -39561,7 +39561,7 @@
                       <a:noFill/>
                       <a:extLst>
                         <a:ext uri="{909E8E84-426E-40dd-AFC4-6F175D3DCCD1}">
-                          <a14:hiddenFill xmlns="" xmlns:a14="http://schemas.microsoft.com/office/drawing/2010/main">
+                          <a14:hiddenFill xmlns:a14="http://schemas.microsoft.com/office/drawing/2010/main" xmlns="">
                             <a:blipFill dpi="0" rotWithShape="0">
                               <a:blip/>
                               <a:srcRect/>

--- a/Notes/3_Quantum_TheoryII.pptx
+++ b/Notes/3_Quantum_TheoryII.pptx
@@ -242,7 +242,7 @@
           <a:p>
             <a:fld id="{47B5508F-B9DA-3A4B-92BF-6A4138802024}" type="datetimeFigureOut">
               <a:rPr lang="en-US" smtClean="0"/>
-              <a:t>2/13/25</a:t>
+              <a:t>3/21/25</a:t>
             </a:fld>
             <a:endParaRPr lang="en-US"/>
           </a:p>
@@ -1123,7 +1123,7 @@
             <a:fld id="{B2F2B4BC-311C-574E-AB1F-5BCC7E00BDAB}" type="datetimeFigureOut">
               <a:rPr lang="en-US" smtClean="0"/>
               <a:pPr/>
-              <a:t>2/13/25</a:t>
+              <a:t>3/21/25</a:t>
             </a:fld>
             <a:endParaRPr lang="en-US"/>
           </a:p>
@@ -1288,7 +1288,7 @@
             <a:fld id="{B2F2B4BC-311C-574E-AB1F-5BCC7E00BDAB}" type="datetimeFigureOut">
               <a:rPr lang="en-US" smtClean="0"/>
               <a:pPr/>
-              <a:t>2/13/25</a:t>
+              <a:t>3/21/25</a:t>
             </a:fld>
             <a:endParaRPr lang="en-US"/>
           </a:p>
@@ -1463,7 +1463,7 @@
             <a:fld id="{B2F2B4BC-311C-574E-AB1F-5BCC7E00BDAB}" type="datetimeFigureOut">
               <a:rPr lang="en-US" smtClean="0"/>
               <a:pPr/>
-              <a:t>2/13/25</a:t>
+              <a:t>3/21/25</a:t>
             </a:fld>
             <a:endParaRPr lang="en-US"/>
           </a:p>
@@ -1628,7 +1628,7 @@
             <a:fld id="{B2F2B4BC-311C-574E-AB1F-5BCC7E00BDAB}" type="datetimeFigureOut">
               <a:rPr lang="en-US" smtClean="0"/>
               <a:pPr/>
-              <a:t>2/13/25</a:t>
+              <a:t>3/21/25</a:t>
             </a:fld>
             <a:endParaRPr lang="en-US"/>
           </a:p>
@@ -1870,7 +1870,7 @@
             <a:fld id="{B2F2B4BC-311C-574E-AB1F-5BCC7E00BDAB}" type="datetimeFigureOut">
               <a:rPr lang="en-US" smtClean="0"/>
               <a:pPr/>
-              <a:t>2/13/25</a:t>
+              <a:t>3/21/25</a:t>
             </a:fld>
             <a:endParaRPr lang="en-US"/>
           </a:p>
@@ -2152,7 +2152,7 @@
             <a:fld id="{B2F2B4BC-311C-574E-AB1F-5BCC7E00BDAB}" type="datetimeFigureOut">
               <a:rPr lang="en-US" smtClean="0"/>
               <a:pPr/>
-              <a:t>2/13/25</a:t>
+              <a:t>3/21/25</a:t>
             </a:fld>
             <a:endParaRPr lang="en-US"/>
           </a:p>
@@ -2568,7 +2568,7 @@
             <a:fld id="{B2F2B4BC-311C-574E-AB1F-5BCC7E00BDAB}" type="datetimeFigureOut">
               <a:rPr lang="en-US" smtClean="0"/>
               <a:pPr/>
-              <a:t>2/13/25</a:t>
+              <a:t>3/21/25</a:t>
             </a:fld>
             <a:endParaRPr lang="en-US"/>
           </a:p>
@@ -2682,7 +2682,7 @@
             <a:fld id="{B2F2B4BC-311C-574E-AB1F-5BCC7E00BDAB}" type="datetimeFigureOut">
               <a:rPr lang="en-US" smtClean="0"/>
               <a:pPr/>
-              <a:t>2/13/25</a:t>
+              <a:t>3/21/25</a:t>
             </a:fld>
             <a:endParaRPr lang="en-US"/>
           </a:p>
@@ -2774,7 +2774,7 @@
             <a:fld id="{B2F2B4BC-311C-574E-AB1F-5BCC7E00BDAB}" type="datetimeFigureOut">
               <a:rPr lang="en-US" smtClean="0"/>
               <a:pPr/>
-              <a:t>2/13/25</a:t>
+              <a:t>3/21/25</a:t>
             </a:fld>
             <a:endParaRPr lang="en-US"/>
           </a:p>
@@ -3046,7 +3046,7 @@
             <a:fld id="{B2F2B4BC-311C-574E-AB1F-5BCC7E00BDAB}" type="datetimeFigureOut">
               <a:rPr lang="en-US" smtClean="0"/>
               <a:pPr/>
-              <a:t>2/13/25</a:t>
+              <a:t>3/21/25</a:t>
             </a:fld>
             <a:endParaRPr lang="en-US"/>
           </a:p>
@@ -3295,7 +3295,7 @@
             <a:fld id="{B2F2B4BC-311C-574E-AB1F-5BCC7E00BDAB}" type="datetimeFigureOut">
               <a:rPr lang="en-US" smtClean="0"/>
               <a:pPr/>
-              <a:t>2/13/25</a:t>
+              <a:t>3/21/25</a:t>
             </a:fld>
             <a:endParaRPr lang="en-US"/>
           </a:p>
@@ -3503,7 +3503,7 @@
             <a:fld id="{B2F2B4BC-311C-574E-AB1F-5BCC7E00BDAB}" type="datetimeFigureOut">
               <a:rPr lang="en-US" smtClean="0"/>
               <a:pPr/>
-              <a:t>2/13/25</a:t>
+              <a:t>3/21/25</a:t>
             </a:fld>
             <a:endParaRPr lang="en-US"/>
           </a:p>
@@ -10279,7 +10279,7 @@
                 <a:latin typeface="Times New Roman" panose="02020603050405020304" pitchFamily="18" charset="0"/>
                 <a:cs typeface="Times New Roman" panose="02020603050405020304" pitchFamily="18" charset="0"/>
               </a:rPr>
-              <a:t>The third fringe of an interference pattern formed by a beam of particles traveling though a double slit mask appears at 3.1</a:t>
+              <a:t>The third fringe of an interference pattern formed by a beam of particles traveling through a double slit mask appears at 3.1</a:t>
             </a:r>
             <a:r>
               <a:rPr lang="en-US" sz="2200" baseline="30000" dirty="0">
@@ -18357,7 +18357,7 @@
           <p:spPr>
             <a:xfrm>
               <a:off x="2497413" y="4833981"/>
-              <a:ext cx="2962019" cy="369332"/>
+              <a:ext cx="2958887" cy="369332"/>
             </a:xfrm>
             <a:prstGeom prst="rect">
               <a:avLst/>
@@ -18376,7 +18376,7 @@
                   </a:solidFill>
                   <a:latin typeface="Times New Roman" pitchFamily="18" charset="0"/>
                 </a:rPr>
-                <a:t>Rydberg const. = 109625 </a:t>
+                <a:t>Rydberg const. ≈ 109678 </a:t>
               </a:r>
               <a:r>
                 <a:rPr lang="en-GB" i="1" dirty="0">
@@ -23691,8 +23691,8 @@
         </p:nvSpPr>
         <p:spPr>
           <a:xfrm>
-            <a:off x="318294" y="1490008"/>
-            <a:ext cx="8534399" cy="3170099"/>
+            <a:off x="318294" y="1142277"/>
+            <a:ext cx="8534399" cy="3477875"/>
           </a:xfrm>
           <a:prstGeom prst="rect">
             <a:avLst/>
@@ -23710,12 +23710,22 @@
             <a:r>
               <a:rPr lang="en-US" sz="2000" dirty="0">
                 <a:solidFill>
+                  <a:schemeClr val="accent6"/>
+                </a:solidFill>
+                <a:latin typeface="Courier"/>
+                <a:cs typeface="Courier"/>
+              </a:rPr>
+              <a:t>library</a:t>
+            </a:r>
+            <a:r>
+              <a:rPr lang="en-US" sz="2000" dirty="0">
+                <a:solidFill>
                   <a:schemeClr val="bg1"/>
                 </a:solidFill>
                 <a:latin typeface="Courier"/>
                 <a:cs typeface="Courier"/>
               </a:rPr>
-              <a:t>library(che302r)</a:t>
+              <a:t>(che302r)</a:t>
             </a:r>
           </a:p>
           <a:p>
@@ -23729,6 +23739,16 @@
           </a:p>
           <a:p>
             <a:r>
+              <a:rPr lang="en-US" sz="2000" dirty="0" err="1">
+                <a:solidFill>
+                  <a:schemeClr val="bg1"/>
+                </a:solidFill>
+                <a:latin typeface="Courier"/>
+                <a:cs typeface="Courier"/>
+              </a:rPr>
+              <a:t>nlo</a:t>
+            </a:r>
+            <a:r>
               <a:rPr lang="en-US" sz="2000" dirty="0">
                 <a:solidFill>
                   <a:schemeClr val="bg1"/>
@@ -23736,6 +23756,18 @@
                 <a:latin typeface="Courier"/>
                 <a:cs typeface="Courier"/>
               </a:rPr>
+              <a:t>       &lt;- 3</a:t>
+            </a:r>
+          </a:p>
+          <a:p>
+            <a:r>
+              <a:rPr lang="en-US" sz="2000" dirty="0">
+                <a:solidFill>
+                  <a:schemeClr val="bg1"/>
+                </a:solidFill>
+                <a:latin typeface="Courier"/>
+                <a:cs typeface="Courier"/>
+              </a:rPr>
               <a:t>Eph       &lt;- 1.8147e-19</a:t>
             </a:r>
           </a:p>
@@ -23758,7 +23790,7 @@
                 <a:latin typeface="Courier"/>
                 <a:cs typeface="Courier"/>
               </a:rPr>
-              <a:t> &lt;- 2.177641e-18 </a:t>
+              <a:t> &lt;- 2.178e-18  </a:t>
             </a:r>
             <a:r>
               <a:rPr lang="en-US" sz="2000" dirty="0">
@@ -23926,10 +23958,10 @@
       </p:pic>
       <p:pic>
         <p:nvPicPr>
-          <p:cNvPr id="3" name="Picture 2">
+          <p:cNvPr id="2" name="Picture 1">
             <a:extLst>
               <a:ext uri="{FF2B5EF4-FFF2-40B4-BE49-F238E27FC236}">
-                <a16:creationId xmlns:a16="http://schemas.microsoft.com/office/drawing/2014/main" id="{28D6FF6B-9C24-2E49-4E1A-0FE114751C90}"/>
+                <a16:creationId xmlns:a16="http://schemas.microsoft.com/office/drawing/2014/main" id="{7D7BFBC5-F84C-35F6-A3F9-4126C881EAFE}"/>
               </a:ext>
             </a:extLst>
           </p:cNvPr>
@@ -23946,8 +23978,8 @@
         </p:blipFill>
         <p:spPr>
           <a:xfrm>
-            <a:off x="1730689" y="5169507"/>
-            <a:ext cx="5893638" cy="1329392"/>
+            <a:off x="1673000" y="5190186"/>
+            <a:ext cx="5823758" cy="1333685"/>
           </a:xfrm>
           <a:prstGeom prst="rect">
             <a:avLst/>
